--- a/ds_challenge_presentation_HanJiang.pptx
+++ b/ds_challenge_presentation_HanJiang.pptx
@@ -5310,7 +5310,7 @@
           </a:bodyPr>
           <a:lstStyle/>
           <a:p>
-            <a:endParaRPr lang="en-US" sz="2000" dirty="0"/>
+            <a:endParaRPr lang="en-US" sz="2200" dirty="0"/>
           </a:p>
           <a:p>
             <a:r>
@@ -5335,13 +5335,21 @@
           <a:p>
             <a:r>
               <a:rPr lang="en-US" sz="2200" dirty="0"/>
+              <a:t>Problems:</a:t>
+            </a:r>
+          </a:p>
+          <a:p>
+            <a:pPr lvl="1"/>
+            <a:r>
+              <a:rPr lang="en-US" sz="2200" dirty="0"/>
               <a:t>Train and test performance is not consistent</a:t>
             </a:r>
           </a:p>
           <a:p>
+            <a:pPr lvl="1"/>
             <a:r>
               <a:rPr lang="en-US" sz="2200" dirty="0"/>
-              <a:t>This is due to  a significant pattern at 2009 June</a:t>
+              <a:t>This is due to  a significant shift at 2009 June</a:t>
             </a:r>
           </a:p>
         </p:txBody>
@@ -6114,6 +6122,12 @@
             <a:r>
               <a:rPr lang="en-US" sz="2200" dirty="0"/>
               <a:t>and simple train test split </a:t>
+            </a:r>
+          </a:p>
+          <a:p>
+            <a:r>
+              <a:rPr lang="en-US" sz="2200" dirty="0"/>
+              <a:t>Test AUC ~ 0.75</a:t>
             </a:r>
           </a:p>
           <a:p>
@@ -7014,7 +7028,7 @@
             <a:pPr lvl="1"/>
             <a:r>
               <a:rPr lang="en-US" dirty="0"/>
-              <a:t>EDA indicates a sharp pattern change at 2009 June, likely due to social and economic factors</a:t>
+              <a:t>EDA indicates a sharp shift at 2009 June, likely due to social and economic factors</a:t>
             </a:r>
           </a:p>
           <a:p>
@@ -7359,7 +7373,7 @@
         </p:nvSpPr>
         <p:spPr>
           <a:xfrm>
-            <a:off x="86176" y="1941427"/>
+            <a:off x="-82651" y="2774759"/>
             <a:ext cx="4596499" cy="4351338"/>
           </a:xfrm>
         </p:spPr>
@@ -7370,12 +7384,6 @@
           <a:lstStyle/>
           <a:p>
             <a:r>
-              <a:rPr lang="en-US" sz="2000" dirty="0"/>
-              <a:t>Aggregate features over the contact month</a:t>
-            </a:r>
-          </a:p>
-          <a:p>
-            <a:r>
               <a:rPr lang="en-US" sz="2000" b="1" dirty="0"/>
               <a:t>Yes rate </a:t>
             </a:r>
@@ -7389,24 +7397,7 @@
             </a:r>
           </a:p>
           <a:p>
-            <a:r>
-              <a:rPr lang="en-US" sz="2000" dirty="0"/>
-              <a:t>Changes after 2009 June</a:t>
-            </a:r>
-          </a:p>
-          <a:p>
-            <a:pPr lvl="1"/>
-            <a:r>
-              <a:rPr lang="en-US" sz="1600" dirty="0"/>
-              <a:t>The monthly clients count drops from 3.6K to 310 </a:t>
-            </a:r>
-          </a:p>
-          <a:p>
-            <a:pPr lvl="1"/>
-            <a:r>
-              <a:rPr lang="en-US" sz="1600" dirty="0"/>
-              <a:t>The monthly yes rate increases from 16.8% to 47%</a:t>
-            </a:r>
+            <a:endParaRPr lang="en-US" sz="2000" b="1" dirty="0"/>
           </a:p>
           <a:p>
             <a:r>
@@ -7456,8 +7447,8 @@
         </p:blipFill>
         <p:spPr>
           <a:xfrm>
-            <a:off x="4592145" y="2740229"/>
-            <a:ext cx="7599855" cy="3552536"/>
+            <a:off x="4592146" y="2740229"/>
+            <a:ext cx="6542700" cy="3058371"/>
           </a:xfrm>
           <a:prstGeom prst="rect">
             <a:avLst/>
@@ -7515,7 +7506,7 @@
         </p:nvCxnSpPr>
         <p:spPr>
           <a:xfrm>
-            <a:off x="7958384" y="2812655"/>
+            <a:off x="7495397" y="2429911"/>
             <a:ext cx="0" cy="3368689"/>
           </a:xfrm>
           <a:prstGeom prst="line">
@@ -7557,7 +7548,7 @@
         </p:nvSpPr>
         <p:spPr>
           <a:xfrm>
-            <a:off x="7306744" y="6292765"/>
+            <a:off x="7482973" y="4960358"/>
             <a:ext cx="1303280" cy="369332"/>
           </a:xfrm>
           <a:prstGeom prst="rect">
@@ -7592,8 +7583,8 @@
         </p:nvSpPr>
         <p:spPr>
           <a:xfrm>
-            <a:off x="4568488" y="1490585"/>
-            <a:ext cx="4041747" cy="646331"/>
+            <a:off x="5348833" y="1460743"/>
+            <a:ext cx="4710841" cy="369332"/>
           </a:xfrm>
           <a:prstGeom prst="rect">
             <a:avLst/>
@@ -7616,21 +7607,7 @@
                   <a:srgbClr val="FF0000"/>
                 </a:solidFill>
               </a:rPr>
-              <a:t>Monthly client counts before 2009 June</a:t>
-            </a:r>
-          </a:p>
-          <a:p>
-            <a:pPr marL="285750" indent="-285750">
-              <a:buFont typeface="Arial" panose="020B0604020202020204" pitchFamily="34" charset="0"/>
-              <a:buChar char="•"/>
-            </a:pPr>
-            <a:r>
-              <a:rPr lang="en-US" dirty="0">
-                <a:solidFill>
-                  <a:srgbClr val="FF0000"/>
-                </a:solidFill>
-              </a:rPr>
-              <a:t>mean= 3.6K/month, std= 2.8K/month </a:t>
+              <a:t>Monthly client counts decrease from 3.6K to 310</a:t>
             </a:r>
           </a:p>
         </p:txBody>
@@ -7649,8 +7626,8 @@
         </p:nvSpPr>
         <p:spPr>
           <a:xfrm>
-            <a:off x="3465867" y="6074632"/>
-            <a:ext cx="3545330" cy="646331"/>
+            <a:off x="5461457" y="5952890"/>
+            <a:ext cx="4433393" cy="369332"/>
           </a:xfrm>
           <a:prstGeom prst="rect">
             <a:avLst/>
@@ -7673,21 +7650,7 @@
                   <a:schemeClr val="accent1"/>
                 </a:solidFill>
               </a:rPr>
-              <a:t>Monthly yes rate before 2009 June</a:t>
-            </a:r>
-          </a:p>
-          <a:p>
-            <a:pPr marL="285750" indent="-285750">
-              <a:buFont typeface="Arial" panose="020B0604020202020204" pitchFamily="34" charset="0"/>
-              <a:buChar char="•"/>
-            </a:pPr>
-            <a:r>
-              <a:rPr lang="en-US" dirty="0">
-                <a:solidFill>
-                  <a:schemeClr val="accent1"/>
-                </a:solidFill>
-              </a:rPr>
-              <a:t>mean=16.8%, std= 20%</a:t>
+              <a:t>Monthly yes rate increase from 16.8% to 47%</a:t>
             </a:r>
           </a:p>
         </p:txBody>
@@ -7707,9 +7670,9 @@
           <p:nvPr/>
         </p:nvCxnSpPr>
         <p:spPr>
-          <a:xfrm flipV="1">
-            <a:off x="4706112" y="5145024"/>
-            <a:ext cx="1389888" cy="997869"/>
+          <a:xfrm flipH="1" flipV="1">
+            <a:off x="6096000" y="5145025"/>
+            <a:ext cx="743219" cy="805231"/>
           </a:xfrm>
           <a:prstGeom prst="straightConnector1">
             <a:avLst/>
@@ -7751,9 +7714,9 @@
           <p:nvPr/>
         </p:nvCxnSpPr>
         <p:spPr>
-          <a:xfrm>
-            <a:off x="5808953" y="2234524"/>
-            <a:ext cx="390679" cy="802896"/>
+          <a:xfrm flipH="1">
+            <a:off x="5967129" y="2001006"/>
+            <a:ext cx="1272567" cy="1101599"/>
           </a:xfrm>
           <a:prstGeom prst="straightConnector1">
             <a:avLst/>
@@ -7780,69 +7743,12 @@
           </a:fontRef>
         </p:style>
       </p:cxnSp>
-      <p:sp>
-        <p:nvSpPr>
-          <p:cNvPr id="31" name="Rectangle 30">
-            <a:extLst>
-              <a:ext uri="{FF2B5EF4-FFF2-40B4-BE49-F238E27FC236}">
-                <a16:creationId xmlns:a16="http://schemas.microsoft.com/office/drawing/2014/main" id="{79433097-9A95-0A41-8753-572512B8E964}"/>
-              </a:ext>
-            </a:extLst>
-          </p:cNvPr>
-          <p:cNvSpPr/>
-          <p:nvPr/>
-        </p:nvSpPr>
-        <p:spPr>
-          <a:xfrm>
-            <a:off x="8011185" y="2171261"/>
-            <a:ext cx="3972819" cy="646331"/>
-          </a:xfrm>
-          <a:prstGeom prst="rect">
-            <a:avLst/>
-          </a:prstGeom>
-          <a:ln>
-            <a:solidFill>
-              <a:schemeClr val="tx1"/>
-            </a:solidFill>
-          </a:ln>
-        </p:spPr>
-        <p:txBody>
-          <a:bodyPr wrap="none">
-            <a:spAutoFit/>
-          </a:bodyPr>
-          <a:lstStyle/>
-          <a:p>
-            <a:r>
-              <a:rPr lang="en-US" dirty="0">
-                <a:solidFill>
-                  <a:srgbClr val="FF0000"/>
-                </a:solidFill>
-              </a:rPr>
-              <a:t>Monthly client counts after June 2009 </a:t>
-            </a:r>
-          </a:p>
-          <a:p>
-            <a:pPr marL="285750" indent="-285750">
-              <a:buFont typeface="Arial" panose="020B0604020202020204" pitchFamily="34" charset="0"/>
-              <a:buChar char="•"/>
-            </a:pPr>
-            <a:r>
-              <a:rPr lang="en-US" dirty="0">
-                <a:solidFill>
-                  <a:srgbClr val="FF0000"/>
-                </a:solidFill>
-              </a:rPr>
-              <a:t>mean= 310 /month, std= 187/month </a:t>
-            </a:r>
-          </a:p>
-        </p:txBody>
-      </p:sp>
       <p:cxnSp>
         <p:nvCxnSpPr>
-          <p:cNvPr id="33" name="Straight Arrow Connector 32">
-            <a:extLst>
-              <a:ext uri="{FF2B5EF4-FFF2-40B4-BE49-F238E27FC236}">
-                <a16:creationId xmlns:a16="http://schemas.microsoft.com/office/drawing/2014/main" id="{9E1DCADF-F7A8-8D4D-83E9-133C12B79534}"/>
+          <p:cNvPr id="36" name="Straight Arrow Connector 35">
+            <a:extLst>
+              <a:ext uri="{FF2B5EF4-FFF2-40B4-BE49-F238E27FC236}">
+                <a16:creationId xmlns:a16="http://schemas.microsoft.com/office/drawing/2014/main" id="{F3DFA4C9-508F-4045-8DBD-00A53FD1788E}"/>
               </a:ext>
             </a:extLst>
           </p:cNvPr>
@@ -7852,9 +7758,9 @@
           <p:nvPr/>
         </p:nvCxnSpPr>
         <p:spPr>
-          <a:xfrm>
-            <a:off x="9084663" y="2812655"/>
-            <a:ext cx="480404" cy="1419241"/>
+          <a:xfrm flipV="1">
+            <a:off x="7962898" y="3635247"/>
+            <a:ext cx="1266714" cy="2361094"/>
           </a:xfrm>
           <a:prstGeom prst="straightConnector1">
             <a:avLst/>
@@ -7881,69 +7787,12 @@
           </a:fontRef>
         </p:style>
       </p:cxnSp>
-      <p:sp>
-        <p:nvSpPr>
-          <p:cNvPr id="35" name="Rectangle 34">
-            <a:extLst>
-              <a:ext uri="{FF2B5EF4-FFF2-40B4-BE49-F238E27FC236}">
-                <a16:creationId xmlns:a16="http://schemas.microsoft.com/office/drawing/2014/main" id="{1B5CBA67-DE64-BF4F-A92C-585CD8CBF27D}"/>
-              </a:ext>
-            </a:extLst>
-          </p:cNvPr>
-          <p:cNvSpPr/>
-          <p:nvPr/>
-        </p:nvSpPr>
-        <p:spPr>
-          <a:xfrm>
-            <a:off x="8618223" y="6038056"/>
-            <a:ext cx="3274743" cy="646331"/>
-          </a:xfrm>
-          <a:prstGeom prst="rect">
-            <a:avLst/>
-          </a:prstGeom>
-          <a:ln>
-            <a:solidFill>
-              <a:schemeClr val="tx1"/>
-            </a:solidFill>
-          </a:ln>
-        </p:spPr>
-        <p:txBody>
-          <a:bodyPr wrap="none">
-            <a:spAutoFit/>
-          </a:bodyPr>
-          <a:lstStyle/>
-          <a:p>
-            <a:r>
-              <a:rPr lang="en-US" dirty="0">
-                <a:solidFill>
-                  <a:schemeClr val="accent1"/>
-                </a:solidFill>
-              </a:rPr>
-              <a:t>Monthly yes rate after 2009 June</a:t>
-            </a:r>
-          </a:p>
-          <a:p>
-            <a:pPr marL="285750" indent="-285750">
-              <a:buFont typeface="Arial" panose="020B0604020202020204" pitchFamily="34" charset="0"/>
-              <a:buChar char="•"/>
-            </a:pPr>
-            <a:r>
-              <a:rPr lang="en-US" dirty="0">
-                <a:solidFill>
-                  <a:schemeClr val="accent1"/>
-                </a:solidFill>
-              </a:rPr>
-              <a:t>mean=47%, std= 7.7%</a:t>
-            </a:r>
-          </a:p>
-        </p:txBody>
-      </p:sp>
       <p:cxnSp>
         <p:nvCxnSpPr>
-          <p:cNvPr id="36" name="Straight Arrow Connector 35">
-            <a:extLst>
-              <a:ext uri="{FF2B5EF4-FFF2-40B4-BE49-F238E27FC236}">
-                <a16:creationId xmlns:a16="http://schemas.microsoft.com/office/drawing/2014/main" id="{F3DFA4C9-508F-4045-8DBD-00A53FD1788E}"/>
+          <p:cNvPr id="17" name="Straight Arrow Connector 16">
+            <a:extLst>
+              <a:ext uri="{FF2B5EF4-FFF2-40B4-BE49-F238E27FC236}">
+                <a16:creationId xmlns:a16="http://schemas.microsoft.com/office/drawing/2014/main" id="{80D986C1-5FD0-AD41-A49B-F3D901235960}"/>
               </a:ext>
             </a:extLst>
           </p:cNvPr>
@@ -7953,9 +7802,9 @@
           <p:nvPr/>
         </p:nvCxnSpPr>
         <p:spPr>
-          <a:xfrm flipV="1">
-            <a:off x="9820769" y="3864864"/>
-            <a:ext cx="404136" cy="2171128"/>
+          <a:xfrm>
+            <a:off x="7482973" y="1984365"/>
+            <a:ext cx="1113282" cy="2129890"/>
           </a:xfrm>
           <a:prstGeom prst="straightConnector1">
             <a:avLst/>
@@ -8034,7 +7883,7 @@
         </p:blipFill>
         <p:spPr>
           <a:xfrm>
-            <a:off x="5295138" y="4336757"/>
+            <a:off x="5295138" y="4259974"/>
             <a:ext cx="5387204" cy="2435776"/>
           </a:xfrm>
           <a:prstGeom prst="rect">
@@ -8106,19 +7955,6 @@
               <a:rPr lang="en-US" sz="2000" dirty="0"/>
               <a:t>  negatively correlates with yes rate</a:t>
             </a:r>
-          </a:p>
-          <a:p>
-            <a:pPr lvl="1"/>
-            <a:r>
-              <a:rPr lang="en-US" sz="2000" dirty="0"/>
-              <a:t>Similar for </a:t>
-            </a:r>
-            <a:r>
-              <a:rPr lang="en-US" sz="2000" b="1" dirty="0"/>
-              <a:t>Euro interbank offered rate</a:t>
-            </a:r>
-          </a:p>
-          <a:p>
             <a:endParaRPr lang="en-US" sz="2000" b="1" dirty="0"/>
           </a:p>
           <a:p>
@@ -8135,17 +7971,6 @@
             <a:r>
               <a:rPr lang="en-US" sz="2000" dirty="0"/>
               <a:t>positively correlates with yes rate (after 2009 June)</a:t>
-            </a:r>
-          </a:p>
-          <a:p>
-            <a:pPr lvl="1"/>
-            <a:r>
-              <a:rPr lang="en-US" sz="2000" b="1" dirty="0"/>
-              <a:t>Consumer confidence index </a:t>
-            </a:r>
-            <a:r>
-              <a:rPr lang="en-US" sz="2000" dirty="0"/>
-              <a:t>shows more complicated pattern </a:t>
             </a:r>
           </a:p>
         </p:txBody>
@@ -8182,71 +8007,156 @@
       </p:pic>
       <p:sp>
         <p:nvSpPr>
-          <p:cNvPr id="8" name="TextBox 7">
-            <a:extLst>
-              <a:ext uri="{FF2B5EF4-FFF2-40B4-BE49-F238E27FC236}">
-                <a16:creationId xmlns:a16="http://schemas.microsoft.com/office/drawing/2014/main" id="{03C94FD0-333F-EA41-9835-21F04A47F880}"/>
-              </a:ext>
-            </a:extLst>
-          </p:cNvPr>
-          <p:cNvSpPr txBox="1"/>
+          <p:cNvPr id="4" name="Rectangle 3">
+            <a:extLst>
+              <a:ext uri="{FF2B5EF4-FFF2-40B4-BE49-F238E27FC236}">
+                <a16:creationId xmlns:a16="http://schemas.microsoft.com/office/drawing/2014/main" id="{6294ED60-CAE0-8942-BD7F-66B59A4D4CCC}"/>
+              </a:ext>
+            </a:extLst>
+          </p:cNvPr>
+          <p:cNvSpPr/>
           <p:nvPr/>
         </p:nvSpPr>
         <p:spPr>
           <a:xfrm>
-            <a:off x="6353937" y="1303355"/>
-            <a:ext cx="3511296" cy="369332"/>
+            <a:off x="8337834" y="2745968"/>
+            <a:ext cx="2313197" cy="369332"/>
           </a:xfrm>
           <a:prstGeom prst="rect">
             <a:avLst/>
           </a:prstGeom>
-          <a:noFill/>
-        </p:spPr>
-        <p:txBody>
-          <a:bodyPr wrap="square" rtlCol="0">
+          <a:solidFill>
+            <a:schemeClr val="bg1"/>
+          </a:solidFill>
+        </p:spPr>
+        <p:txBody>
+          <a:bodyPr wrap="none">
             <a:spAutoFit/>
           </a:bodyPr>
           <a:lstStyle/>
           <a:p>
             <a:r>
+              <a:rPr lang="en-US" b="1" dirty="0"/>
+              <a:t>Employment number</a:t>
+            </a:r>
+            <a:r>
               <a:rPr lang="en-US" dirty="0"/>
-              <a:t>Employment number vs yes rate</a:t>
-            </a:r>
-          </a:p>
-        </p:txBody>
-      </p:sp>
-      <p:sp>
-        <p:nvSpPr>
-          <p:cNvPr id="9" name="TextBox 8">
-            <a:extLst>
-              <a:ext uri="{FF2B5EF4-FFF2-40B4-BE49-F238E27FC236}">
-                <a16:creationId xmlns:a16="http://schemas.microsoft.com/office/drawing/2014/main" id="{50F30DA4-FB0E-6748-9A59-3A740B3B2D74}"/>
-              </a:ext>
-            </a:extLst>
-          </p:cNvPr>
-          <p:cNvSpPr txBox="1"/>
+              <a:t>  </a:t>
+            </a:r>
+          </a:p>
+        </p:txBody>
+      </p:sp>
+      <p:sp>
+        <p:nvSpPr>
+          <p:cNvPr id="5" name="Rectangle 4">
+            <a:extLst>
+              <a:ext uri="{FF2B5EF4-FFF2-40B4-BE49-F238E27FC236}">
+                <a16:creationId xmlns:a16="http://schemas.microsoft.com/office/drawing/2014/main" id="{4F41A1C4-6D05-1941-97D5-E01CBA9AF053}"/>
+              </a:ext>
+            </a:extLst>
+          </p:cNvPr>
+          <p:cNvSpPr/>
           <p:nvPr/>
         </p:nvSpPr>
         <p:spPr>
           <a:xfrm>
-            <a:off x="6172962" y="4041515"/>
-            <a:ext cx="3511296" cy="369332"/>
+            <a:off x="8449206" y="5950506"/>
+            <a:ext cx="2305055" cy="369332"/>
           </a:xfrm>
           <a:prstGeom prst="rect">
             <a:avLst/>
           </a:prstGeom>
-          <a:noFill/>
-        </p:spPr>
-        <p:txBody>
-          <a:bodyPr wrap="square" rtlCol="0">
+          <a:solidFill>
+            <a:schemeClr val="bg1"/>
+          </a:solidFill>
+        </p:spPr>
+        <p:txBody>
+          <a:bodyPr wrap="none">
             <a:spAutoFit/>
           </a:bodyPr>
           <a:lstStyle/>
           <a:p>
             <a:r>
-              <a:rPr lang="en-US" dirty="0"/>
-              <a:t>Consumer price index vs yes rate</a:t>
-            </a:r>
+              <a:rPr lang="en-US" b="1" dirty="0"/>
+              <a:t>Consumer price index </a:t>
+            </a:r>
+            <a:endParaRPr lang="en-US" dirty="0"/>
+          </a:p>
+        </p:txBody>
+      </p:sp>
+      <p:sp>
+        <p:nvSpPr>
+          <p:cNvPr id="11" name="Rectangle 10">
+            <a:extLst>
+              <a:ext uri="{FF2B5EF4-FFF2-40B4-BE49-F238E27FC236}">
+                <a16:creationId xmlns:a16="http://schemas.microsoft.com/office/drawing/2014/main" id="{F52EB41F-3C92-7342-98A6-4C9862305985}"/>
+              </a:ext>
+            </a:extLst>
+          </p:cNvPr>
+          <p:cNvSpPr/>
+          <p:nvPr/>
+        </p:nvSpPr>
+        <p:spPr>
+          <a:xfrm>
+            <a:off x="8338941" y="1506022"/>
+            <a:ext cx="927242" cy="369332"/>
+          </a:xfrm>
+          <a:prstGeom prst="rect">
+            <a:avLst/>
+          </a:prstGeom>
+          <a:solidFill>
+            <a:schemeClr val="bg1"/>
+          </a:solidFill>
+        </p:spPr>
+        <p:txBody>
+          <a:bodyPr wrap="none">
+            <a:spAutoFit/>
+          </a:bodyPr>
+          <a:lstStyle/>
+          <a:p>
+            <a:r>
+              <a:rPr lang="en-US" b="1" dirty="0"/>
+              <a:t>Yes rate</a:t>
+            </a:r>
+            <a:endParaRPr lang="en-US" dirty="0"/>
+          </a:p>
+        </p:txBody>
+      </p:sp>
+      <p:sp>
+        <p:nvSpPr>
+          <p:cNvPr id="12" name="Rectangle 11">
+            <a:extLst>
+              <a:ext uri="{FF2B5EF4-FFF2-40B4-BE49-F238E27FC236}">
+                <a16:creationId xmlns:a16="http://schemas.microsoft.com/office/drawing/2014/main" id="{B1793E1E-2029-D941-8B96-FC572FEEB467}"/>
+              </a:ext>
+            </a:extLst>
+          </p:cNvPr>
+          <p:cNvSpPr/>
+          <p:nvPr/>
+        </p:nvSpPr>
+        <p:spPr>
+          <a:xfrm>
+            <a:off x="8337834" y="4145232"/>
+            <a:ext cx="927242" cy="369332"/>
+          </a:xfrm>
+          <a:prstGeom prst="rect">
+            <a:avLst/>
+          </a:prstGeom>
+          <a:solidFill>
+            <a:schemeClr val="bg1"/>
+          </a:solidFill>
+        </p:spPr>
+        <p:txBody>
+          <a:bodyPr wrap="none">
+            <a:spAutoFit/>
+          </a:bodyPr>
+          <a:lstStyle/>
+          <a:p>
+            <a:r>
+              <a:rPr lang="en-US" b="1" dirty="0"/>
+              <a:t>Yes rate</a:t>
+            </a:r>
+            <a:endParaRPr lang="en-US" dirty="0"/>
           </a:p>
         </p:txBody>
       </p:sp>
@@ -8330,7 +8240,7 @@
         </p:blipFill>
         <p:spPr>
           <a:xfrm>
-            <a:off x="5137324" y="1317694"/>
+            <a:off x="1479724" y="3762825"/>
             <a:ext cx="2997119" cy="2730050"/>
           </a:xfrm>
           <a:prstGeom prst="rect">
@@ -8352,8 +8262,8 @@
         </p:nvSpPr>
         <p:spPr>
           <a:xfrm>
-            <a:off x="257830" y="1435718"/>
-            <a:ext cx="4545818" cy="1446550"/>
+            <a:off x="435720" y="1176793"/>
+            <a:ext cx="8197801" cy="1107996"/>
           </a:xfrm>
           <a:prstGeom prst="rect">
             <a:avLst/>
@@ -8404,8 +8314,8 @@
         </p:nvSpPr>
         <p:spPr>
           <a:xfrm>
-            <a:off x="261269" y="3429000"/>
-            <a:ext cx="4679930" cy="2462213"/>
+            <a:off x="7512070" y="2782669"/>
+            <a:ext cx="3351610" cy="646331"/>
           </a:xfrm>
           <a:prstGeom prst="rect">
             <a:avLst/>
@@ -8416,39 +8326,13 @@
             <a:spAutoFit/>
           </a:bodyPr>
           <a:lstStyle/>
-          <a:p>
-            <a:r>
-              <a:rPr lang="en-US" sz="2200" dirty="0"/>
-              <a:t>After 2009 June</a:t>
-            </a:r>
-          </a:p>
           <a:p>
             <a:pPr marL="285750" indent="-285750">
               <a:buFont typeface="Arial" panose="020B0604020202020204" pitchFamily="34" charset="0"/>
               <a:buChar char="•"/>
             </a:pPr>
             <a:r>
-              <a:rPr lang="en-US" sz="2200" dirty="0"/>
-              <a:t>The age of clients spreads from the center to younger and older groups</a:t>
-            </a:r>
-          </a:p>
-          <a:p>
-            <a:pPr marL="285750" indent="-285750">
-              <a:buFont typeface="Arial" panose="020B0604020202020204" pitchFamily="34" charset="0"/>
-              <a:buChar char="•"/>
-            </a:pPr>
-            <a:r>
-              <a:rPr lang="en-US" sz="2200" dirty="0"/>
-              <a:t>The younger and older groups also have a higher yes rate </a:t>
-            </a:r>
-          </a:p>
-          <a:p>
-            <a:pPr marL="285750" indent="-285750">
-              <a:buFont typeface="Arial" panose="020B0604020202020204" pitchFamily="34" charset="0"/>
-              <a:buChar char="•"/>
-            </a:pPr>
-            <a:r>
-              <a:rPr lang="en-US" sz="2200" dirty="0"/>
+              <a:rPr lang="en-US" dirty="0"/>
               <a:t>The median number of contacts decrease from 2 to 1 </a:t>
             </a:r>
           </a:p>
@@ -8476,7 +8360,7 @@
         </p:blipFill>
         <p:spPr>
           <a:xfrm>
-            <a:off x="7966808" y="1362566"/>
+            <a:off x="4268705" y="3802928"/>
             <a:ext cx="2963195" cy="2730050"/>
           </a:xfrm>
           <a:prstGeom prst="rect">
@@ -8506,7 +8390,7 @@
         </p:blipFill>
         <p:spPr>
           <a:xfrm>
-            <a:off x="5171248" y="3968179"/>
+            <a:off x="7266680" y="3721982"/>
             <a:ext cx="2733682" cy="2810256"/>
           </a:xfrm>
           <a:prstGeom prst="rect">
@@ -8514,6 +8398,215 @@
           </a:prstGeom>
         </p:spPr>
       </p:pic>
+      <p:sp>
+        <p:nvSpPr>
+          <p:cNvPr id="3" name="Rectangle 2">
+            <a:extLst>
+              <a:ext uri="{FF2B5EF4-FFF2-40B4-BE49-F238E27FC236}">
+                <a16:creationId xmlns:a16="http://schemas.microsoft.com/office/drawing/2014/main" id="{827A1755-5691-974E-B980-CDFC13BF0FE6}"/>
+              </a:ext>
+            </a:extLst>
+          </p:cNvPr>
+          <p:cNvSpPr/>
+          <p:nvPr/>
+        </p:nvSpPr>
+        <p:spPr>
+          <a:xfrm>
+            <a:off x="1328320" y="2747162"/>
+            <a:ext cx="3299925" cy="923330"/>
+          </a:xfrm>
+          <a:prstGeom prst="rect">
+            <a:avLst/>
+          </a:prstGeom>
+        </p:spPr>
+        <p:txBody>
+          <a:bodyPr wrap="square">
+            <a:spAutoFit/>
+          </a:bodyPr>
+          <a:lstStyle/>
+          <a:p>
+            <a:pPr marL="285750" indent="-285750">
+              <a:buFont typeface="Arial" panose="020B0604020202020204" pitchFamily="34" charset="0"/>
+              <a:buChar char="•"/>
+            </a:pPr>
+            <a:r>
+              <a:rPr lang="en-US" dirty="0"/>
+              <a:t>The age of clients spreads from the center to younger and older groups</a:t>
+            </a:r>
+          </a:p>
+        </p:txBody>
+      </p:sp>
+      <p:cxnSp>
+        <p:nvCxnSpPr>
+          <p:cNvPr id="10" name="Straight Arrow Connector 9">
+            <a:extLst>
+              <a:ext uri="{FF2B5EF4-FFF2-40B4-BE49-F238E27FC236}">
+                <a16:creationId xmlns:a16="http://schemas.microsoft.com/office/drawing/2014/main" id="{55D4BF69-4CC7-2740-82D4-CAAB4F09A025}"/>
+              </a:ext>
+            </a:extLst>
+          </p:cNvPr>
+          <p:cNvCxnSpPr>
+            <a:cxnSpLocks/>
+          </p:cNvCxnSpPr>
+          <p:nvPr/>
+        </p:nvCxnSpPr>
+        <p:spPr>
+          <a:xfrm>
+            <a:off x="2978282" y="3670492"/>
+            <a:ext cx="395307" cy="2411809"/>
+          </a:xfrm>
+          <a:prstGeom prst="straightConnector1">
+            <a:avLst/>
+          </a:prstGeom>
+          <a:ln w="38100">
+            <a:solidFill>
+              <a:schemeClr val="tx1"/>
+            </a:solidFill>
+            <a:tailEnd type="triangle"/>
+          </a:ln>
+        </p:spPr>
+        <p:style>
+          <a:lnRef idx="1">
+            <a:schemeClr val="accent1"/>
+          </a:lnRef>
+          <a:fillRef idx="0">
+            <a:schemeClr val="accent1"/>
+          </a:fillRef>
+          <a:effectRef idx="0">
+            <a:schemeClr val="accent1"/>
+          </a:effectRef>
+          <a:fontRef idx="minor">
+            <a:schemeClr val="tx1"/>
+          </a:fontRef>
+        </p:style>
+      </p:cxnSp>
+      <p:sp>
+        <p:nvSpPr>
+          <p:cNvPr id="7" name="Rectangle 6">
+            <a:extLst>
+              <a:ext uri="{FF2B5EF4-FFF2-40B4-BE49-F238E27FC236}">
+                <a16:creationId xmlns:a16="http://schemas.microsoft.com/office/drawing/2014/main" id="{34CDEA19-5753-9B48-AC3F-CBC6665D89B8}"/>
+              </a:ext>
+            </a:extLst>
+          </p:cNvPr>
+          <p:cNvSpPr/>
+          <p:nvPr/>
+        </p:nvSpPr>
+        <p:spPr>
+          <a:xfrm>
+            <a:off x="4786871" y="2746422"/>
+            <a:ext cx="2618258" cy="923330"/>
+          </a:xfrm>
+          <a:prstGeom prst="rect">
+            <a:avLst/>
+          </a:prstGeom>
+        </p:spPr>
+        <p:txBody>
+          <a:bodyPr wrap="square">
+            <a:spAutoFit/>
+          </a:bodyPr>
+          <a:lstStyle/>
+          <a:p>
+            <a:pPr marL="285750" indent="-285750">
+              <a:buFont typeface="Arial" panose="020B0604020202020204" pitchFamily="34" charset="0"/>
+              <a:buChar char="•"/>
+            </a:pPr>
+            <a:r>
+              <a:rPr lang="en-US" dirty="0"/>
+              <a:t>The younger and older groups also have a higher yes rate </a:t>
+            </a:r>
+          </a:p>
+        </p:txBody>
+      </p:sp>
+      <p:cxnSp>
+        <p:nvCxnSpPr>
+          <p:cNvPr id="13" name="Straight Arrow Connector 12">
+            <a:extLst>
+              <a:ext uri="{FF2B5EF4-FFF2-40B4-BE49-F238E27FC236}">
+                <a16:creationId xmlns:a16="http://schemas.microsoft.com/office/drawing/2014/main" id="{85E6A561-4818-564B-A531-5854F20BB4E1}"/>
+              </a:ext>
+            </a:extLst>
+          </p:cNvPr>
+          <p:cNvCxnSpPr>
+            <a:cxnSpLocks/>
+            <a:stCxn id="7" idx="2"/>
+          </p:cNvCxnSpPr>
+          <p:nvPr/>
+        </p:nvCxnSpPr>
+        <p:spPr>
+          <a:xfrm>
+            <a:off x="6096000" y="3669752"/>
+            <a:ext cx="291589" cy="2544245"/>
+          </a:xfrm>
+          <a:prstGeom prst="straightConnector1">
+            <a:avLst/>
+          </a:prstGeom>
+          <a:ln w="38100">
+            <a:solidFill>
+              <a:schemeClr val="tx1"/>
+            </a:solidFill>
+            <a:tailEnd type="triangle"/>
+          </a:ln>
+        </p:spPr>
+        <p:style>
+          <a:lnRef idx="1">
+            <a:schemeClr val="accent1"/>
+          </a:lnRef>
+          <a:fillRef idx="0">
+            <a:schemeClr val="accent1"/>
+          </a:fillRef>
+          <a:effectRef idx="0">
+            <a:schemeClr val="accent1"/>
+          </a:effectRef>
+          <a:fontRef idx="minor">
+            <a:schemeClr val="tx1"/>
+          </a:fontRef>
+        </p:style>
+      </p:cxnSp>
+      <p:cxnSp>
+        <p:nvCxnSpPr>
+          <p:cNvPr id="15" name="Straight Arrow Connector 14">
+            <a:extLst>
+              <a:ext uri="{FF2B5EF4-FFF2-40B4-BE49-F238E27FC236}">
+                <a16:creationId xmlns:a16="http://schemas.microsoft.com/office/drawing/2014/main" id="{47653D66-6B0E-2042-A068-0FE80C103B4A}"/>
+              </a:ext>
+            </a:extLst>
+          </p:cNvPr>
+          <p:cNvCxnSpPr>
+            <a:cxnSpLocks/>
+          </p:cNvCxnSpPr>
+          <p:nvPr/>
+        </p:nvCxnSpPr>
+        <p:spPr>
+          <a:xfrm flipH="1">
+            <a:off x="7800871" y="3429000"/>
+            <a:ext cx="832650" cy="1738953"/>
+          </a:xfrm>
+          <a:prstGeom prst="straightConnector1">
+            <a:avLst/>
+          </a:prstGeom>
+          <a:ln w="38100">
+            <a:solidFill>
+              <a:schemeClr val="tx1"/>
+            </a:solidFill>
+            <a:tailEnd type="triangle"/>
+          </a:ln>
+        </p:spPr>
+        <p:style>
+          <a:lnRef idx="1">
+            <a:schemeClr val="accent1"/>
+          </a:lnRef>
+          <a:fillRef idx="0">
+            <a:schemeClr val="accent1"/>
+          </a:fillRef>
+          <a:effectRef idx="0">
+            <a:schemeClr val="accent1"/>
+          </a:effectRef>
+          <a:fontRef idx="minor">
+            <a:schemeClr val="tx1"/>
+          </a:fontRef>
+        </p:style>
+      </p:cxnSp>
     </p:spTree>
     <p:extLst>
       <p:ext uri="{BB962C8B-B14F-4D97-AF65-F5344CB8AC3E}">
@@ -8591,14 +8684,20 @@
         <p:spPr>
           <a:xfrm>
             <a:off x="301751" y="1776857"/>
-            <a:ext cx="6464809" cy="1185799"/>
+            <a:ext cx="6464809" cy="1830352"/>
           </a:xfrm>
         </p:spPr>
         <p:txBody>
           <a:bodyPr>
-            <a:normAutofit/>
+            <a:normAutofit lnSpcReduction="10000"/>
           </a:bodyPr>
           <a:lstStyle/>
+          <a:p>
+            <a:r>
+              <a:rPr lang="en-US" sz="2200" dirty="0"/>
+              <a:t>Duration: call duration</a:t>
+            </a:r>
+          </a:p>
           <a:p>
             <a:r>
               <a:rPr lang="en-US" sz="2200" dirty="0" err="1"/>
@@ -8610,15 +8709,30 @@
             </a:r>
           </a:p>
           <a:p>
+            <a:endParaRPr lang="en-US" sz="2200" dirty="0"/>
+          </a:p>
+          <a:p>
             <a:r>
               <a:rPr lang="en-US" sz="2200" dirty="0"/>
-              <a:t>Duration: call duration</a:t>
-            </a:r>
-          </a:p>
-          <a:p>
+              <a:t>For clients choose yes</a:t>
+            </a:r>
+          </a:p>
+          <a:p>
+            <a:pPr marL="0" indent="0">
+              <a:buNone/>
+            </a:pPr>
             <a:endParaRPr lang="en-US" sz="2200" dirty="0"/>
           </a:p>
           <a:p>
+            <a:endParaRPr lang="en-US" sz="2200" dirty="0"/>
+          </a:p>
+          <a:p>
+            <a:endParaRPr lang="en-US" sz="2200" dirty="0"/>
+          </a:p>
+          <a:p>
+            <a:pPr marL="0" indent="0">
+              <a:buNone/>
+            </a:pPr>
             <a:endParaRPr lang="en-US" sz="2200" dirty="0"/>
           </a:p>
         </p:txBody>
@@ -8645,7 +8759,7 @@
         </p:blipFill>
         <p:spPr>
           <a:xfrm>
-            <a:off x="5625152" y="2593140"/>
+            <a:off x="4821219" y="3133121"/>
             <a:ext cx="3086985" cy="3071072"/>
           </a:xfrm>
           <a:prstGeom prst="rect">
@@ -8675,7 +8789,7 @@
         </p:blipFill>
         <p:spPr>
           <a:xfrm>
-            <a:off x="8724329" y="2764653"/>
+            <a:off x="8764206" y="3244334"/>
             <a:ext cx="3119563" cy="3071072"/>
           </a:xfrm>
           <a:prstGeom prst="rect">
@@ -8685,10 +8799,10 @@
       </p:pic>
       <p:sp>
         <p:nvSpPr>
-          <p:cNvPr id="7" name="Rectangle 6">
-            <a:extLst>
-              <a:ext uri="{FF2B5EF4-FFF2-40B4-BE49-F238E27FC236}">
-                <a16:creationId xmlns:a16="http://schemas.microsoft.com/office/drawing/2014/main" id="{FB2D2628-67C3-BD4A-8F95-8EA3BB04AF89}"/>
+          <p:cNvPr id="8" name="Rectangle 7">
+            <a:extLst>
+              <a:ext uri="{FF2B5EF4-FFF2-40B4-BE49-F238E27FC236}">
+                <a16:creationId xmlns:a16="http://schemas.microsoft.com/office/drawing/2014/main" id="{899A6630-095B-084B-A8F7-FE041C8456C5}"/>
               </a:ext>
             </a:extLst>
           </p:cNvPr>
@@ -8697,8 +8811,8 @@
         </p:nvSpPr>
         <p:spPr>
           <a:xfrm>
-            <a:off x="301750" y="3094662"/>
-            <a:ext cx="4953001" cy="2123658"/>
+            <a:off x="288601" y="5650195"/>
+            <a:ext cx="10035386" cy="1107996"/>
           </a:xfrm>
           <a:prstGeom prst="rect">
             <a:avLst/>
@@ -8711,96 +8825,196 @@
           <a:lstStyle/>
           <a:p>
             <a:r>
+              <a:rPr lang="en-US" sz="2200" b="1" dirty="0"/>
+              <a:t>Insights:</a:t>
+            </a:r>
+          </a:p>
+          <a:p>
+            <a:pPr marL="342900" indent="-342900">
+              <a:buFont typeface="Arial" panose="020B0604020202020204" pitchFamily="34" charset="0"/>
+              <a:buChar char="•"/>
+            </a:pPr>
+            <a:r>
               <a:rPr lang="en-US" sz="2200" dirty="0"/>
-              <a:t>For clients</a:t>
-            </a:r>
-            <a:r>
-              <a:rPr lang="en-US" sz="2200" b="1" dirty="0"/>
-              <a:t> that choose yes</a:t>
-            </a:r>
-          </a:p>
-          <a:p>
+              <a:t>The campaign is more effective</a:t>
+            </a:r>
+          </a:p>
+          <a:p>
+            <a:pPr marL="342900" indent="-342900">
+              <a:buFont typeface="Arial" panose="020B0604020202020204" pitchFamily="34" charset="0"/>
+              <a:buChar char="•"/>
+            </a:pPr>
             <a:r>
               <a:rPr lang="en-US" sz="2200" dirty="0"/>
-              <a:t>After 2009 June</a:t>
-            </a:r>
-          </a:p>
+              <a:t>The clients willingness increases, especially those being contacted previously</a:t>
+            </a:r>
+          </a:p>
+        </p:txBody>
+      </p:sp>
+      <p:sp>
+        <p:nvSpPr>
+          <p:cNvPr id="6" name="Rectangle 5">
+            <a:extLst>
+              <a:ext uri="{FF2B5EF4-FFF2-40B4-BE49-F238E27FC236}">
+                <a16:creationId xmlns:a16="http://schemas.microsoft.com/office/drawing/2014/main" id="{E192BF94-BAAD-3644-BB0F-69D7762F9CB7}"/>
+              </a:ext>
+            </a:extLst>
+          </p:cNvPr>
+          <p:cNvSpPr/>
+          <p:nvPr/>
+        </p:nvSpPr>
+        <p:spPr>
+          <a:xfrm>
+            <a:off x="5373313" y="2875002"/>
+            <a:ext cx="2572884" cy="369332"/>
+          </a:xfrm>
+          <a:prstGeom prst="rect">
+            <a:avLst/>
+          </a:prstGeom>
+        </p:spPr>
+        <p:txBody>
+          <a:bodyPr wrap="none">
+            <a:spAutoFit/>
+          </a:bodyPr>
+          <a:lstStyle/>
           <a:p>
             <a:pPr marL="285750" indent="-285750">
               <a:buFont typeface="Arial" panose="020B0604020202020204" pitchFamily="34" charset="0"/>
               <a:buChar char="•"/>
             </a:pPr>
             <a:r>
-              <a:rPr lang="en-US" sz="2200" dirty="0"/>
+              <a:rPr lang="en-US" dirty="0"/>
               <a:t>The duration decrease</a:t>
             </a:r>
           </a:p>
+        </p:txBody>
+      </p:sp>
+      <p:cxnSp>
+        <p:nvCxnSpPr>
+          <p:cNvPr id="9" name="Straight Arrow Connector 8">
+            <a:extLst>
+              <a:ext uri="{FF2B5EF4-FFF2-40B4-BE49-F238E27FC236}">
+                <a16:creationId xmlns:a16="http://schemas.microsoft.com/office/drawing/2014/main" id="{BBC73AFF-9F9A-6840-A00F-F7392098271C}"/>
+              </a:ext>
+            </a:extLst>
+          </p:cNvPr>
+          <p:cNvCxnSpPr>
+            <a:cxnSpLocks/>
+          </p:cNvCxnSpPr>
+          <p:nvPr/>
+        </p:nvCxnSpPr>
+        <p:spPr>
+          <a:xfrm flipH="1">
+            <a:off x="5509288" y="3231794"/>
+            <a:ext cx="542450" cy="1830352"/>
+          </a:xfrm>
+          <a:prstGeom prst="straightConnector1">
+            <a:avLst/>
+          </a:prstGeom>
+          <a:ln w="38100">
+            <a:solidFill>
+              <a:schemeClr val="tx1"/>
+            </a:solidFill>
+            <a:tailEnd type="triangle"/>
+          </a:ln>
+        </p:spPr>
+        <p:style>
+          <a:lnRef idx="1">
+            <a:schemeClr val="accent1"/>
+          </a:lnRef>
+          <a:fillRef idx="0">
+            <a:schemeClr val="accent1"/>
+          </a:fillRef>
+          <a:effectRef idx="0">
+            <a:schemeClr val="accent1"/>
+          </a:effectRef>
+          <a:fontRef idx="minor">
+            <a:schemeClr val="tx1"/>
+          </a:fontRef>
+        </p:style>
+      </p:cxnSp>
+      <p:sp>
+        <p:nvSpPr>
+          <p:cNvPr id="11" name="Rectangle 10">
+            <a:extLst>
+              <a:ext uri="{FF2B5EF4-FFF2-40B4-BE49-F238E27FC236}">
+                <a16:creationId xmlns:a16="http://schemas.microsoft.com/office/drawing/2014/main" id="{7F0FB93F-53E7-084F-BD1B-BF9D6C1388A4}"/>
+              </a:ext>
+            </a:extLst>
+          </p:cNvPr>
+          <p:cNvSpPr/>
+          <p:nvPr/>
+        </p:nvSpPr>
+        <p:spPr>
+          <a:xfrm>
+            <a:off x="8530974" y="2223992"/>
+            <a:ext cx="3338108" cy="923330"/>
+          </a:xfrm>
+          <a:prstGeom prst="rect">
+            <a:avLst/>
+          </a:prstGeom>
+        </p:spPr>
+        <p:txBody>
+          <a:bodyPr wrap="square">
+            <a:spAutoFit/>
+          </a:bodyPr>
+          <a:lstStyle/>
           <a:p>
             <a:pPr marL="285750" indent="-285750">
               <a:buFont typeface="Arial" panose="020B0604020202020204" pitchFamily="34" charset="0"/>
               <a:buChar char="•"/>
             </a:pPr>
             <a:r>
-              <a:rPr lang="en-US" sz="2200" dirty="0"/>
+              <a:rPr lang="en-US" dirty="0"/>
               <a:t>The proportion of clients being contacted in previous campaign increases</a:t>
             </a:r>
           </a:p>
         </p:txBody>
       </p:sp>
-      <p:sp>
-        <p:nvSpPr>
-          <p:cNvPr id="8" name="Rectangle 7">
-            <a:extLst>
-              <a:ext uri="{FF2B5EF4-FFF2-40B4-BE49-F238E27FC236}">
-                <a16:creationId xmlns:a16="http://schemas.microsoft.com/office/drawing/2014/main" id="{899A6630-095B-084B-A8F7-FE041C8456C5}"/>
-              </a:ext>
-            </a:extLst>
-          </p:cNvPr>
-          <p:cNvSpPr/>
+      <p:cxnSp>
+        <p:nvCxnSpPr>
+          <p:cNvPr id="12" name="Straight Arrow Connector 11">
+            <a:extLst>
+              <a:ext uri="{FF2B5EF4-FFF2-40B4-BE49-F238E27FC236}">
+                <a16:creationId xmlns:a16="http://schemas.microsoft.com/office/drawing/2014/main" id="{4E39F651-4BF8-9345-B72F-A34E4BB9E6AD}"/>
+              </a:ext>
+            </a:extLst>
+          </p:cNvPr>
+          <p:cNvCxnSpPr>
+            <a:cxnSpLocks/>
+          </p:cNvCxnSpPr>
           <p:nvPr/>
-        </p:nvSpPr>
-        <p:spPr>
-          <a:xfrm>
-            <a:off x="291238" y="5350326"/>
-            <a:ext cx="10035386" cy="1107996"/>
-          </a:xfrm>
-          <a:prstGeom prst="rect">
+        </p:nvCxnSpPr>
+        <p:spPr>
+          <a:xfrm flipH="1">
+            <a:off x="9381666" y="3134782"/>
+            <a:ext cx="460977" cy="2228084"/>
+          </a:xfrm>
+          <a:prstGeom prst="straightConnector1">
             <a:avLst/>
           </a:prstGeom>
-        </p:spPr>
-        <p:txBody>
-          <a:bodyPr wrap="square">
-            <a:spAutoFit/>
-          </a:bodyPr>
-          <a:lstStyle/>
-          <a:p>
-            <a:r>
-              <a:rPr lang="en-US" sz="2200" b="1" dirty="0"/>
-              <a:t>Insights:</a:t>
-            </a:r>
-          </a:p>
-          <a:p>
-            <a:pPr marL="342900" indent="-342900">
-              <a:buFont typeface="Arial" panose="020B0604020202020204" pitchFamily="34" charset="0"/>
-              <a:buChar char="•"/>
-            </a:pPr>
-            <a:r>
-              <a:rPr lang="en-US" sz="2200" dirty="0"/>
-              <a:t>The campaign is more effective</a:t>
-            </a:r>
-          </a:p>
-          <a:p>
-            <a:pPr marL="342900" indent="-342900">
-              <a:buFont typeface="Arial" panose="020B0604020202020204" pitchFamily="34" charset="0"/>
-              <a:buChar char="•"/>
-            </a:pPr>
-            <a:r>
-              <a:rPr lang="en-US" sz="2200" dirty="0"/>
-              <a:t>The clients willingness increases, especially those being contacted previously</a:t>
-            </a:r>
-          </a:p>
-        </p:txBody>
-      </p:sp>
+          <a:ln w="38100">
+            <a:solidFill>
+              <a:schemeClr val="tx1"/>
+            </a:solidFill>
+            <a:tailEnd type="triangle"/>
+          </a:ln>
+        </p:spPr>
+        <p:style>
+          <a:lnRef idx="1">
+            <a:schemeClr val="accent1"/>
+          </a:lnRef>
+          <a:fillRef idx="0">
+            <a:schemeClr val="accent1"/>
+          </a:fillRef>
+          <a:effectRef idx="0">
+            <a:schemeClr val="accent1"/>
+          </a:effectRef>
+          <a:fontRef idx="minor">
+            <a:schemeClr val="tx1"/>
+          </a:fontRef>
+        </p:style>
+      </p:cxnSp>
     </p:spTree>
     <p:extLst>
       <p:ext uri="{BB962C8B-B14F-4D97-AF65-F5344CB8AC3E}">
@@ -8877,93 +9091,20 @@
         </p:nvSpPr>
         <p:spPr>
           <a:xfrm>
-            <a:off x="66135" y="1690688"/>
-            <a:ext cx="3469545" cy="4351338"/>
+            <a:off x="197636" y="2016717"/>
+            <a:ext cx="5335063" cy="438391"/>
           </a:xfrm>
         </p:spPr>
         <p:txBody>
           <a:bodyPr>
-            <a:normAutofit fontScale="92500" lnSpcReduction="10000"/>
+            <a:normAutofit/>
           </a:bodyPr>
           <a:lstStyle/>
           <a:p>
             <a:r>
-              <a:rPr lang="en-US" sz="2200" b="1" dirty="0"/>
-              <a:t>Both before and after 2009 Jun</a:t>
-            </a:r>
-          </a:p>
-          <a:p>
-            <a:pPr lvl="1"/>
-            <a:r>
               <a:rPr lang="en-US" sz="2200" dirty="0"/>
-              <a:t>The </a:t>
-            </a:r>
-            <a:r>
-              <a:rPr lang="en-US" sz="2200" b="1" dirty="0"/>
-              <a:t>cellular</a:t>
-            </a:r>
-            <a:r>
-              <a:rPr lang="en-US" sz="2200" dirty="0"/>
-              <a:t> contact is the most effective way</a:t>
-            </a:r>
-          </a:p>
-          <a:p>
-            <a:pPr lvl="1"/>
-            <a:r>
-              <a:rPr lang="en-US" sz="2200" dirty="0"/>
-              <a:t> The </a:t>
-            </a:r>
-            <a:r>
-              <a:rPr lang="en-US" sz="2200" b="1" dirty="0"/>
-              <a:t>student and retired </a:t>
-            </a:r>
-            <a:r>
-              <a:rPr lang="en-US" sz="2200" dirty="0"/>
-              <a:t>people have higher yes rate</a:t>
-            </a:r>
-          </a:p>
-          <a:p>
-            <a:pPr lvl="1"/>
-            <a:r>
-              <a:rPr lang="en-US" sz="2200" b="1" dirty="0"/>
-              <a:t>Monday</a:t>
-            </a:r>
-            <a:r>
-              <a:rPr lang="en-US" sz="2200" dirty="0"/>
-              <a:t> has a lower yes rate</a:t>
-            </a:r>
-          </a:p>
-          <a:p>
-            <a:r>
-              <a:rPr lang="en-US" sz="2200" b="1" dirty="0"/>
-              <a:t>Only valid before 2009 June</a:t>
-            </a:r>
-          </a:p>
-          <a:p>
-            <a:pPr lvl="1"/>
-            <a:r>
-              <a:rPr lang="en-US" sz="2200" dirty="0"/>
-              <a:t>For marriage, </a:t>
-            </a:r>
-            <a:r>
-              <a:rPr lang="en-US" sz="2200" b="1" dirty="0"/>
-              <a:t>single</a:t>
-            </a:r>
-            <a:r>
-              <a:rPr lang="en-US" sz="2200" dirty="0"/>
-              <a:t> has a higher yes rate</a:t>
-            </a:r>
-          </a:p>
-          <a:p>
-            <a:pPr lvl="1"/>
-            <a:r>
-              <a:rPr lang="en-US" sz="2200" dirty="0"/>
-              <a:t>For default history, no default has a higher yes rate.</a:t>
-            </a:r>
-          </a:p>
-          <a:p>
-            <a:pPr lvl="1"/>
-            <a:endParaRPr lang="en-US" sz="2200" dirty="0"/>
+              <a:t>Both before and after 2009 June</a:t>
+            </a:r>
           </a:p>
         </p:txBody>
       </p:sp>
@@ -8989,8 +9130,8 @@
         </p:blipFill>
         <p:spPr>
           <a:xfrm>
-            <a:off x="3667181" y="2152497"/>
-            <a:ext cx="4989141" cy="3571959"/>
+            <a:off x="4293386" y="3625592"/>
+            <a:ext cx="4501895" cy="3223117"/>
           </a:xfrm>
           <a:prstGeom prst="rect">
             <a:avLst/>
@@ -9019,7 +9160,7 @@
         </p:blipFill>
         <p:spPr>
           <a:xfrm>
-            <a:off x="8002358" y="2288687"/>
+            <a:off x="421477" y="3625592"/>
             <a:ext cx="4255008" cy="3111189"/>
           </a:xfrm>
           <a:prstGeom prst="rect">
@@ -9041,7 +9182,7 @@
         </p:nvSpPr>
         <p:spPr>
           <a:xfrm>
-            <a:off x="6674033" y="1240211"/>
+            <a:off x="7214567" y="4192916"/>
             <a:ext cx="1804416" cy="369332"/>
           </a:xfrm>
           <a:prstGeom prst="rect">
@@ -9062,94 +9203,6 @@
           </a:p>
         </p:txBody>
       </p:sp>
-      <p:cxnSp>
-        <p:nvCxnSpPr>
-          <p:cNvPr id="9" name="Straight Arrow Connector 8">
-            <a:extLst>
-              <a:ext uri="{FF2B5EF4-FFF2-40B4-BE49-F238E27FC236}">
-                <a16:creationId xmlns:a16="http://schemas.microsoft.com/office/drawing/2014/main" id="{4E8412D0-53C3-834A-BD55-033626AF02FE}"/>
-              </a:ext>
-            </a:extLst>
-          </p:cNvPr>
-          <p:cNvCxnSpPr>
-            <a:cxnSpLocks/>
-          </p:cNvCxnSpPr>
-          <p:nvPr/>
-        </p:nvCxnSpPr>
-        <p:spPr>
-          <a:xfrm flipH="1">
-            <a:off x="6869372" y="1609543"/>
-            <a:ext cx="150609" cy="802896"/>
-          </a:xfrm>
-          <a:prstGeom prst="straightConnector1">
-            <a:avLst/>
-          </a:prstGeom>
-          <a:ln w="38100">
-            <a:solidFill>
-              <a:schemeClr val="tx1"/>
-            </a:solidFill>
-            <a:tailEnd type="triangle"/>
-          </a:ln>
-        </p:spPr>
-        <p:style>
-          <a:lnRef idx="1">
-            <a:schemeClr val="accent1"/>
-          </a:lnRef>
-          <a:fillRef idx="0">
-            <a:schemeClr val="accent1"/>
-          </a:fillRef>
-          <a:effectRef idx="0">
-            <a:schemeClr val="accent1"/>
-          </a:effectRef>
-          <a:fontRef idx="minor">
-            <a:schemeClr val="tx1"/>
-          </a:fontRef>
-        </p:style>
-      </p:cxnSp>
-      <p:cxnSp>
-        <p:nvCxnSpPr>
-          <p:cNvPr id="11" name="Straight Arrow Connector 10">
-            <a:extLst>
-              <a:ext uri="{FF2B5EF4-FFF2-40B4-BE49-F238E27FC236}">
-                <a16:creationId xmlns:a16="http://schemas.microsoft.com/office/drawing/2014/main" id="{99D9B067-D493-3C49-A78A-F5A85DDE361E}"/>
-              </a:ext>
-            </a:extLst>
-          </p:cNvPr>
-          <p:cNvCxnSpPr>
-            <a:cxnSpLocks/>
-          </p:cNvCxnSpPr>
-          <p:nvPr/>
-        </p:nvCxnSpPr>
-        <p:spPr>
-          <a:xfrm flipH="1">
-            <a:off x="5991791" y="1873184"/>
-            <a:ext cx="150608" cy="1177823"/>
-          </a:xfrm>
-          <a:prstGeom prst="straightConnector1">
-            <a:avLst/>
-          </a:prstGeom>
-          <a:ln w="38100">
-            <a:solidFill>
-              <a:schemeClr val="tx1"/>
-            </a:solidFill>
-            <a:tailEnd type="triangle"/>
-          </a:ln>
-        </p:spPr>
-        <p:style>
-          <a:lnRef idx="1">
-            <a:schemeClr val="accent1"/>
-          </a:lnRef>
-          <a:fillRef idx="0">
-            <a:schemeClr val="accent1"/>
-          </a:fillRef>
-          <a:effectRef idx="0">
-            <a:schemeClr val="accent1"/>
-          </a:effectRef>
-          <a:fontRef idx="minor">
-            <a:schemeClr val="tx1"/>
-          </a:fontRef>
-        </p:style>
-      </p:cxnSp>
       <p:sp>
         <p:nvSpPr>
           <p:cNvPr id="13" name="TextBox 12">
@@ -9164,7 +9217,7 @@
         </p:nvSpPr>
         <p:spPr>
           <a:xfrm>
-            <a:off x="5534081" y="1473354"/>
+            <a:off x="5945525" y="4192386"/>
             <a:ext cx="1804416" cy="369332"/>
           </a:xfrm>
           <a:prstGeom prst="rect">
@@ -9187,70 +9240,249 @@
       </p:sp>
       <p:sp>
         <p:nvSpPr>
-          <p:cNvPr id="14" name="TextBox 13">
-            <a:extLst>
-              <a:ext uri="{FF2B5EF4-FFF2-40B4-BE49-F238E27FC236}">
-                <a16:creationId xmlns:a16="http://schemas.microsoft.com/office/drawing/2014/main" id="{460B1BAF-C73F-D443-81EB-7D3186B5662E}"/>
-              </a:ext>
-            </a:extLst>
-          </p:cNvPr>
-          <p:cNvSpPr txBox="1"/>
+          <p:cNvPr id="4" name="Rectangle 3">
+            <a:extLst>
+              <a:ext uri="{FF2B5EF4-FFF2-40B4-BE49-F238E27FC236}">
+                <a16:creationId xmlns:a16="http://schemas.microsoft.com/office/drawing/2014/main" id="{85E51753-899F-8F48-81DD-D1A5BA092664}"/>
+              </a:ext>
+            </a:extLst>
+          </p:cNvPr>
+          <p:cNvSpPr/>
           <p:nvPr/>
         </p:nvSpPr>
         <p:spPr>
           <a:xfrm>
-            <a:off x="4401314" y="3314288"/>
-            <a:ext cx="1901952" cy="369332"/>
+            <a:off x="838200" y="2856151"/>
+            <a:ext cx="3394497" cy="769441"/>
           </a:xfrm>
           <a:prstGeom prst="rect">
             <a:avLst/>
           </a:prstGeom>
-          <a:noFill/>
-        </p:spPr>
-        <p:txBody>
-          <a:bodyPr wrap="square" rtlCol="0">
+        </p:spPr>
+        <p:txBody>
+          <a:bodyPr wrap="square">
             <a:spAutoFit/>
           </a:bodyPr>
           <a:lstStyle/>
           <a:p>
-            <a:r>
-              <a:rPr lang="en-US" dirty="0"/>
-              <a:t>Before 2009 June</a:t>
-            </a:r>
-          </a:p>
-        </p:txBody>
-      </p:sp>
-      <p:sp>
-        <p:nvSpPr>
-          <p:cNvPr id="15" name="TextBox 14">
-            <a:extLst>
-              <a:ext uri="{FF2B5EF4-FFF2-40B4-BE49-F238E27FC236}">
-                <a16:creationId xmlns:a16="http://schemas.microsoft.com/office/drawing/2014/main" id="{EC8920C2-2F66-8A49-B176-9CAAF23D4886}"/>
-              </a:ext>
-            </a:extLst>
-          </p:cNvPr>
-          <p:cNvSpPr txBox="1"/>
+            <a:pPr lvl="1"/>
+            <a:r>
+              <a:rPr lang="en-US" sz="2200" b="1" dirty="0"/>
+              <a:t>Cellular</a:t>
+            </a:r>
+            <a:r>
+              <a:rPr lang="en-US" sz="2200" dirty="0"/>
+              <a:t> contact is the most effective way</a:t>
+            </a:r>
+          </a:p>
+        </p:txBody>
+      </p:sp>
+      <p:sp>
+        <p:nvSpPr>
+          <p:cNvPr id="5" name="Rectangle 4">
+            <a:extLst>
+              <a:ext uri="{FF2B5EF4-FFF2-40B4-BE49-F238E27FC236}">
+                <a16:creationId xmlns:a16="http://schemas.microsoft.com/office/drawing/2014/main" id="{41F08EF7-859D-C44B-862A-1598653BDB6A}"/>
+              </a:ext>
+            </a:extLst>
+          </p:cNvPr>
+          <p:cNvSpPr/>
           <p:nvPr/>
         </p:nvSpPr>
         <p:spPr>
           <a:xfrm>
-            <a:off x="10185211" y="2921403"/>
-            <a:ext cx="1901952" cy="369332"/>
+            <a:off x="8153527" y="3058549"/>
+            <a:ext cx="3945824" cy="430887"/>
           </a:xfrm>
           <a:prstGeom prst="rect">
             <a:avLst/>
           </a:prstGeom>
-          <a:noFill/>
-        </p:spPr>
-        <p:txBody>
-          <a:bodyPr wrap="square" rtlCol="0">
+        </p:spPr>
+        <p:txBody>
+          <a:bodyPr wrap="none">
             <a:spAutoFit/>
           </a:bodyPr>
           <a:lstStyle/>
           <a:p>
+            <a:pPr lvl="1"/>
+            <a:r>
+              <a:rPr lang="en-US" sz="2200" b="1" dirty="0"/>
+              <a:t>Monday</a:t>
+            </a:r>
+            <a:r>
+              <a:rPr lang="en-US" sz="2200" dirty="0"/>
+              <a:t> has a lower yes rate</a:t>
+            </a:r>
+          </a:p>
+        </p:txBody>
+      </p:sp>
+      <p:sp>
+        <p:nvSpPr>
+          <p:cNvPr id="10" name="Rectangle 9">
+            <a:extLst>
+              <a:ext uri="{FF2B5EF4-FFF2-40B4-BE49-F238E27FC236}">
+                <a16:creationId xmlns:a16="http://schemas.microsoft.com/office/drawing/2014/main" id="{F5A2532E-588E-A643-BEE3-9E69601B5B6A}"/>
+              </a:ext>
+            </a:extLst>
+          </p:cNvPr>
+          <p:cNvSpPr/>
+          <p:nvPr/>
+        </p:nvSpPr>
+        <p:spPr>
+          <a:xfrm>
+            <a:off x="4954407" y="2455108"/>
+            <a:ext cx="3199120" cy="1107996"/>
+          </a:xfrm>
+          <a:prstGeom prst="rect">
+            <a:avLst/>
+          </a:prstGeom>
+        </p:spPr>
+        <p:txBody>
+          <a:bodyPr wrap="square">
+            <a:spAutoFit/>
+          </a:bodyPr>
+          <a:lstStyle/>
+          <a:p>
+            <a:pPr lvl="1"/>
+            <a:r>
+              <a:rPr lang="en-US" sz="2200" b="1" dirty="0"/>
+              <a:t>Student and retired </a:t>
+            </a:r>
+            <a:r>
+              <a:rPr lang="en-US" sz="2200" dirty="0"/>
+              <a:t>people have higher yes rate</a:t>
+            </a:r>
+          </a:p>
+        </p:txBody>
+      </p:sp>
+      <p:pic>
+        <p:nvPicPr>
+          <p:cNvPr id="12" name="Picture 11">
+            <a:extLst>
+              <a:ext uri="{FF2B5EF4-FFF2-40B4-BE49-F238E27FC236}">
+                <a16:creationId xmlns:a16="http://schemas.microsoft.com/office/drawing/2014/main" id="{86FCD219-B84E-5A4E-A82F-D6ABDC363953}"/>
+              </a:ext>
+            </a:extLst>
+          </p:cNvPr>
+          <p:cNvPicPr>
+            <a:picLocks noChangeAspect="1"/>
+          </p:cNvPicPr>
+          <p:nvPr/>
+        </p:nvPicPr>
+        <p:blipFill>
+          <a:blip r:embed="rId5"/>
+          <a:stretch>
+            <a:fillRect/>
+          </a:stretch>
+        </p:blipFill>
+        <p:spPr>
+          <a:xfrm>
+            <a:off x="8269350" y="3756627"/>
+            <a:ext cx="3957185" cy="2609448"/>
+          </a:xfrm>
+          <a:prstGeom prst="rect">
+            <a:avLst/>
+          </a:prstGeom>
+        </p:spPr>
+      </p:pic>
+      <p:sp>
+        <p:nvSpPr>
+          <p:cNvPr id="16" name="Rectangle 15">
+            <a:extLst>
+              <a:ext uri="{FF2B5EF4-FFF2-40B4-BE49-F238E27FC236}">
+                <a16:creationId xmlns:a16="http://schemas.microsoft.com/office/drawing/2014/main" id="{3AE149CE-2173-7D43-99D5-8C7DDAA96703}"/>
+              </a:ext>
+            </a:extLst>
+          </p:cNvPr>
+          <p:cNvSpPr/>
+          <p:nvPr/>
+        </p:nvSpPr>
+        <p:spPr>
+          <a:xfrm>
+            <a:off x="11017416" y="6123543"/>
+            <a:ext cx="975588" cy="369332"/>
+          </a:xfrm>
+          <a:prstGeom prst="rect">
+            <a:avLst/>
+          </a:prstGeom>
+        </p:spPr>
+        <p:txBody>
+          <a:bodyPr wrap="none">
+            <a:spAutoFit/>
+          </a:bodyPr>
+          <a:lstStyle/>
+          <a:p>
             <a:r>
               <a:rPr lang="en-US" dirty="0"/>
-              <a:t>After 2009 June</a:t>
+              <a:t>Monday</a:t>
+            </a:r>
+          </a:p>
+        </p:txBody>
+      </p:sp>
+      <p:sp>
+        <p:nvSpPr>
+          <p:cNvPr id="17" name="Rectangle 16">
+            <a:extLst>
+              <a:ext uri="{FF2B5EF4-FFF2-40B4-BE49-F238E27FC236}">
+                <a16:creationId xmlns:a16="http://schemas.microsoft.com/office/drawing/2014/main" id="{C69AC1F1-AE7A-B64D-B41A-C312F57283AE}"/>
+              </a:ext>
+            </a:extLst>
+          </p:cNvPr>
+          <p:cNvSpPr/>
+          <p:nvPr/>
+        </p:nvSpPr>
+        <p:spPr>
+          <a:xfrm>
+            <a:off x="1399933" y="4416462"/>
+            <a:ext cx="869149" cy="369332"/>
+          </a:xfrm>
+          <a:prstGeom prst="rect">
+            <a:avLst/>
+          </a:prstGeom>
+        </p:spPr>
+        <p:txBody>
+          <a:bodyPr wrap="none">
+            <a:spAutoFit/>
+          </a:bodyPr>
+          <a:lstStyle/>
+          <a:p>
+            <a:r>
+              <a:rPr lang="en-US" dirty="0"/>
+              <a:t>cellular</a:t>
+            </a:r>
+          </a:p>
+        </p:txBody>
+      </p:sp>
+      <p:sp>
+        <p:nvSpPr>
+          <p:cNvPr id="18" name="Rectangle 17">
+            <a:extLst>
+              <a:ext uri="{FF2B5EF4-FFF2-40B4-BE49-F238E27FC236}">
+                <a16:creationId xmlns:a16="http://schemas.microsoft.com/office/drawing/2014/main" id="{83E5CE87-8E18-E743-8322-E26C33A77CE3}"/>
+              </a:ext>
+            </a:extLst>
+          </p:cNvPr>
+          <p:cNvSpPr/>
+          <p:nvPr/>
+        </p:nvSpPr>
+        <p:spPr>
+          <a:xfrm>
+            <a:off x="2914712" y="4426744"/>
+            <a:ext cx="1145570" cy="369332"/>
+          </a:xfrm>
+          <a:prstGeom prst="rect">
+            <a:avLst/>
+          </a:prstGeom>
+        </p:spPr>
+        <p:txBody>
+          <a:bodyPr wrap="none">
+            <a:spAutoFit/>
+          </a:bodyPr>
+          <a:lstStyle/>
+          <a:p>
+            <a:r>
+              <a:rPr lang="en-US" dirty="0"/>
+              <a:t>telephone</a:t>
             </a:r>
           </a:p>
         </p:txBody>

--- a/ds_challenge_presentation_HanJiang.pptx
+++ b/ds_challenge_presentation_HanJiang.pptx
@@ -5,7 +5,7 @@
     <p:sldMasterId id="2147483648" r:id="rId1"/>
   </p:sldMasterIdLst>
   <p:notesMasterIdLst>
-    <p:notesMasterId r:id="rId18"/>
+    <p:notesMasterId r:id="rId19"/>
   </p:notesMasterIdLst>
   <p:sldIdLst>
     <p:sldId id="256" r:id="rId2"/>
@@ -23,7 +23,8 @@
     <p:sldId id="269" r:id="rId14"/>
     <p:sldId id="272" r:id="rId15"/>
     <p:sldId id="273" r:id="rId16"/>
-    <p:sldId id="274" r:id="rId17"/>
+    <p:sldId id="276" r:id="rId17"/>
+    <p:sldId id="274" r:id="rId18"/>
   </p:sldIdLst>
   <p:sldSz cx="12192000" cy="6858000"/>
   <p:notesSz cx="6858000" cy="9144000"/>
@@ -212,7 +213,7 @@
           <a:p>
             <a:fld id="{F8E9C44E-FFD0-4340-B5EC-F362398A09AF}" type="datetimeFigureOut">
               <a:rPr lang="en-US" smtClean="0"/>
-              <a:t>8/9/21</a:t>
+              <a:t>8/11/21</a:t>
             </a:fld>
             <a:endParaRPr lang="en-US"/>
           </a:p>
@@ -544,7 +545,7 @@
           <a:p>
             <a:fld id="{4F0EC1CA-0F8D-B345-934A-D400D24D253A}" type="slidenum">
               <a:rPr lang="en-US" smtClean="0"/>
-              <a:t>3</a:t>
+              <a:t>2</a:t>
             </a:fld>
             <a:endParaRPr lang="en-US"/>
           </a:p>
@@ -553,7 +554,346 @@
     </p:spTree>
     <p:extLst>
       <p:ext uri="{BB962C8B-B14F-4D97-AF65-F5344CB8AC3E}">
-        <p14:creationId xmlns:p14="http://schemas.microsoft.com/office/powerpoint/2010/main" val="2511349661"/>
+        <p14:creationId xmlns:p14="http://schemas.microsoft.com/office/powerpoint/2010/main" val="4137717520"/>
+      </p:ext>
+    </p:extLst>
+  </p:cSld>
+  <p:clrMapOvr>
+    <a:masterClrMapping/>
+  </p:clrMapOvr>
+</p:notes>
+</file>
+
+<file path=ppt/notesSlides/notesSlide10.xml><?xml version="1.0" encoding="utf-8"?>
+<p:notes xmlns:a="http://schemas.openxmlformats.org/drawingml/2006/main" xmlns:r="http://schemas.openxmlformats.org/officeDocument/2006/relationships" xmlns:p="http://schemas.openxmlformats.org/presentationml/2006/main">
+  <p:cSld>
+    <p:spTree>
+      <p:nvGrpSpPr>
+        <p:cNvPr id="1" name=""/>
+        <p:cNvGrpSpPr/>
+        <p:nvPr/>
+      </p:nvGrpSpPr>
+      <p:grpSpPr>
+        <a:xfrm>
+          <a:off x="0" y="0"/>
+          <a:ext cx="0" cy="0"/>
+          <a:chOff x="0" y="0"/>
+          <a:chExt cx="0" cy="0"/>
+        </a:xfrm>
+      </p:grpSpPr>
+      <p:sp>
+        <p:nvSpPr>
+          <p:cNvPr id="2" name="Slide Image Placeholder 1"/>
+          <p:cNvSpPr>
+            <a:spLocks noGrp="1" noRot="1" noChangeAspect="1"/>
+          </p:cNvSpPr>
+          <p:nvPr>
+            <p:ph type="sldImg"/>
+          </p:nvPr>
+        </p:nvSpPr>
+        <p:spPr/>
+      </p:sp>
+      <p:sp>
+        <p:nvSpPr>
+          <p:cNvPr id="3" name="Notes Placeholder 2"/>
+          <p:cNvSpPr>
+            <a:spLocks noGrp="1"/>
+          </p:cNvSpPr>
+          <p:nvPr>
+            <p:ph type="body" idx="1"/>
+          </p:nvPr>
+        </p:nvSpPr>
+        <p:spPr/>
+        <p:txBody>
+          <a:bodyPr/>
+          <a:lstStyle/>
+          <a:p>
+            <a:endParaRPr lang="en-US" dirty="0"/>
+          </a:p>
+        </p:txBody>
+      </p:sp>
+      <p:sp>
+        <p:nvSpPr>
+          <p:cNvPr id="4" name="Slide Number Placeholder 3"/>
+          <p:cNvSpPr>
+            <a:spLocks noGrp="1"/>
+          </p:cNvSpPr>
+          <p:nvPr>
+            <p:ph type="sldNum" sz="quarter" idx="5"/>
+          </p:nvPr>
+        </p:nvSpPr>
+        <p:spPr/>
+        <p:txBody>
+          <a:bodyPr/>
+          <a:lstStyle/>
+          <a:p>
+            <a:fld id="{4F0EC1CA-0F8D-B345-934A-D400D24D253A}" type="slidenum">
+              <a:rPr lang="en-US" smtClean="0"/>
+              <a:t>12</a:t>
+            </a:fld>
+            <a:endParaRPr lang="en-US"/>
+          </a:p>
+        </p:txBody>
+      </p:sp>
+    </p:spTree>
+    <p:extLst>
+      <p:ext uri="{BB962C8B-B14F-4D97-AF65-F5344CB8AC3E}">
+        <p14:creationId xmlns:p14="http://schemas.microsoft.com/office/powerpoint/2010/main" val="812923397"/>
+      </p:ext>
+    </p:extLst>
+  </p:cSld>
+  <p:clrMapOvr>
+    <a:masterClrMapping/>
+  </p:clrMapOvr>
+</p:notes>
+</file>
+
+<file path=ppt/notesSlides/notesSlide11.xml><?xml version="1.0" encoding="utf-8"?>
+<p:notes xmlns:a="http://schemas.openxmlformats.org/drawingml/2006/main" xmlns:r="http://schemas.openxmlformats.org/officeDocument/2006/relationships" xmlns:p="http://schemas.openxmlformats.org/presentationml/2006/main">
+  <p:cSld>
+    <p:spTree>
+      <p:nvGrpSpPr>
+        <p:cNvPr id="1" name=""/>
+        <p:cNvGrpSpPr/>
+        <p:nvPr/>
+      </p:nvGrpSpPr>
+      <p:grpSpPr>
+        <a:xfrm>
+          <a:off x="0" y="0"/>
+          <a:ext cx="0" cy="0"/>
+          <a:chOff x="0" y="0"/>
+          <a:chExt cx="0" cy="0"/>
+        </a:xfrm>
+      </p:grpSpPr>
+      <p:sp>
+        <p:nvSpPr>
+          <p:cNvPr id="2" name="Slide Image Placeholder 1"/>
+          <p:cNvSpPr>
+            <a:spLocks noGrp="1" noRot="1" noChangeAspect="1"/>
+          </p:cNvSpPr>
+          <p:nvPr>
+            <p:ph type="sldImg"/>
+          </p:nvPr>
+        </p:nvSpPr>
+        <p:spPr/>
+      </p:sp>
+      <p:sp>
+        <p:nvSpPr>
+          <p:cNvPr id="3" name="Notes Placeholder 2"/>
+          <p:cNvSpPr>
+            <a:spLocks noGrp="1"/>
+          </p:cNvSpPr>
+          <p:nvPr>
+            <p:ph type="body" idx="1"/>
+          </p:nvPr>
+        </p:nvSpPr>
+        <p:spPr/>
+        <p:txBody>
+          <a:bodyPr/>
+          <a:lstStyle/>
+          <a:p>
+            <a:endParaRPr lang="en-US" dirty="0"/>
+          </a:p>
+        </p:txBody>
+      </p:sp>
+      <p:sp>
+        <p:nvSpPr>
+          <p:cNvPr id="4" name="Slide Number Placeholder 3"/>
+          <p:cNvSpPr>
+            <a:spLocks noGrp="1"/>
+          </p:cNvSpPr>
+          <p:nvPr>
+            <p:ph type="sldNum" sz="quarter" idx="5"/>
+          </p:nvPr>
+        </p:nvSpPr>
+        <p:spPr/>
+        <p:txBody>
+          <a:bodyPr/>
+          <a:lstStyle/>
+          <a:p>
+            <a:fld id="{4F0EC1CA-0F8D-B345-934A-D400D24D253A}" type="slidenum">
+              <a:rPr lang="en-US" smtClean="0"/>
+              <a:t>13</a:t>
+            </a:fld>
+            <a:endParaRPr lang="en-US"/>
+          </a:p>
+        </p:txBody>
+      </p:sp>
+    </p:spTree>
+    <p:extLst>
+      <p:ext uri="{BB962C8B-B14F-4D97-AF65-F5344CB8AC3E}">
+        <p14:creationId xmlns:p14="http://schemas.microsoft.com/office/powerpoint/2010/main" val="1642523206"/>
+      </p:ext>
+    </p:extLst>
+  </p:cSld>
+  <p:clrMapOvr>
+    <a:masterClrMapping/>
+  </p:clrMapOvr>
+</p:notes>
+</file>
+
+<file path=ppt/notesSlides/notesSlide12.xml><?xml version="1.0" encoding="utf-8"?>
+<p:notes xmlns:a="http://schemas.openxmlformats.org/drawingml/2006/main" xmlns:r="http://schemas.openxmlformats.org/officeDocument/2006/relationships" xmlns:p="http://schemas.openxmlformats.org/presentationml/2006/main">
+  <p:cSld>
+    <p:spTree>
+      <p:nvGrpSpPr>
+        <p:cNvPr id="1" name=""/>
+        <p:cNvGrpSpPr/>
+        <p:nvPr/>
+      </p:nvGrpSpPr>
+      <p:grpSpPr>
+        <a:xfrm>
+          <a:off x="0" y="0"/>
+          <a:ext cx="0" cy="0"/>
+          <a:chOff x="0" y="0"/>
+          <a:chExt cx="0" cy="0"/>
+        </a:xfrm>
+      </p:grpSpPr>
+      <p:sp>
+        <p:nvSpPr>
+          <p:cNvPr id="2" name="Slide Image Placeholder 1"/>
+          <p:cNvSpPr>
+            <a:spLocks noGrp="1" noRot="1" noChangeAspect="1"/>
+          </p:cNvSpPr>
+          <p:nvPr>
+            <p:ph type="sldImg"/>
+          </p:nvPr>
+        </p:nvSpPr>
+        <p:spPr/>
+      </p:sp>
+      <p:sp>
+        <p:nvSpPr>
+          <p:cNvPr id="3" name="Notes Placeholder 2"/>
+          <p:cNvSpPr>
+            <a:spLocks noGrp="1"/>
+          </p:cNvSpPr>
+          <p:nvPr>
+            <p:ph type="body" idx="1"/>
+          </p:nvPr>
+        </p:nvSpPr>
+        <p:spPr/>
+        <p:txBody>
+          <a:bodyPr/>
+          <a:lstStyle/>
+          <a:p>
+            <a:endParaRPr lang="en-US" dirty="0"/>
+          </a:p>
+        </p:txBody>
+      </p:sp>
+      <p:sp>
+        <p:nvSpPr>
+          <p:cNvPr id="4" name="Slide Number Placeholder 3"/>
+          <p:cNvSpPr>
+            <a:spLocks noGrp="1"/>
+          </p:cNvSpPr>
+          <p:nvPr>
+            <p:ph type="sldNum" sz="quarter" idx="5"/>
+          </p:nvPr>
+        </p:nvSpPr>
+        <p:spPr/>
+        <p:txBody>
+          <a:bodyPr/>
+          <a:lstStyle/>
+          <a:p>
+            <a:fld id="{4F0EC1CA-0F8D-B345-934A-D400D24D253A}" type="slidenum">
+              <a:rPr lang="en-US" smtClean="0"/>
+              <a:t>14</a:t>
+            </a:fld>
+            <a:endParaRPr lang="en-US"/>
+          </a:p>
+        </p:txBody>
+      </p:sp>
+    </p:spTree>
+    <p:extLst>
+      <p:ext uri="{BB962C8B-B14F-4D97-AF65-F5344CB8AC3E}">
+        <p14:creationId xmlns:p14="http://schemas.microsoft.com/office/powerpoint/2010/main" val="3092316666"/>
+      </p:ext>
+    </p:extLst>
+  </p:cSld>
+  <p:clrMapOvr>
+    <a:masterClrMapping/>
+  </p:clrMapOvr>
+</p:notes>
+</file>
+
+<file path=ppt/notesSlides/notesSlide13.xml><?xml version="1.0" encoding="utf-8"?>
+<p:notes xmlns:a="http://schemas.openxmlformats.org/drawingml/2006/main" xmlns:r="http://schemas.openxmlformats.org/officeDocument/2006/relationships" xmlns:p="http://schemas.openxmlformats.org/presentationml/2006/main">
+  <p:cSld>
+    <p:spTree>
+      <p:nvGrpSpPr>
+        <p:cNvPr id="1" name=""/>
+        <p:cNvGrpSpPr/>
+        <p:nvPr/>
+      </p:nvGrpSpPr>
+      <p:grpSpPr>
+        <a:xfrm>
+          <a:off x="0" y="0"/>
+          <a:ext cx="0" cy="0"/>
+          <a:chOff x="0" y="0"/>
+          <a:chExt cx="0" cy="0"/>
+        </a:xfrm>
+      </p:grpSpPr>
+      <p:sp>
+        <p:nvSpPr>
+          <p:cNvPr id="2" name="Slide Image Placeholder 1"/>
+          <p:cNvSpPr>
+            <a:spLocks noGrp="1" noRot="1" noChangeAspect="1"/>
+          </p:cNvSpPr>
+          <p:nvPr>
+            <p:ph type="sldImg"/>
+          </p:nvPr>
+        </p:nvSpPr>
+        <p:spPr/>
+      </p:sp>
+      <p:sp>
+        <p:nvSpPr>
+          <p:cNvPr id="3" name="Notes Placeholder 2"/>
+          <p:cNvSpPr>
+            <a:spLocks noGrp="1"/>
+          </p:cNvSpPr>
+          <p:nvPr>
+            <p:ph type="body" idx="1"/>
+          </p:nvPr>
+        </p:nvSpPr>
+        <p:spPr/>
+        <p:txBody>
+          <a:bodyPr/>
+          <a:lstStyle/>
+          <a:p>
+            <a:endParaRPr lang="en-US" dirty="0"/>
+          </a:p>
+          <a:p>
+            <a:endParaRPr lang="en-US" dirty="0"/>
+          </a:p>
+        </p:txBody>
+      </p:sp>
+      <p:sp>
+        <p:nvSpPr>
+          <p:cNvPr id="4" name="Slide Number Placeholder 3"/>
+          <p:cNvSpPr>
+            <a:spLocks noGrp="1"/>
+          </p:cNvSpPr>
+          <p:nvPr>
+            <p:ph type="sldNum" sz="quarter" idx="5"/>
+          </p:nvPr>
+        </p:nvSpPr>
+        <p:spPr/>
+        <p:txBody>
+          <a:bodyPr/>
+          <a:lstStyle/>
+          <a:p>
+            <a:fld id="{4F0EC1CA-0F8D-B345-934A-D400D24D253A}" type="slidenum">
+              <a:rPr lang="en-US" smtClean="0"/>
+              <a:t>15</a:t>
+            </a:fld>
+            <a:endParaRPr lang="en-US"/>
+          </a:p>
+        </p:txBody>
+      </p:sp>
+    </p:spTree>
+    <p:extLst>
+      <p:ext uri="{BB962C8B-B14F-4D97-AF65-F5344CB8AC3E}">
+        <p14:creationId xmlns:p14="http://schemas.microsoft.com/office/powerpoint/2010/main" val="3243368171"/>
       </p:ext>
     </p:extLst>
   </p:cSld>
@@ -628,7 +968,7 @@
           <a:p>
             <a:fld id="{4F0EC1CA-0F8D-B345-934A-D400D24D253A}" type="slidenum">
               <a:rPr lang="en-US" smtClean="0"/>
-              <a:t>4</a:t>
+              <a:t>3</a:t>
             </a:fld>
             <a:endParaRPr lang="en-US"/>
           </a:p>
@@ -637,7 +977,7 @@
     </p:spTree>
     <p:extLst>
       <p:ext uri="{BB962C8B-B14F-4D97-AF65-F5344CB8AC3E}">
-        <p14:creationId xmlns:p14="http://schemas.microsoft.com/office/powerpoint/2010/main" val="3970151204"/>
+        <p14:creationId xmlns:p14="http://schemas.microsoft.com/office/powerpoint/2010/main" val="2511349661"/>
       </p:ext>
     </p:extLst>
   </p:cSld>
@@ -712,7 +1052,7 @@
           <a:p>
             <a:fld id="{4F0EC1CA-0F8D-B345-934A-D400D24D253A}" type="slidenum">
               <a:rPr lang="en-US" smtClean="0"/>
-              <a:t>5</a:t>
+              <a:t>4</a:t>
             </a:fld>
             <a:endParaRPr lang="en-US"/>
           </a:p>
@@ -721,7 +1061,7 @@
     </p:spTree>
     <p:extLst>
       <p:ext uri="{BB962C8B-B14F-4D97-AF65-F5344CB8AC3E}">
-        <p14:creationId xmlns:p14="http://schemas.microsoft.com/office/powerpoint/2010/main" val="2710979282"/>
+        <p14:creationId xmlns:p14="http://schemas.microsoft.com/office/powerpoint/2010/main" val="3970151204"/>
       </p:ext>
     </p:extLst>
   </p:cSld>
@@ -796,7 +1136,7 @@
           <a:p>
             <a:fld id="{4F0EC1CA-0F8D-B345-934A-D400D24D253A}" type="slidenum">
               <a:rPr lang="en-US" smtClean="0"/>
-              <a:t>6</a:t>
+              <a:t>5</a:t>
             </a:fld>
             <a:endParaRPr lang="en-US"/>
           </a:p>
@@ -805,7 +1145,7 @@
     </p:spTree>
     <p:extLst>
       <p:ext uri="{BB962C8B-B14F-4D97-AF65-F5344CB8AC3E}">
-        <p14:creationId xmlns:p14="http://schemas.microsoft.com/office/powerpoint/2010/main" val="1089836175"/>
+        <p14:creationId xmlns:p14="http://schemas.microsoft.com/office/powerpoint/2010/main" val="2710979282"/>
       </p:ext>
     </p:extLst>
   </p:cSld>
@@ -880,7 +1220,7 @@
           <a:p>
             <a:fld id="{4F0EC1CA-0F8D-B345-934A-D400D24D253A}" type="slidenum">
               <a:rPr lang="en-US" smtClean="0"/>
-              <a:t>8</a:t>
+              <a:t>6</a:t>
             </a:fld>
             <a:endParaRPr lang="en-US"/>
           </a:p>
@@ -889,7 +1229,7 @@
     </p:spTree>
     <p:extLst>
       <p:ext uri="{BB962C8B-B14F-4D97-AF65-F5344CB8AC3E}">
-        <p14:creationId xmlns:p14="http://schemas.microsoft.com/office/powerpoint/2010/main" val="4093990858"/>
+        <p14:creationId xmlns:p14="http://schemas.microsoft.com/office/powerpoint/2010/main" val="1089836175"/>
       </p:ext>
     </p:extLst>
   </p:cSld>
@@ -964,7 +1304,7 @@
           <a:p>
             <a:fld id="{4F0EC1CA-0F8D-B345-934A-D400D24D253A}" type="slidenum">
               <a:rPr lang="en-US" smtClean="0"/>
-              <a:t>9</a:t>
+              <a:t>7</a:t>
             </a:fld>
             <a:endParaRPr lang="en-US"/>
           </a:p>
@@ -973,7 +1313,7 @@
     </p:spTree>
     <p:extLst>
       <p:ext uri="{BB962C8B-B14F-4D97-AF65-F5344CB8AC3E}">
-        <p14:creationId xmlns:p14="http://schemas.microsoft.com/office/powerpoint/2010/main" val="2314432907"/>
+        <p14:creationId xmlns:p14="http://schemas.microsoft.com/office/powerpoint/2010/main" val="1963972868"/>
       </p:ext>
     </p:extLst>
   </p:cSld>
@@ -1048,7 +1388,7 @@
           <a:p>
             <a:fld id="{4F0EC1CA-0F8D-B345-934A-D400D24D253A}" type="slidenum">
               <a:rPr lang="en-US" smtClean="0"/>
-              <a:t>12</a:t>
+              <a:t>8</a:t>
             </a:fld>
             <a:endParaRPr lang="en-US"/>
           </a:p>
@@ -1057,7 +1397,7 @@
     </p:spTree>
     <p:extLst>
       <p:ext uri="{BB962C8B-B14F-4D97-AF65-F5344CB8AC3E}">
-        <p14:creationId xmlns:p14="http://schemas.microsoft.com/office/powerpoint/2010/main" val="812923397"/>
+        <p14:creationId xmlns:p14="http://schemas.microsoft.com/office/powerpoint/2010/main" val="4093990858"/>
       </p:ext>
     </p:extLst>
   </p:cSld>
@@ -1132,7 +1472,7 @@
           <a:p>
             <a:fld id="{4F0EC1CA-0F8D-B345-934A-D400D24D253A}" type="slidenum">
               <a:rPr lang="en-US" smtClean="0"/>
-              <a:t>13</a:t>
+              <a:t>9</a:t>
             </a:fld>
             <a:endParaRPr lang="en-US"/>
           </a:p>
@@ -1141,7 +1481,7 @@
     </p:spTree>
     <p:extLst>
       <p:ext uri="{BB962C8B-B14F-4D97-AF65-F5344CB8AC3E}">
-        <p14:creationId xmlns:p14="http://schemas.microsoft.com/office/powerpoint/2010/main" val="1642523206"/>
+        <p14:creationId xmlns:p14="http://schemas.microsoft.com/office/powerpoint/2010/main" val="2314432907"/>
       </p:ext>
     </p:extLst>
   </p:cSld>
@@ -1197,9 +1537,6 @@
           <a:p>
             <a:endParaRPr lang="en-US" dirty="0"/>
           </a:p>
-          <a:p>
-            <a:endParaRPr lang="en-US" dirty="0"/>
-          </a:p>
         </p:txBody>
       </p:sp>
       <p:sp>
@@ -1219,7 +1556,7 @@
           <a:p>
             <a:fld id="{4F0EC1CA-0F8D-B345-934A-D400D24D253A}" type="slidenum">
               <a:rPr lang="en-US" smtClean="0"/>
-              <a:t>15</a:t>
+              <a:t>10</a:t>
             </a:fld>
             <a:endParaRPr lang="en-US"/>
           </a:p>
@@ -1228,7 +1565,7 @@
     </p:spTree>
     <p:extLst>
       <p:ext uri="{BB962C8B-B14F-4D97-AF65-F5344CB8AC3E}">
-        <p14:creationId xmlns:p14="http://schemas.microsoft.com/office/powerpoint/2010/main" val="3243368171"/>
+        <p14:creationId xmlns:p14="http://schemas.microsoft.com/office/powerpoint/2010/main" val="1526866256"/>
       </p:ext>
     </p:extLst>
   </p:cSld>
@@ -1385,7 +1722,7 @@
           <a:p>
             <a:fld id="{07C2292E-7AC3-DC48-83F8-9E1890DB0B28}" type="datetimeFigureOut">
               <a:rPr lang="en-US" smtClean="0"/>
-              <a:t>8/9/21</a:t>
+              <a:t>8/11/21</a:t>
             </a:fld>
             <a:endParaRPr lang="en-US"/>
           </a:p>
@@ -1583,7 +1920,7 @@
           <a:p>
             <a:fld id="{07C2292E-7AC3-DC48-83F8-9E1890DB0B28}" type="datetimeFigureOut">
               <a:rPr lang="en-US" smtClean="0"/>
-              <a:t>8/9/21</a:t>
+              <a:t>8/11/21</a:t>
             </a:fld>
             <a:endParaRPr lang="en-US"/>
           </a:p>
@@ -1791,7 +2128,7 @@
           <a:p>
             <a:fld id="{07C2292E-7AC3-DC48-83F8-9E1890DB0B28}" type="datetimeFigureOut">
               <a:rPr lang="en-US" smtClean="0"/>
-              <a:t>8/9/21</a:t>
+              <a:t>8/11/21</a:t>
             </a:fld>
             <a:endParaRPr lang="en-US"/>
           </a:p>
@@ -1989,7 +2326,7 @@
           <a:p>
             <a:fld id="{07C2292E-7AC3-DC48-83F8-9E1890DB0B28}" type="datetimeFigureOut">
               <a:rPr lang="en-US" smtClean="0"/>
-              <a:t>8/9/21</a:t>
+              <a:t>8/11/21</a:t>
             </a:fld>
             <a:endParaRPr lang="en-US"/>
           </a:p>
@@ -2264,7 +2601,7 @@
           <a:p>
             <a:fld id="{07C2292E-7AC3-DC48-83F8-9E1890DB0B28}" type="datetimeFigureOut">
               <a:rPr lang="en-US" smtClean="0"/>
-              <a:t>8/9/21</a:t>
+              <a:t>8/11/21</a:t>
             </a:fld>
             <a:endParaRPr lang="en-US"/>
           </a:p>
@@ -2529,7 +2866,7 @@
           <a:p>
             <a:fld id="{07C2292E-7AC3-DC48-83F8-9E1890DB0B28}" type="datetimeFigureOut">
               <a:rPr lang="en-US" smtClean="0"/>
-              <a:t>8/9/21</a:t>
+              <a:t>8/11/21</a:t>
             </a:fld>
             <a:endParaRPr lang="en-US"/>
           </a:p>
@@ -2941,7 +3278,7 @@
           <a:p>
             <a:fld id="{07C2292E-7AC3-DC48-83F8-9E1890DB0B28}" type="datetimeFigureOut">
               <a:rPr lang="en-US" smtClean="0"/>
-              <a:t>8/9/21</a:t>
+              <a:t>8/11/21</a:t>
             </a:fld>
             <a:endParaRPr lang="en-US"/>
           </a:p>
@@ -3082,7 +3419,7 @@
           <a:p>
             <a:fld id="{07C2292E-7AC3-DC48-83F8-9E1890DB0B28}" type="datetimeFigureOut">
               <a:rPr lang="en-US" smtClean="0"/>
-              <a:t>8/9/21</a:t>
+              <a:t>8/11/21</a:t>
             </a:fld>
             <a:endParaRPr lang="en-US"/>
           </a:p>
@@ -3195,7 +3532,7 @@
           <a:p>
             <a:fld id="{07C2292E-7AC3-DC48-83F8-9E1890DB0B28}" type="datetimeFigureOut">
               <a:rPr lang="en-US" smtClean="0"/>
-              <a:t>8/9/21</a:t>
+              <a:t>8/11/21</a:t>
             </a:fld>
             <a:endParaRPr lang="en-US"/>
           </a:p>
@@ -3506,7 +3843,7 @@
           <a:p>
             <a:fld id="{07C2292E-7AC3-DC48-83F8-9E1890DB0B28}" type="datetimeFigureOut">
               <a:rPr lang="en-US" smtClean="0"/>
-              <a:t>8/9/21</a:t>
+              <a:t>8/11/21</a:t>
             </a:fld>
             <a:endParaRPr lang="en-US"/>
           </a:p>
@@ -3794,7 +4131,7 @@
           <a:p>
             <a:fld id="{07C2292E-7AC3-DC48-83F8-9E1890DB0B28}" type="datetimeFigureOut">
               <a:rPr lang="en-US" smtClean="0"/>
-              <a:t>8/9/21</a:t>
+              <a:t>8/11/21</a:t>
             </a:fld>
             <a:endParaRPr lang="en-US"/>
           </a:p>
@@ -4035,7 +4372,7 @@
           <a:p>
             <a:fld id="{07C2292E-7AC3-DC48-83F8-9E1890DB0B28}" type="datetimeFigureOut">
               <a:rPr lang="en-US" smtClean="0"/>
-              <a:t>8/9/21</a:t>
+              <a:t>8/11/21</a:t>
             </a:fld>
             <a:endParaRPr lang="en-US"/>
           </a:p>
@@ -4589,12 +4926,40 @@
           <a:p>
             <a:r>
               <a:rPr lang="en-US" dirty="0"/>
-              <a:t>Ensemble methods are more robust than a single ML model</a:t>
-            </a:r>
-          </a:p>
-          <a:p>
-            <a:r>
-              <a:rPr lang="en-US" dirty="0" err="1"/>
+              <a:t>Feature engineering</a:t>
+            </a:r>
+          </a:p>
+          <a:p>
+            <a:pPr lvl="1"/>
+            <a:r>
+              <a:rPr lang="en-US" dirty="0"/>
+              <a:t>Drop duration variable</a:t>
+            </a:r>
+          </a:p>
+          <a:p>
+            <a:pPr lvl="1"/>
+            <a:r>
+              <a:rPr lang="en-US" dirty="0"/>
+              <a:t>One hot-encoding for categorical variables </a:t>
+            </a:r>
+          </a:p>
+          <a:p>
+            <a:r>
+              <a:rPr lang="en-US" dirty="0"/>
+              <a:t>Type of models </a:t>
+            </a:r>
+          </a:p>
+          <a:p>
+            <a:pPr lvl="1"/>
+            <a:r>
+              <a:rPr lang="en-US" dirty="0"/>
+              <a:t>Ensemble methods</a:t>
+            </a:r>
+          </a:p>
+          <a:p>
+            <a:pPr lvl="1"/>
+            <a:r>
+              <a:rPr lang="en-US" b="1" dirty="0" err="1"/>
               <a:t>Catboost</a:t>
             </a:r>
             <a:r>
@@ -4603,27 +4968,28 @@
             </a:r>
           </a:p>
           <a:p>
+            <a:pPr lvl="2"/>
+            <a:r>
+              <a:rPr lang="en-US" dirty="0"/>
+              <a:t>Gradient boost tree ensemble; build trees in a series</a:t>
+            </a:r>
+          </a:p>
+          <a:p>
+            <a:pPr lvl="2"/>
+            <a:r>
+              <a:rPr lang="en-US" dirty="0"/>
+              <a:t>Support target encoding for categorical variables [2]</a:t>
+            </a:r>
+          </a:p>
+          <a:p>
             <a:pPr lvl="1"/>
             <a:r>
-              <a:rPr lang="en-US" dirty="0"/>
-              <a:t>Gradient boost tree ensemble; build trees in a series</a:t>
-            </a:r>
-          </a:p>
-          <a:p>
-            <a:pPr lvl="1"/>
-            <a:r>
-              <a:rPr lang="en-US" dirty="0"/>
-              <a:t>Support target encoding for categorical variables [2]</a:t>
-            </a:r>
-          </a:p>
-          <a:p>
-            <a:r>
-              <a:rPr lang="en-US" dirty="0"/>
+              <a:rPr lang="en-US" b="1" dirty="0"/>
               <a:t>Random forest</a:t>
             </a:r>
           </a:p>
           <a:p>
-            <a:pPr lvl="1"/>
+            <a:pPr lvl="2"/>
             <a:r>
               <a:rPr lang="en-US" dirty="0"/>
               <a:t>Bagging boost tree ensemble; build trees in parallel</a:t>
@@ -4756,14 +5122,40 @@
             <p:ph idx="1"/>
           </p:nvPr>
         </p:nvSpPr>
-        <p:spPr/>
-        <p:txBody>
-          <a:bodyPr/>
-          <a:lstStyle/>
-          <a:p>
-            <a:pPr marL="0" indent="0">
-              <a:buNone/>
-            </a:pPr>
+        <p:spPr>
+          <a:xfrm>
+            <a:off x="838200" y="1916163"/>
+            <a:ext cx="10515600" cy="4351338"/>
+          </a:xfrm>
+        </p:spPr>
+        <p:txBody>
+          <a:bodyPr>
+            <a:normAutofit fontScale="92500" lnSpcReduction="20000"/>
+          </a:bodyPr>
+          <a:lstStyle/>
+          <a:p>
+            <a:r>
+              <a:rPr lang="en-US" dirty="0"/>
+              <a:t>Confusion matrix</a:t>
+            </a:r>
+          </a:p>
+          <a:p>
+            <a:endParaRPr lang="en-US" dirty="0"/>
+          </a:p>
+          <a:p>
+            <a:r>
+              <a:rPr lang="en-US" dirty="0"/>
+              <a:t>Precision = TP / (TP + FP)</a:t>
+            </a:r>
+          </a:p>
+          <a:p>
+            <a:r>
+              <a:rPr lang="en-US" dirty="0"/>
+              <a:t>Recall = TP / (TP + FN)</a:t>
+            </a:r>
+            <a:endParaRPr lang="en-US" b="1" dirty="0"/>
+          </a:p>
+          <a:p>
             <a:endParaRPr lang="en-US" b="1" dirty="0"/>
           </a:p>
           <a:p>
@@ -4781,6 +5173,30 @@
             <a:r>
               <a:rPr lang="en-US" dirty="0"/>
               <a:t>Is the metric used for this work</a:t>
+            </a:r>
+          </a:p>
+          <a:p>
+            <a:pPr lvl="1"/>
+            <a:endParaRPr lang="en-US" dirty="0"/>
+          </a:p>
+          <a:p>
+            <a:r>
+              <a:rPr lang="en-US" dirty="0"/>
+              <a:t>Why not ROC AUC</a:t>
+            </a:r>
+          </a:p>
+          <a:p>
+            <a:pPr lvl="1"/>
+            <a:r>
+              <a:rPr lang="en-US" dirty="0"/>
+              <a:t>ROC is not sensitive in the imbalanced data</a:t>
+            </a:r>
+          </a:p>
+          <a:p>
+            <a:pPr lvl="1"/>
+            <a:r>
+              <a:rPr lang="en-US" dirty="0"/>
+              <a:t>False positive rate = FP / (FP + TN)</a:t>
             </a:r>
           </a:p>
         </p:txBody>
@@ -4799,7 +5215,7 @@
         </p:nvGrpSpPr>
         <p:grpSpPr>
           <a:xfrm>
-            <a:off x="6213639" y="3982403"/>
+            <a:off x="7084078" y="1465213"/>
             <a:ext cx="2779776" cy="2194560"/>
             <a:chOff x="5340096" y="499872"/>
             <a:chExt cx="2779776" cy="2194560"/>
@@ -5028,7 +5444,7 @@
         </p:nvSpPr>
         <p:spPr>
           <a:xfrm>
-            <a:off x="4982247" y="4207878"/>
+            <a:off x="5852686" y="1690688"/>
             <a:ext cx="1231392" cy="369332"/>
           </a:xfrm>
           <a:prstGeom prst="rect">
@@ -5063,7 +5479,7 @@
         </p:nvSpPr>
         <p:spPr>
           <a:xfrm>
-            <a:off x="4982247" y="5286390"/>
+            <a:off x="5852686" y="2769200"/>
             <a:ext cx="1231392" cy="369332"/>
           </a:xfrm>
           <a:prstGeom prst="rect">
@@ -5098,7 +5514,7 @@
         </p:nvSpPr>
         <p:spPr>
           <a:xfrm>
-            <a:off x="6167919" y="3276496"/>
+            <a:off x="7038358" y="927169"/>
             <a:ext cx="1481328" cy="369332"/>
           </a:xfrm>
           <a:prstGeom prst="rect">
@@ -5133,7 +5549,7 @@
         </p:nvSpPr>
         <p:spPr>
           <a:xfrm>
-            <a:off x="7637055" y="3281631"/>
+            <a:off x="8490083" y="924117"/>
             <a:ext cx="1481328" cy="369332"/>
           </a:xfrm>
           <a:prstGeom prst="rect">
@@ -5150,46 +5566,6 @@
             <a:r>
               <a:rPr lang="en-US" dirty="0"/>
               <a:t>Predicted Yes</a:t>
-            </a:r>
-          </a:p>
-        </p:txBody>
-      </p:sp>
-      <p:sp>
-        <p:nvSpPr>
-          <p:cNvPr id="4" name="Rectangle 3">
-            <a:extLst>
-              <a:ext uri="{FF2B5EF4-FFF2-40B4-BE49-F238E27FC236}">
-                <a16:creationId xmlns:a16="http://schemas.microsoft.com/office/drawing/2014/main" id="{E697D5BA-E2D2-3D44-80AC-B61C77F182EE}"/>
-              </a:ext>
-            </a:extLst>
-          </p:cNvPr>
-          <p:cNvSpPr/>
-          <p:nvPr/>
-        </p:nvSpPr>
-        <p:spPr>
-          <a:xfrm>
-            <a:off x="1458108" y="4165320"/>
-            <a:ext cx="6096000" cy="769441"/>
-          </a:xfrm>
-          <a:prstGeom prst="rect">
-            <a:avLst/>
-          </a:prstGeom>
-        </p:spPr>
-        <p:txBody>
-          <a:bodyPr>
-            <a:spAutoFit/>
-          </a:bodyPr>
-          <a:lstStyle/>
-          <a:p>
-            <a:r>
-              <a:rPr lang="en-US" sz="2200" dirty="0"/>
-              <a:t>Precision = TP / (TP + FP)</a:t>
-            </a:r>
-          </a:p>
-          <a:p>
-            <a:r>
-              <a:rPr lang="en-US" sz="2200" dirty="0"/>
-              <a:t>Recall = TP / (TP + FN)</a:t>
             </a:r>
           </a:p>
         </p:txBody>
@@ -5246,8 +5622,8 @@
         </p:blipFill>
         <p:spPr>
           <a:xfrm>
-            <a:off x="5312480" y="2506662"/>
-            <a:ext cx="5980843" cy="4325852"/>
+            <a:off x="5590311" y="2580361"/>
+            <a:ext cx="5238090" cy="3788630"/>
           </a:xfrm>
           <a:prstGeom prst="rect">
             <a:avLst/>
@@ -5270,14 +5646,19 @@
             <p:ph type="title"/>
           </p:nvPr>
         </p:nvSpPr>
-        <p:spPr/>
+        <p:spPr>
+          <a:xfrm>
+            <a:off x="332511" y="58352"/>
+            <a:ext cx="10515600" cy="1325563"/>
+          </a:xfrm>
+        </p:spPr>
         <p:txBody>
           <a:bodyPr/>
           <a:lstStyle/>
           <a:p>
             <a:r>
               <a:rPr lang="en-US" dirty="0"/>
-              <a:t>5.1 Model Performance </a:t>
+              <a:t>5.1 Model Performance</a:t>
             </a:r>
           </a:p>
         </p:txBody>
@@ -5300,8 +5681,8 @@
         </p:nvSpPr>
         <p:spPr>
           <a:xfrm>
-            <a:off x="548894" y="1866376"/>
-            <a:ext cx="4215711" cy="4351338"/>
+            <a:off x="211419" y="1574971"/>
+            <a:ext cx="4603532" cy="4831046"/>
           </a:xfrm>
         </p:spPr>
         <p:txBody>
@@ -5310,237 +5691,101 @@
           </a:bodyPr>
           <a:lstStyle/>
           <a:p>
-            <a:endParaRPr lang="en-US" sz="2200" dirty="0"/>
-          </a:p>
-          <a:p>
-            <a:r>
-              <a:rPr lang="en-US" sz="2200" dirty="0"/>
+            <a:r>
+              <a:rPr lang="en-US" sz="1800" dirty="0"/>
               <a:t>Use </a:t>
             </a:r>
             <a:r>
-              <a:rPr lang="en-US" sz="2200" b="1" dirty="0"/>
+              <a:rPr lang="en-US" sz="1800" b="1" dirty="0"/>
               <a:t>all data </a:t>
             </a:r>
             <a:r>
-              <a:rPr lang="en-US" sz="2200" dirty="0"/>
-              <a:t>and simple train test split </a:t>
-            </a:r>
-          </a:p>
-          <a:p>
-            <a:r>
-              <a:rPr lang="en-US" sz="2200" dirty="0"/>
-              <a:t>Test AUC ~ 0.5</a:t>
-            </a:r>
-          </a:p>
-          <a:p>
-            <a:r>
-              <a:rPr lang="en-US" sz="2200" dirty="0"/>
-              <a:t>Problems:</a:t>
+              <a:rPr lang="en-US" sz="1800" dirty="0"/>
+              <a:t>and simple train test split</a:t>
+            </a:r>
+          </a:p>
+          <a:p>
+            <a:endParaRPr lang="en-US" sz="1800" dirty="0"/>
+          </a:p>
+          <a:p>
+            <a:endParaRPr lang="en-US" sz="1800" dirty="0"/>
+          </a:p>
+          <a:p>
+            <a:r>
+              <a:rPr lang="en-US" sz="1800" dirty="0"/>
+              <a:t>Train </a:t>
             </a:r>
           </a:p>
           <a:p>
             <a:pPr lvl="1"/>
             <a:r>
-              <a:rPr lang="en-US" sz="2200" dirty="0"/>
-              <a:t>Train and test performance is not consistent</a:t>
+              <a:rPr lang="en-US" sz="1800" dirty="0" err="1"/>
+              <a:t>Catboost</a:t>
+            </a:r>
+            <a:r>
+              <a:rPr lang="en-US" sz="1800" dirty="0"/>
+              <a:t> AUC = 0.264</a:t>
             </a:r>
           </a:p>
           <a:p>
             <a:pPr lvl="1"/>
             <a:r>
-              <a:rPr lang="en-US" sz="2200" dirty="0"/>
-              <a:t>This is due to  a significant shift at 2009 June</a:t>
-            </a:r>
-          </a:p>
-        </p:txBody>
-      </p:sp>
-      <p:sp>
-        <p:nvSpPr>
-          <p:cNvPr id="5" name="Rectangle 4">
-            <a:extLst>
-              <a:ext uri="{FF2B5EF4-FFF2-40B4-BE49-F238E27FC236}">
-                <a16:creationId xmlns:a16="http://schemas.microsoft.com/office/drawing/2014/main" id="{89BFF765-127F-9347-AD15-9190BC01CFF5}"/>
-              </a:ext>
-            </a:extLst>
-          </p:cNvPr>
-          <p:cNvSpPr/>
-          <p:nvPr/>
-        </p:nvSpPr>
-        <p:spPr>
-          <a:xfrm>
-            <a:off x="5643464" y="1693382"/>
-            <a:ext cx="3608173" cy="345989"/>
-          </a:xfrm>
-          <a:prstGeom prst="rect">
-            <a:avLst/>
-          </a:prstGeom>
-        </p:spPr>
-        <p:style>
-          <a:lnRef idx="2">
-            <a:schemeClr val="accent1">
-              <a:shade val="50000"/>
-            </a:schemeClr>
-          </a:lnRef>
-          <a:fillRef idx="1">
-            <a:schemeClr val="accent1"/>
-          </a:fillRef>
-          <a:effectRef idx="0">
-            <a:schemeClr val="accent1"/>
-          </a:effectRef>
-          <a:fontRef idx="minor">
-            <a:schemeClr val="lt1"/>
-          </a:fontRef>
-        </p:style>
-        <p:txBody>
-          <a:bodyPr rtlCol="0" anchor="ctr"/>
-          <a:lstStyle/>
-          <a:p>
-            <a:pPr algn="ctr"/>
-            <a:r>
-              <a:rPr lang="en-US" dirty="0"/>
-              <a:t>train</a:t>
-            </a:r>
-          </a:p>
-        </p:txBody>
-      </p:sp>
-      <p:sp>
-        <p:nvSpPr>
-          <p:cNvPr id="6" name="Rectangle 5">
-            <a:extLst>
-              <a:ext uri="{FF2B5EF4-FFF2-40B4-BE49-F238E27FC236}">
-                <a16:creationId xmlns:a16="http://schemas.microsoft.com/office/drawing/2014/main" id="{CE59B0A4-025E-9042-9A58-9D73BF82C1C1}"/>
-              </a:ext>
-            </a:extLst>
-          </p:cNvPr>
-          <p:cNvSpPr/>
-          <p:nvPr/>
-        </p:nvSpPr>
-        <p:spPr>
-          <a:xfrm>
-            <a:off x="9251638" y="1693382"/>
-            <a:ext cx="1210962" cy="345989"/>
-          </a:xfrm>
-          <a:prstGeom prst="rect">
-            <a:avLst/>
-          </a:prstGeom>
-          <a:solidFill>
-            <a:schemeClr val="accent6"/>
-          </a:solidFill>
-          <a:ln>
-            <a:solidFill>
-              <a:srgbClr val="92D050"/>
-            </a:solidFill>
-          </a:ln>
-        </p:spPr>
-        <p:style>
-          <a:lnRef idx="2">
-            <a:schemeClr val="accent1">
-              <a:shade val="50000"/>
-            </a:schemeClr>
-          </a:lnRef>
-          <a:fillRef idx="1">
-            <a:schemeClr val="accent1"/>
-          </a:fillRef>
-          <a:effectRef idx="0">
-            <a:schemeClr val="accent1"/>
-          </a:effectRef>
-          <a:fontRef idx="minor">
-            <a:schemeClr val="lt1"/>
-          </a:fontRef>
-        </p:style>
-        <p:txBody>
-          <a:bodyPr rtlCol="0" anchor="ctr"/>
-          <a:lstStyle/>
-          <a:p>
-            <a:pPr algn="ctr"/>
-            <a:r>
-              <a:rPr lang="en-US" dirty="0"/>
-              <a:t>test</a:t>
+              <a:rPr lang="en-US" sz="1800" dirty="0"/>
+              <a:t>Random Forest AUC = 0.955</a:t>
+            </a:r>
+          </a:p>
+          <a:p>
+            <a:r>
+              <a:rPr lang="en-US" sz="1800" dirty="0"/>
+              <a:t>Test</a:t>
+            </a:r>
+          </a:p>
+          <a:p>
+            <a:pPr lvl="1"/>
+            <a:r>
+              <a:rPr lang="en-US" sz="1800" dirty="0" err="1"/>
+              <a:t>Catboost</a:t>
+            </a:r>
+            <a:r>
+              <a:rPr lang="en-US" sz="1800" dirty="0"/>
+              <a:t> AUC = 0.49</a:t>
+            </a:r>
+          </a:p>
+          <a:p>
+            <a:pPr lvl="1"/>
+            <a:r>
+              <a:rPr lang="en-US" sz="1800" dirty="0"/>
+              <a:t>Random Forest AUC = 0.495</a:t>
+            </a:r>
+          </a:p>
+          <a:p>
+            <a:r>
+              <a:rPr lang="en-US" sz="1800" dirty="0"/>
+              <a:t>Takeaways:</a:t>
+            </a:r>
+          </a:p>
+          <a:p>
+            <a:pPr lvl="1"/>
+            <a:r>
+              <a:rPr lang="en-US" sz="1800" dirty="0"/>
+              <a:t>Huge gap between train and test AUC </a:t>
+            </a:r>
+          </a:p>
+          <a:p>
+            <a:pPr lvl="1"/>
+            <a:r>
+              <a:rPr lang="en-US" sz="1800" dirty="0"/>
+              <a:t>This is due to a significant shift at 2009 June</a:t>
             </a:r>
           </a:p>
         </p:txBody>
       </p:sp>
       <p:cxnSp>
         <p:nvCxnSpPr>
-          <p:cNvPr id="7" name="Straight Arrow Connector 6">
-            <a:extLst>
-              <a:ext uri="{FF2B5EF4-FFF2-40B4-BE49-F238E27FC236}">
-                <a16:creationId xmlns:a16="http://schemas.microsoft.com/office/drawing/2014/main" id="{E62FEC0B-C3EE-9742-9ECC-5E23DCE091FF}"/>
-              </a:ext>
-            </a:extLst>
-          </p:cNvPr>
-          <p:cNvCxnSpPr/>
-          <p:nvPr/>
-        </p:nvCxnSpPr>
-        <p:spPr>
-          <a:xfrm>
-            <a:off x="5643464" y="1508030"/>
-            <a:ext cx="4819136" cy="0"/>
-          </a:xfrm>
-          <a:prstGeom prst="straightConnector1">
-            <a:avLst/>
-          </a:prstGeom>
-          <a:ln>
-            <a:headEnd type="triangle"/>
-            <a:tailEnd type="triangle"/>
-          </a:ln>
-        </p:spPr>
-        <p:style>
-          <a:lnRef idx="1">
-            <a:schemeClr val="accent1"/>
-          </a:lnRef>
-          <a:fillRef idx="0">
-            <a:schemeClr val="accent1"/>
-          </a:fillRef>
-          <a:effectRef idx="0">
-            <a:schemeClr val="accent1"/>
-          </a:effectRef>
-          <a:fontRef idx="minor">
-            <a:schemeClr val="tx1"/>
-          </a:fontRef>
-        </p:style>
-      </p:cxnSp>
-      <p:sp>
-        <p:nvSpPr>
-          <p:cNvPr id="8" name="TextBox 7">
-            <a:extLst>
-              <a:ext uri="{FF2B5EF4-FFF2-40B4-BE49-F238E27FC236}">
-                <a16:creationId xmlns:a16="http://schemas.microsoft.com/office/drawing/2014/main" id="{7B810AE8-034D-C24B-B233-B623768D5375}"/>
-              </a:ext>
-            </a:extLst>
-          </p:cNvPr>
-          <p:cNvSpPr txBox="1"/>
-          <p:nvPr/>
-        </p:nvSpPr>
-        <p:spPr>
-          <a:xfrm>
-            <a:off x="6722821" y="1138013"/>
-            <a:ext cx="3134298" cy="369332"/>
-          </a:xfrm>
-          <a:prstGeom prst="rect">
-            <a:avLst/>
-          </a:prstGeom>
-          <a:noFill/>
-        </p:spPr>
-        <p:txBody>
-          <a:bodyPr wrap="square" rtlCol="0">
-            <a:spAutoFit/>
-          </a:bodyPr>
-          <a:lstStyle/>
-          <a:p>
-            <a:r>
-              <a:rPr lang="en-US" dirty="0"/>
-              <a:t>2018 May to 2010 Oct</a:t>
-            </a:r>
-          </a:p>
-        </p:txBody>
-      </p:sp>
-      <p:cxnSp>
-        <p:nvCxnSpPr>
-          <p:cNvPr id="10" name="Straight Arrow Connector 9">
-            <a:extLst>
-              <a:ext uri="{FF2B5EF4-FFF2-40B4-BE49-F238E27FC236}">
-                <a16:creationId xmlns:a16="http://schemas.microsoft.com/office/drawing/2014/main" id="{86F0688C-099D-C445-895B-621C41926362}"/>
+          <p:cNvPr id="13" name="Straight Arrow Connector 12">
+            <a:extLst>
+              <a:ext uri="{FF2B5EF4-FFF2-40B4-BE49-F238E27FC236}">
+                <a16:creationId xmlns:a16="http://schemas.microsoft.com/office/drawing/2014/main" id="{349047D6-4D62-5941-BFBF-BD5ABD933D11}"/>
               </a:ext>
             </a:extLst>
           </p:cNvPr>
@@ -5550,121 +5795,9 @@
           <p:nvPr/>
         </p:nvCxnSpPr>
         <p:spPr>
-          <a:xfrm>
-            <a:off x="8077475" y="2097087"/>
-            <a:ext cx="0" cy="409575"/>
-          </a:xfrm>
-          <a:prstGeom prst="straightConnector1">
-            <a:avLst/>
-          </a:prstGeom>
-          <a:ln>
-            <a:solidFill>
-              <a:schemeClr val="tx1"/>
-            </a:solidFill>
-            <a:tailEnd type="triangle"/>
-          </a:ln>
-        </p:spPr>
-        <p:style>
-          <a:lnRef idx="1">
-            <a:schemeClr val="accent1"/>
-          </a:lnRef>
-          <a:fillRef idx="0">
-            <a:schemeClr val="accent1"/>
-          </a:fillRef>
-          <a:effectRef idx="0">
-            <a:schemeClr val="accent1"/>
-          </a:effectRef>
-          <a:fontRef idx="minor">
-            <a:schemeClr val="tx1"/>
-          </a:fontRef>
-        </p:style>
-      </p:cxnSp>
-      <p:sp>
-        <p:nvSpPr>
-          <p:cNvPr id="12" name="Rectangle 11">
-            <a:extLst>
-              <a:ext uri="{FF2B5EF4-FFF2-40B4-BE49-F238E27FC236}">
-                <a16:creationId xmlns:a16="http://schemas.microsoft.com/office/drawing/2014/main" id="{6CBE74BD-5E1E-A544-A84E-43EFB1831AA1}"/>
-              </a:ext>
-            </a:extLst>
-          </p:cNvPr>
-          <p:cNvSpPr/>
-          <p:nvPr/>
-        </p:nvSpPr>
-        <p:spPr>
-          <a:xfrm>
-            <a:off x="9803028" y="5312749"/>
-            <a:ext cx="2295991" cy="454905"/>
-          </a:xfrm>
-          <a:prstGeom prst="rect">
-            <a:avLst/>
-          </a:prstGeom>
-          <a:solidFill>
-            <a:schemeClr val="bg1"/>
-          </a:solidFill>
-          <a:ln>
-            <a:noFill/>
-          </a:ln>
-        </p:spPr>
-        <p:style>
-          <a:lnRef idx="2">
-            <a:schemeClr val="accent1">
-              <a:shade val="50000"/>
-            </a:schemeClr>
-          </a:lnRef>
-          <a:fillRef idx="1">
-            <a:schemeClr val="accent1"/>
-          </a:fillRef>
-          <a:effectRef idx="0">
-            <a:schemeClr val="accent1"/>
-          </a:effectRef>
-          <a:fontRef idx="minor">
-            <a:schemeClr val="lt1"/>
-          </a:fontRef>
-        </p:style>
-        <p:txBody>
-          <a:bodyPr rtlCol="0" anchor="ctr"/>
-          <a:lstStyle/>
-          <a:p>
-            <a:pPr algn="ctr"/>
-            <a:r>
-              <a:rPr lang="en-US" sz="2000" dirty="0" err="1">
-                <a:solidFill>
-                  <a:schemeClr val="tx1"/>
-                </a:solidFill>
-              </a:rPr>
-              <a:t>Catboost</a:t>
-            </a:r>
-            <a:r>
-              <a:rPr lang="en-US" sz="2000" dirty="0">
-                <a:solidFill>
-                  <a:schemeClr val="tx1"/>
-                </a:solidFill>
-              </a:rPr>
-              <a:t> Train, Test</a:t>
-            </a:r>
-            <a:endParaRPr lang="en-US" sz="2000" dirty="0"/>
-          </a:p>
-        </p:txBody>
-      </p:sp>
-      <p:cxnSp>
-        <p:nvCxnSpPr>
-          <p:cNvPr id="13" name="Straight Arrow Connector 12">
-            <a:extLst>
-              <a:ext uri="{FF2B5EF4-FFF2-40B4-BE49-F238E27FC236}">
-                <a16:creationId xmlns:a16="http://schemas.microsoft.com/office/drawing/2014/main" id="{349047D6-4D62-5941-BFBF-BD5ABD933D11}"/>
-              </a:ext>
-            </a:extLst>
-          </p:cNvPr>
-          <p:cNvCxnSpPr>
-            <a:cxnSpLocks/>
-          </p:cNvCxnSpPr>
-          <p:nvPr/>
-        </p:nvCxnSpPr>
-        <p:spPr>
           <a:xfrm flipH="1" flipV="1">
-            <a:off x="9038942" y="4905200"/>
-            <a:ext cx="751034" cy="559937"/>
+            <a:off x="9372600" y="4720659"/>
+            <a:ext cx="577431" cy="384385"/>
           </a:xfrm>
           <a:prstGeom prst="straightConnector1">
             <a:avLst/>
@@ -5693,10 +5826,10 @@
       </p:cxnSp>
       <p:cxnSp>
         <p:nvCxnSpPr>
-          <p:cNvPr id="16" name="Straight Arrow Connector 15">
-            <a:extLst>
-              <a:ext uri="{FF2B5EF4-FFF2-40B4-BE49-F238E27FC236}">
-                <a16:creationId xmlns:a16="http://schemas.microsoft.com/office/drawing/2014/main" id="{A13E8EAA-95F6-CB49-8A2E-41E765263536}"/>
+          <p:cNvPr id="20" name="Straight Arrow Connector 19">
+            <a:extLst>
+              <a:ext uri="{FF2B5EF4-FFF2-40B4-BE49-F238E27FC236}">
+                <a16:creationId xmlns:a16="http://schemas.microsoft.com/office/drawing/2014/main" id="{A3D421C7-8756-F14A-8D2B-D3B8F6981367}"/>
               </a:ext>
             </a:extLst>
           </p:cNvPr>
@@ -5707,112 +5840,8 @@
         </p:nvCxnSpPr>
         <p:spPr>
           <a:xfrm flipH="1">
-            <a:off x="8997332" y="5519863"/>
-            <a:ext cx="751033" cy="227453"/>
-          </a:xfrm>
-          <a:prstGeom prst="straightConnector1">
-            <a:avLst/>
-          </a:prstGeom>
-          <a:ln>
-            <a:solidFill>
-              <a:schemeClr val="tx1"/>
-            </a:solidFill>
-            <a:tailEnd type="triangle"/>
-          </a:ln>
-        </p:spPr>
-        <p:style>
-          <a:lnRef idx="1">
-            <a:schemeClr val="accent1"/>
-          </a:lnRef>
-          <a:fillRef idx="0">
-            <a:schemeClr val="accent1"/>
-          </a:fillRef>
-          <a:effectRef idx="0">
-            <a:schemeClr val="accent1"/>
-          </a:effectRef>
-          <a:fontRef idx="minor">
-            <a:schemeClr val="tx1"/>
-          </a:fontRef>
-        </p:style>
-      </p:cxnSp>
-      <p:sp>
-        <p:nvSpPr>
-          <p:cNvPr id="19" name="Rectangle 18">
-            <a:extLst>
-              <a:ext uri="{FF2B5EF4-FFF2-40B4-BE49-F238E27FC236}">
-                <a16:creationId xmlns:a16="http://schemas.microsoft.com/office/drawing/2014/main" id="{5C860D71-BFFF-A048-8658-DC4FA640E19F}"/>
-              </a:ext>
-            </a:extLst>
-          </p:cNvPr>
-          <p:cNvSpPr/>
-          <p:nvPr/>
-        </p:nvSpPr>
-        <p:spPr>
-          <a:xfrm>
-            <a:off x="9117734" y="3736339"/>
-            <a:ext cx="3060078" cy="454905"/>
-          </a:xfrm>
-          <a:prstGeom prst="rect">
-            <a:avLst/>
-          </a:prstGeom>
-          <a:solidFill>
-            <a:schemeClr val="bg1"/>
-          </a:solidFill>
-          <a:ln>
-            <a:noFill/>
-          </a:ln>
-        </p:spPr>
-        <p:style>
-          <a:lnRef idx="2">
-            <a:schemeClr val="accent1">
-              <a:shade val="50000"/>
-            </a:schemeClr>
-          </a:lnRef>
-          <a:fillRef idx="1">
-            <a:schemeClr val="accent1"/>
-          </a:fillRef>
-          <a:effectRef idx="0">
-            <a:schemeClr val="accent1"/>
-          </a:effectRef>
-          <a:fontRef idx="minor">
-            <a:schemeClr val="lt1"/>
-          </a:fontRef>
-        </p:style>
-        <p:txBody>
-          <a:bodyPr rtlCol="0" anchor="ctr"/>
-          <a:lstStyle/>
-          <a:p>
-            <a:pPr algn="ctr"/>
-            <a:r>
-              <a:rPr lang="en-US" sz="2000" dirty="0">
-                <a:solidFill>
-                  <a:schemeClr val="tx1"/>
-                </a:solidFill>
-              </a:rPr>
-              <a:t>Random Forest Train, Test</a:t>
-            </a:r>
-            <a:endParaRPr lang="en-US" sz="2000" dirty="0"/>
-          </a:p>
-        </p:txBody>
-      </p:sp>
-      <p:cxnSp>
-        <p:nvCxnSpPr>
-          <p:cNvPr id="20" name="Straight Arrow Connector 19">
-            <a:extLst>
-              <a:ext uri="{FF2B5EF4-FFF2-40B4-BE49-F238E27FC236}">
-                <a16:creationId xmlns:a16="http://schemas.microsoft.com/office/drawing/2014/main" id="{A3D421C7-8756-F14A-8D2B-D3B8F6981367}"/>
-              </a:ext>
-            </a:extLst>
-          </p:cNvPr>
-          <p:cNvCxnSpPr>
-            <a:cxnSpLocks/>
-          </p:cNvCxnSpPr>
-          <p:nvPr/>
-        </p:nvCxnSpPr>
-        <p:spPr>
-          <a:xfrm flipH="1" flipV="1">
-            <a:off x="8292028" y="3211669"/>
-            <a:ext cx="851972" cy="608333"/>
+            <a:off x="9038942" y="2843349"/>
+            <a:ext cx="528162" cy="132847"/>
           </a:xfrm>
           <a:prstGeom prst="straightConnector1">
             <a:avLst/>
@@ -5855,8 +5884,8 @@
         </p:nvCxnSpPr>
         <p:spPr>
           <a:xfrm flipH="1">
-            <a:off x="8289970" y="3881056"/>
-            <a:ext cx="854030" cy="553609"/>
+            <a:off x="8451956" y="4124041"/>
+            <a:ext cx="768301" cy="214256"/>
           </a:xfrm>
           <a:prstGeom prst="straightConnector1">
             <a:avLst/>
@@ -5897,7 +5926,7 @@
         </p:nvSpPr>
         <p:spPr>
           <a:xfrm rot="16200000">
-            <a:off x="5073888" y="4408015"/>
+            <a:off x="5247120" y="4187839"/>
             <a:ext cx="1032847" cy="369332"/>
           </a:xfrm>
           <a:prstGeom prst="rect">
@@ -5934,7 +5963,7 @@
         </p:nvSpPr>
         <p:spPr>
           <a:xfrm>
-            <a:off x="7877021" y="6492875"/>
+            <a:off x="7842685" y="6092413"/>
             <a:ext cx="733342" cy="369332"/>
           </a:xfrm>
           <a:prstGeom prst="rect">
@@ -5959,10 +5988,351 @@
       </p:sp>
       <p:sp>
         <p:nvSpPr>
-          <p:cNvPr id="11" name="TextBox 10">
-            <a:extLst>
-              <a:ext uri="{FF2B5EF4-FFF2-40B4-BE49-F238E27FC236}">
-                <a16:creationId xmlns:a16="http://schemas.microsoft.com/office/drawing/2014/main" id="{CC0E7F34-3899-CF43-B214-3ACA1C7A3507}"/>
+          <p:cNvPr id="22" name="Rectangle 21">
+            <a:extLst>
+              <a:ext uri="{FF2B5EF4-FFF2-40B4-BE49-F238E27FC236}">
+                <a16:creationId xmlns:a16="http://schemas.microsoft.com/office/drawing/2014/main" id="{0D9B6DD1-F40D-DA4E-AC21-86B8E70E5718}"/>
+              </a:ext>
+            </a:extLst>
+          </p:cNvPr>
+          <p:cNvSpPr/>
+          <p:nvPr/>
+        </p:nvSpPr>
+        <p:spPr>
+          <a:xfrm>
+            <a:off x="7081467" y="2429106"/>
+            <a:ext cx="2053896" cy="369332"/>
+          </a:xfrm>
+          <a:prstGeom prst="rect">
+            <a:avLst/>
+          </a:prstGeom>
+          <a:solidFill>
+            <a:schemeClr val="bg1"/>
+          </a:solidFill>
+        </p:spPr>
+        <p:txBody>
+          <a:bodyPr wrap="none">
+            <a:spAutoFit/>
+          </a:bodyPr>
+          <a:lstStyle/>
+          <a:p>
+            <a:r>
+              <a:rPr lang="en-US" dirty="0"/>
+              <a:t>Model Performance</a:t>
+            </a:r>
+          </a:p>
+        </p:txBody>
+      </p:sp>
+      <p:sp>
+        <p:nvSpPr>
+          <p:cNvPr id="14" name="Rectangle 13">
+            <a:extLst>
+              <a:ext uri="{FF2B5EF4-FFF2-40B4-BE49-F238E27FC236}">
+                <a16:creationId xmlns:a16="http://schemas.microsoft.com/office/drawing/2014/main" id="{03FE9FA0-623C-9C4D-82DC-AEA27627F2DD}"/>
+              </a:ext>
+            </a:extLst>
+          </p:cNvPr>
+          <p:cNvSpPr/>
+          <p:nvPr/>
+        </p:nvSpPr>
+        <p:spPr>
+          <a:xfrm>
+            <a:off x="9567103" y="2658683"/>
+            <a:ext cx="2115772" cy="369332"/>
+          </a:xfrm>
+          <a:prstGeom prst="rect">
+            <a:avLst/>
+          </a:prstGeom>
+          <a:solidFill>
+            <a:schemeClr val="bg2"/>
+          </a:solidFill>
+        </p:spPr>
+        <p:txBody>
+          <a:bodyPr wrap="none">
+            <a:spAutoFit/>
+          </a:bodyPr>
+          <a:lstStyle/>
+          <a:p>
+            <a:r>
+              <a:rPr lang="en-US" dirty="0"/>
+              <a:t>Random Forest Train</a:t>
+            </a:r>
+          </a:p>
+        </p:txBody>
+      </p:sp>
+      <p:sp>
+        <p:nvSpPr>
+          <p:cNvPr id="23" name="Rectangle 22">
+            <a:extLst>
+              <a:ext uri="{FF2B5EF4-FFF2-40B4-BE49-F238E27FC236}">
+                <a16:creationId xmlns:a16="http://schemas.microsoft.com/office/drawing/2014/main" id="{9E55C7F8-03FC-CA45-AE20-86D45103EBB0}"/>
+              </a:ext>
+            </a:extLst>
+          </p:cNvPr>
+          <p:cNvSpPr/>
+          <p:nvPr/>
+        </p:nvSpPr>
+        <p:spPr>
+          <a:xfrm>
+            <a:off x="9244510" y="3804439"/>
+            <a:ext cx="2011128" cy="369332"/>
+          </a:xfrm>
+          <a:prstGeom prst="rect">
+            <a:avLst/>
+          </a:prstGeom>
+          <a:solidFill>
+            <a:schemeClr val="bg2"/>
+          </a:solidFill>
+        </p:spPr>
+        <p:txBody>
+          <a:bodyPr wrap="none">
+            <a:spAutoFit/>
+          </a:bodyPr>
+          <a:lstStyle/>
+          <a:p>
+            <a:r>
+              <a:rPr lang="en-US" dirty="0"/>
+              <a:t>Random Forest Test</a:t>
+            </a:r>
+          </a:p>
+        </p:txBody>
+      </p:sp>
+      <p:sp>
+        <p:nvSpPr>
+          <p:cNvPr id="25" name="Rectangle 24">
+            <a:extLst>
+              <a:ext uri="{FF2B5EF4-FFF2-40B4-BE49-F238E27FC236}">
+                <a16:creationId xmlns:a16="http://schemas.microsoft.com/office/drawing/2014/main" id="{18E90B66-42E7-784B-8277-42DABDB7C8D1}"/>
+              </a:ext>
+            </a:extLst>
+          </p:cNvPr>
+          <p:cNvSpPr/>
+          <p:nvPr/>
+        </p:nvSpPr>
+        <p:spPr>
+          <a:xfrm>
+            <a:off x="9950030" y="5465137"/>
+            <a:ext cx="1534716" cy="369332"/>
+          </a:xfrm>
+          <a:prstGeom prst="rect">
+            <a:avLst/>
+          </a:prstGeom>
+          <a:solidFill>
+            <a:schemeClr val="bg2"/>
+          </a:solidFill>
+        </p:spPr>
+        <p:txBody>
+          <a:bodyPr wrap="none">
+            <a:spAutoFit/>
+          </a:bodyPr>
+          <a:lstStyle/>
+          <a:p>
+            <a:r>
+              <a:rPr lang="en-US" dirty="0" err="1"/>
+              <a:t>Catboost</a:t>
+            </a:r>
+            <a:r>
+              <a:rPr lang="en-US" dirty="0"/>
+              <a:t> Train</a:t>
+            </a:r>
+          </a:p>
+        </p:txBody>
+      </p:sp>
+      <p:sp>
+        <p:nvSpPr>
+          <p:cNvPr id="27" name="Rectangle 26">
+            <a:extLst>
+              <a:ext uri="{FF2B5EF4-FFF2-40B4-BE49-F238E27FC236}">
+                <a16:creationId xmlns:a16="http://schemas.microsoft.com/office/drawing/2014/main" id="{8307A36C-F188-F44E-8000-DC114C7DD959}"/>
+              </a:ext>
+            </a:extLst>
+          </p:cNvPr>
+          <p:cNvSpPr/>
+          <p:nvPr/>
+        </p:nvSpPr>
+        <p:spPr>
+          <a:xfrm>
+            <a:off x="9812822" y="5013982"/>
+            <a:ext cx="1447319" cy="369332"/>
+          </a:xfrm>
+          <a:prstGeom prst="rect">
+            <a:avLst/>
+          </a:prstGeom>
+          <a:solidFill>
+            <a:schemeClr val="bg2"/>
+          </a:solidFill>
+        </p:spPr>
+        <p:txBody>
+          <a:bodyPr wrap="none">
+            <a:spAutoFit/>
+          </a:bodyPr>
+          <a:lstStyle/>
+          <a:p>
+            <a:r>
+              <a:rPr lang="en-US" dirty="0" err="1"/>
+              <a:t>Catboost</a:t>
+            </a:r>
+            <a:r>
+              <a:rPr lang="en-US" dirty="0"/>
+              <a:t> Test</a:t>
+            </a:r>
+          </a:p>
+        </p:txBody>
+      </p:sp>
+      <p:sp>
+        <p:nvSpPr>
+          <p:cNvPr id="30" name="Rectangle 29">
+            <a:extLst>
+              <a:ext uri="{FF2B5EF4-FFF2-40B4-BE49-F238E27FC236}">
+                <a16:creationId xmlns:a16="http://schemas.microsoft.com/office/drawing/2014/main" id="{F5289B87-F477-B54F-9C32-CC049EB300F4}"/>
+              </a:ext>
+            </a:extLst>
+          </p:cNvPr>
+          <p:cNvSpPr/>
+          <p:nvPr/>
+        </p:nvSpPr>
+        <p:spPr>
+          <a:xfrm>
+            <a:off x="4418056" y="1791062"/>
+            <a:ext cx="2774218" cy="258365"/>
+          </a:xfrm>
+          <a:prstGeom prst="rect">
+            <a:avLst/>
+          </a:prstGeom>
+        </p:spPr>
+        <p:style>
+          <a:lnRef idx="2">
+            <a:schemeClr val="accent1">
+              <a:shade val="50000"/>
+            </a:schemeClr>
+          </a:lnRef>
+          <a:fillRef idx="1">
+            <a:schemeClr val="accent1"/>
+          </a:fillRef>
+          <a:effectRef idx="0">
+            <a:schemeClr val="accent1"/>
+          </a:effectRef>
+          <a:fontRef idx="minor">
+            <a:schemeClr val="lt1"/>
+          </a:fontRef>
+        </p:style>
+        <p:txBody>
+          <a:bodyPr rtlCol="0" anchor="ctr"/>
+          <a:lstStyle/>
+          <a:p>
+            <a:pPr algn="ctr"/>
+            <a:r>
+              <a:rPr lang="en-US" dirty="0"/>
+              <a:t>train</a:t>
+            </a:r>
+          </a:p>
+        </p:txBody>
+      </p:sp>
+      <p:sp>
+        <p:nvSpPr>
+          <p:cNvPr id="31" name="Rectangle 30">
+            <a:extLst>
+              <a:ext uri="{FF2B5EF4-FFF2-40B4-BE49-F238E27FC236}">
+                <a16:creationId xmlns:a16="http://schemas.microsoft.com/office/drawing/2014/main" id="{9EE40449-D652-E143-A354-A745E9446052}"/>
+              </a:ext>
+            </a:extLst>
+          </p:cNvPr>
+          <p:cNvSpPr/>
+          <p:nvPr/>
+        </p:nvSpPr>
+        <p:spPr>
+          <a:xfrm>
+            <a:off x="7192274" y="1781761"/>
+            <a:ext cx="1196356" cy="267666"/>
+          </a:xfrm>
+          <a:prstGeom prst="rect">
+            <a:avLst/>
+          </a:prstGeom>
+          <a:solidFill>
+            <a:schemeClr val="accent6"/>
+          </a:solidFill>
+          <a:ln>
+            <a:solidFill>
+              <a:srgbClr val="92D050"/>
+            </a:solidFill>
+          </a:ln>
+        </p:spPr>
+        <p:style>
+          <a:lnRef idx="2">
+            <a:schemeClr val="accent1">
+              <a:shade val="50000"/>
+            </a:schemeClr>
+          </a:lnRef>
+          <a:fillRef idx="1">
+            <a:schemeClr val="accent1"/>
+          </a:fillRef>
+          <a:effectRef idx="0">
+            <a:schemeClr val="accent1"/>
+          </a:effectRef>
+          <a:fontRef idx="minor">
+            <a:schemeClr val="lt1"/>
+          </a:fontRef>
+        </p:style>
+        <p:txBody>
+          <a:bodyPr rtlCol="0" anchor="ctr"/>
+          <a:lstStyle/>
+          <a:p>
+            <a:pPr algn="ctr"/>
+            <a:r>
+              <a:rPr lang="en-US" dirty="0"/>
+              <a:t>test</a:t>
+            </a:r>
+          </a:p>
+        </p:txBody>
+      </p:sp>
+      <p:cxnSp>
+        <p:nvCxnSpPr>
+          <p:cNvPr id="32" name="Straight Arrow Connector 31">
+            <a:extLst>
+              <a:ext uri="{FF2B5EF4-FFF2-40B4-BE49-F238E27FC236}">
+                <a16:creationId xmlns:a16="http://schemas.microsoft.com/office/drawing/2014/main" id="{765006E9-83E6-994F-B379-416F083906F5}"/>
+              </a:ext>
+            </a:extLst>
+          </p:cNvPr>
+          <p:cNvCxnSpPr>
+            <a:cxnSpLocks/>
+          </p:cNvCxnSpPr>
+          <p:nvPr/>
+        </p:nvCxnSpPr>
+        <p:spPr>
+          <a:xfrm>
+            <a:off x="4418056" y="1628211"/>
+            <a:ext cx="3970574" cy="0"/>
+          </a:xfrm>
+          <a:prstGeom prst="straightConnector1">
+            <a:avLst/>
+          </a:prstGeom>
+          <a:ln>
+            <a:headEnd type="triangle"/>
+            <a:tailEnd type="triangle"/>
+          </a:ln>
+        </p:spPr>
+        <p:style>
+          <a:lnRef idx="1">
+            <a:schemeClr val="accent1"/>
+          </a:lnRef>
+          <a:fillRef idx="0">
+            <a:schemeClr val="accent1"/>
+          </a:fillRef>
+          <a:effectRef idx="0">
+            <a:schemeClr val="accent1"/>
+          </a:effectRef>
+          <a:fontRef idx="minor">
+            <a:schemeClr val="tx1"/>
+          </a:fontRef>
+        </p:style>
+      </p:cxnSp>
+      <p:sp>
+        <p:nvSpPr>
+          <p:cNvPr id="34" name="TextBox 33">
+            <a:extLst>
+              <a:ext uri="{FF2B5EF4-FFF2-40B4-BE49-F238E27FC236}">
+                <a16:creationId xmlns:a16="http://schemas.microsoft.com/office/drawing/2014/main" id="{75AA6DC8-8A1C-8945-9D3A-8F702FCF48EA}"/>
               </a:ext>
             </a:extLst>
           </p:cNvPr>
@@ -5971,8 +6341,8 @@
         </p:nvSpPr>
         <p:spPr>
           <a:xfrm>
-            <a:off x="10462600" y="1678334"/>
-            <a:ext cx="1027413" cy="369332"/>
+            <a:off x="4382285" y="1286091"/>
+            <a:ext cx="1573059" cy="369332"/>
           </a:xfrm>
           <a:prstGeom prst="rect">
             <a:avLst/>
@@ -5987,7 +6357,42 @@
           <a:p>
             <a:r>
               <a:rPr lang="en-US" dirty="0"/>
-              <a:t>15%</a:t>
+              <a:t>2008 May</a:t>
+            </a:r>
+          </a:p>
+        </p:txBody>
+      </p:sp>
+      <p:sp>
+        <p:nvSpPr>
+          <p:cNvPr id="35" name="TextBox 34">
+            <a:extLst>
+              <a:ext uri="{FF2B5EF4-FFF2-40B4-BE49-F238E27FC236}">
+                <a16:creationId xmlns:a16="http://schemas.microsoft.com/office/drawing/2014/main" id="{C247A0AF-A715-5D46-B3A7-9417404E05AC}"/>
+              </a:ext>
+            </a:extLst>
+          </p:cNvPr>
+          <p:cNvSpPr txBox="1"/>
+          <p:nvPr/>
+        </p:nvSpPr>
+        <p:spPr>
+          <a:xfrm>
+            <a:off x="7602100" y="1264789"/>
+            <a:ext cx="1573059" cy="369332"/>
+          </a:xfrm>
+          <a:prstGeom prst="rect">
+            <a:avLst/>
+          </a:prstGeom>
+          <a:noFill/>
+        </p:spPr>
+        <p:txBody>
+          <a:bodyPr wrap="square" rtlCol="0">
+            <a:spAutoFit/>
+          </a:bodyPr>
+          <a:lstStyle/>
+          <a:p>
+            <a:r>
+              <a:rPr lang="en-US" dirty="0"/>
+              <a:t>2010 Nov</a:t>
             </a:r>
           </a:p>
         </p:txBody>
@@ -6044,8 +6449,8 @@
         </p:blipFill>
         <p:spPr>
           <a:xfrm>
-            <a:off x="4704061" y="2108668"/>
-            <a:ext cx="6246962" cy="4651993"/>
+            <a:off x="5604126" y="2854743"/>
+            <a:ext cx="5161572" cy="3843724"/>
           </a:xfrm>
           <a:prstGeom prst="rect">
             <a:avLst/>
@@ -6075,7 +6480,7 @@
           <a:p>
             <a:r>
               <a:rPr lang="en-US" dirty="0"/>
-              <a:t>5.2 Model Performance </a:t>
+              <a:t>5.2 Model Performance</a:t>
             </a:r>
           </a:p>
         </p:txBody>
@@ -6098,8 +6503,8 @@
         </p:nvSpPr>
         <p:spPr>
           <a:xfrm>
-            <a:off x="335779" y="1825625"/>
-            <a:ext cx="4215711" cy="4351338"/>
+            <a:off x="296899" y="1166464"/>
+            <a:ext cx="4368282" cy="5822507"/>
           </a:xfrm>
         </p:spPr>
         <p:txBody>
@@ -6108,151 +6513,139 @@
           </a:bodyPr>
           <a:lstStyle/>
           <a:p>
-            <a:endParaRPr lang="en-US" sz="2000" dirty="0"/>
-          </a:p>
-          <a:p>
-            <a:r>
-              <a:rPr lang="en-US" sz="2200" dirty="0"/>
+            <a:endParaRPr lang="en-US" sz="1800" dirty="0"/>
+          </a:p>
+          <a:p>
+            <a:r>
+              <a:rPr lang="en-US" sz="1800" dirty="0"/>
               <a:t>Use </a:t>
             </a:r>
             <a:r>
-              <a:rPr lang="en-US" sz="2200" b="1" dirty="0"/>
-              <a:t>data only after 2019 June </a:t>
-            </a:r>
-            <a:r>
-              <a:rPr lang="en-US" sz="2200" dirty="0"/>
-              <a:t>and simple train test split </a:t>
-            </a:r>
-          </a:p>
-          <a:p>
-            <a:r>
-              <a:rPr lang="en-US" sz="2200" dirty="0"/>
-              <a:t>Test AUC ~ 0.75</a:t>
-            </a:r>
-          </a:p>
-          <a:p>
-            <a:r>
-              <a:rPr lang="en-US" sz="2200" b="1" dirty="0" err="1"/>
+              <a:rPr lang="en-US" sz="1800" b="1" dirty="0"/>
+              <a:t>data only after 2009 June </a:t>
+            </a:r>
+            <a:r>
+              <a:rPr lang="en-US" sz="1800" dirty="0"/>
+              <a:t>and simple train test split.  </a:t>
+            </a:r>
+          </a:p>
+          <a:p>
+            <a:pPr marL="0" indent="0">
+              <a:buNone/>
+            </a:pPr>
+            <a:endParaRPr lang="en-US" sz="1800" dirty="0"/>
+          </a:p>
+          <a:p>
+            <a:r>
+              <a:rPr lang="en-US" sz="1800" dirty="0"/>
+              <a:t>Train </a:t>
+            </a:r>
+          </a:p>
+          <a:p>
+            <a:pPr lvl="1"/>
+            <a:r>
+              <a:rPr lang="en-US" sz="1800" dirty="0" err="1"/>
               <a:t>Catboost</a:t>
             </a:r>
             <a:r>
-              <a:rPr lang="en-US" sz="2200" dirty="0"/>
+              <a:rPr lang="en-US" sz="1800" dirty="0"/>
+              <a:t> AUC = 0.734</a:t>
+            </a:r>
+          </a:p>
+          <a:p>
+            <a:pPr lvl="1"/>
+            <a:r>
+              <a:rPr lang="en-US" sz="1800" dirty="0"/>
+              <a:t>Random Forest AUC = 1.0</a:t>
+            </a:r>
+          </a:p>
+          <a:p>
+            <a:r>
+              <a:rPr lang="en-US" sz="1800" dirty="0"/>
+              <a:t>Test</a:t>
+            </a:r>
+          </a:p>
+          <a:p>
+            <a:pPr lvl="1"/>
+            <a:r>
+              <a:rPr lang="en-US" sz="1800" dirty="0" err="1"/>
+              <a:t>Catboost</a:t>
+            </a:r>
+            <a:r>
+              <a:rPr lang="en-US" sz="1800" dirty="0"/>
+              <a:t> AUC = 0.768</a:t>
+            </a:r>
+          </a:p>
+          <a:p>
+            <a:pPr lvl="1"/>
+            <a:r>
+              <a:rPr lang="en-US" sz="1800" dirty="0"/>
+              <a:t>Random Forest AUC = 0.74</a:t>
+            </a:r>
+          </a:p>
+          <a:p>
+            <a:r>
+              <a:rPr lang="en-US" sz="1800" dirty="0"/>
+              <a:t>Takeaways:</a:t>
+            </a:r>
+          </a:p>
+          <a:p>
+            <a:pPr lvl="1"/>
+            <a:r>
+              <a:rPr lang="en-US" sz="1800" b="1" dirty="0" err="1"/>
+              <a:t>Catboost</a:t>
+            </a:r>
+            <a:r>
+              <a:rPr lang="en-US" sz="1800" dirty="0"/>
               <a:t> has a consistent and good performance from train and test.</a:t>
             </a:r>
           </a:p>
           <a:p>
-            <a:r>
-              <a:rPr lang="en-US" sz="2200" b="1" dirty="0"/>
+            <a:pPr lvl="1"/>
+            <a:r>
+              <a:rPr lang="en-US" sz="1800" b="1" dirty="0"/>
               <a:t>Random Forest </a:t>
             </a:r>
             <a:r>
-              <a:rPr lang="en-US" sz="2200" dirty="0"/>
+              <a:rPr lang="en-US" sz="1800" dirty="0"/>
               <a:t>has a lower test AUC and it overfits</a:t>
             </a:r>
           </a:p>
           <a:p>
             <a:r>
-              <a:rPr lang="en-US" sz="2200" dirty="0"/>
-              <a:t>The </a:t>
-            </a:r>
-            <a:r>
-              <a:rPr lang="en-US" sz="2200" b="1" dirty="0"/>
-              <a:t>rolling train test </a:t>
-            </a:r>
-            <a:r>
-              <a:rPr lang="en-US" sz="2200" dirty="0"/>
-              <a:t>provides similar trend</a:t>
-            </a:r>
-          </a:p>
-        </p:txBody>
-      </p:sp>
-      <p:sp>
-        <p:nvSpPr>
-          <p:cNvPr id="12" name="Rectangle 11">
-            <a:extLst>
-              <a:ext uri="{FF2B5EF4-FFF2-40B4-BE49-F238E27FC236}">
-                <a16:creationId xmlns:a16="http://schemas.microsoft.com/office/drawing/2014/main" id="{6CBE74BD-5E1E-A544-A84E-43EFB1831AA1}"/>
-              </a:ext>
-            </a:extLst>
-          </p:cNvPr>
-          <p:cNvSpPr/>
-          <p:nvPr/>
-        </p:nvSpPr>
-        <p:spPr>
-          <a:xfrm>
-            <a:off x="9803027" y="4389251"/>
-            <a:ext cx="2295991" cy="454905"/>
-          </a:xfrm>
-          <a:prstGeom prst="rect">
-            <a:avLst/>
-          </a:prstGeom>
-          <a:solidFill>
-            <a:schemeClr val="bg1"/>
-          </a:solidFill>
-          <a:ln>
-            <a:noFill/>
-          </a:ln>
-        </p:spPr>
-        <p:style>
-          <a:lnRef idx="2">
-            <a:schemeClr val="accent1">
-              <a:shade val="50000"/>
-            </a:schemeClr>
-          </a:lnRef>
-          <a:fillRef idx="1">
-            <a:schemeClr val="accent1"/>
-          </a:fillRef>
-          <a:effectRef idx="0">
-            <a:schemeClr val="accent1"/>
-          </a:effectRef>
-          <a:fontRef idx="minor">
-            <a:schemeClr val="lt1"/>
-          </a:fontRef>
-        </p:style>
-        <p:txBody>
-          <a:bodyPr rtlCol="0" anchor="ctr"/>
-          <a:lstStyle/>
-          <a:p>
-            <a:pPr algn="ctr"/>
-            <a:r>
-              <a:rPr lang="en-US" sz="2000" dirty="0" err="1">
-                <a:solidFill>
-                  <a:schemeClr val="tx1"/>
-                </a:solidFill>
-              </a:rPr>
-              <a:t>Catboost</a:t>
-            </a:r>
-            <a:r>
-              <a:rPr lang="en-US" sz="2000" dirty="0">
-                <a:solidFill>
-                  <a:schemeClr val="tx1"/>
-                </a:solidFill>
-              </a:rPr>
-              <a:t> Train, Test</a:t>
-            </a:r>
-            <a:endParaRPr lang="en-US" sz="2000" dirty="0"/>
+              <a:rPr lang="en-US" sz="1800" b="1" dirty="0"/>
+              <a:t>Rolling train test is also tried, which shows</a:t>
+            </a:r>
+            <a:r>
+              <a:rPr lang="en-US" sz="1800" dirty="0"/>
+              <a:t> same conclusions</a:t>
+            </a:r>
+          </a:p>
+          <a:p>
+            <a:pPr lvl="1"/>
+            <a:endParaRPr lang="en-US" sz="1400" dirty="0"/>
           </a:p>
         </p:txBody>
       </p:sp>
       <p:cxnSp>
         <p:nvCxnSpPr>
-          <p:cNvPr id="13" name="Straight Arrow Connector 12">
-            <a:extLst>
-              <a:ext uri="{FF2B5EF4-FFF2-40B4-BE49-F238E27FC236}">
-                <a16:creationId xmlns:a16="http://schemas.microsoft.com/office/drawing/2014/main" id="{349047D6-4D62-5941-BFBF-BD5ABD933D11}"/>
+          <p:cNvPr id="16" name="Straight Arrow Connector 15">
+            <a:extLst>
+              <a:ext uri="{FF2B5EF4-FFF2-40B4-BE49-F238E27FC236}">
+                <a16:creationId xmlns:a16="http://schemas.microsoft.com/office/drawing/2014/main" id="{A13E8EAA-95F6-CB49-8A2E-41E765263536}"/>
               </a:ext>
             </a:extLst>
           </p:cNvPr>
           <p:cNvCxnSpPr>
             <a:cxnSpLocks/>
-            <a:stCxn id="12" idx="1"/>
+            <a:stCxn id="23" idx="1"/>
           </p:cNvCxnSpPr>
           <p:nvPr/>
         </p:nvCxnSpPr>
         <p:spPr>
           <a:xfrm flipH="1">
-            <a:off x="9274939" y="4616704"/>
-            <a:ext cx="528088" cy="159901"/>
+            <a:off x="9550331" y="4706624"/>
+            <a:ext cx="356000" cy="711964"/>
           </a:xfrm>
           <a:prstGeom prst="straightConnector1">
             <a:avLst/>
@@ -6281,10 +6674,10 @@
       </p:cxnSp>
       <p:cxnSp>
         <p:nvCxnSpPr>
-          <p:cNvPr id="16" name="Straight Arrow Connector 15">
-            <a:extLst>
-              <a:ext uri="{FF2B5EF4-FFF2-40B4-BE49-F238E27FC236}">
-                <a16:creationId xmlns:a16="http://schemas.microsoft.com/office/drawing/2014/main" id="{A13E8EAA-95F6-CB49-8A2E-41E765263536}"/>
+          <p:cNvPr id="14" name="Straight Arrow Connector 13">
+            <a:extLst>
+              <a:ext uri="{FF2B5EF4-FFF2-40B4-BE49-F238E27FC236}">
+                <a16:creationId xmlns:a16="http://schemas.microsoft.com/office/drawing/2014/main" id="{3C201D1A-9FF2-794C-B18E-27303FEB1C34}"/>
               </a:ext>
             </a:extLst>
           </p:cNvPr>
@@ -6295,112 +6688,8 @@
         </p:nvCxnSpPr>
         <p:spPr>
           <a:xfrm flipH="1">
-            <a:off x="9538983" y="4696654"/>
-            <a:ext cx="346698" cy="688146"/>
-          </a:xfrm>
-          <a:prstGeom prst="straightConnector1">
-            <a:avLst/>
-          </a:prstGeom>
-          <a:ln>
-            <a:solidFill>
-              <a:schemeClr val="tx1"/>
-            </a:solidFill>
-            <a:tailEnd type="triangle"/>
-          </a:ln>
-        </p:spPr>
-        <p:style>
-          <a:lnRef idx="1">
-            <a:schemeClr val="accent1"/>
-          </a:lnRef>
-          <a:fillRef idx="0">
-            <a:schemeClr val="accent1"/>
-          </a:fillRef>
-          <a:effectRef idx="0">
-            <a:schemeClr val="accent1"/>
-          </a:effectRef>
-          <a:fontRef idx="minor">
-            <a:schemeClr val="tx1"/>
-          </a:fontRef>
-        </p:style>
-      </p:cxnSp>
-      <p:sp>
-        <p:nvSpPr>
-          <p:cNvPr id="19" name="Rectangle 18">
-            <a:extLst>
-              <a:ext uri="{FF2B5EF4-FFF2-40B4-BE49-F238E27FC236}">
-                <a16:creationId xmlns:a16="http://schemas.microsoft.com/office/drawing/2014/main" id="{5C860D71-BFFF-A048-8658-DC4FA640E19F}"/>
-              </a:ext>
-            </a:extLst>
-          </p:cNvPr>
-          <p:cNvSpPr/>
-          <p:nvPr/>
-        </p:nvSpPr>
-        <p:spPr>
-          <a:xfrm>
-            <a:off x="9144000" y="3211669"/>
-            <a:ext cx="3060078" cy="454905"/>
-          </a:xfrm>
-          <a:prstGeom prst="rect">
-            <a:avLst/>
-          </a:prstGeom>
-          <a:solidFill>
-            <a:schemeClr val="bg1"/>
-          </a:solidFill>
-          <a:ln>
-            <a:noFill/>
-          </a:ln>
-        </p:spPr>
-        <p:style>
-          <a:lnRef idx="2">
-            <a:schemeClr val="accent1">
-              <a:shade val="50000"/>
-            </a:schemeClr>
-          </a:lnRef>
-          <a:fillRef idx="1">
-            <a:schemeClr val="accent1"/>
-          </a:fillRef>
-          <a:effectRef idx="0">
-            <a:schemeClr val="accent1"/>
-          </a:effectRef>
-          <a:fontRef idx="minor">
-            <a:schemeClr val="lt1"/>
-          </a:fontRef>
-        </p:style>
-        <p:txBody>
-          <a:bodyPr rtlCol="0" anchor="ctr"/>
-          <a:lstStyle/>
-          <a:p>
-            <a:pPr algn="ctr"/>
-            <a:r>
-              <a:rPr lang="en-US" sz="2000" dirty="0">
-                <a:solidFill>
-                  <a:schemeClr val="tx1"/>
-                </a:solidFill>
-              </a:rPr>
-              <a:t>Random Forest Train, Test</a:t>
-            </a:r>
-            <a:endParaRPr lang="en-US" sz="2000" dirty="0"/>
-          </a:p>
-        </p:txBody>
-      </p:sp>
-      <p:cxnSp>
-        <p:nvCxnSpPr>
-          <p:cNvPr id="20" name="Straight Arrow Connector 19">
-            <a:extLst>
-              <a:ext uri="{FF2B5EF4-FFF2-40B4-BE49-F238E27FC236}">
-                <a16:creationId xmlns:a16="http://schemas.microsoft.com/office/drawing/2014/main" id="{A3D421C7-8756-F14A-8D2B-D3B8F6981367}"/>
-              </a:ext>
-            </a:extLst>
-          </p:cNvPr>
-          <p:cNvCxnSpPr>
-            <a:cxnSpLocks/>
-          </p:cNvCxnSpPr>
-          <p:nvPr/>
-        </p:nvCxnSpPr>
-        <p:spPr>
-          <a:xfrm flipH="1" flipV="1">
-            <a:off x="8444428" y="2625148"/>
-            <a:ext cx="699572" cy="676852"/>
+            <a:off x="9753403" y="5335925"/>
+            <a:ext cx="792643" cy="97513"/>
           </a:xfrm>
           <a:prstGeom prst="straightConnector1">
             <a:avLst/>
@@ -6429,23 +6718,23 @@
       </p:cxnSp>
       <p:cxnSp>
         <p:nvCxnSpPr>
-          <p:cNvPr id="21" name="Straight Arrow Connector 20">
-            <a:extLst>
-              <a:ext uri="{FF2B5EF4-FFF2-40B4-BE49-F238E27FC236}">
-                <a16:creationId xmlns:a16="http://schemas.microsoft.com/office/drawing/2014/main" id="{740E2A3B-EDDD-D541-AB4D-D5EBFC1E9317}"/>
+          <p:cNvPr id="15" name="Straight Arrow Connector 14">
+            <a:extLst>
+              <a:ext uri="{FF2B5EF4-FFF2-40B4-BE49-F238E27FC236}">
+                <a16:creationId xmlns:a16="http://schemas.microsoft.com/office/drawing/2014/main" id="{693FDFC4-30FF-884B-B3A0-5130C0B59F5E}"/>
               </a:ext>
             </a:extLst>
           </p:cNvPr>
           <p:cNvCxnSpPr>
             <a:cxnSpLocks/>
-            <a:stCxn id="19" idx="1"/>
+            <a:stCxn id="18" idx="1"/>
           </p:cNvCxnSpPr>
           <p:nvPr/>
         </p:nvCxnSpPr>
         <p:spPr>
           <a:xfrm flipH="1">
-            <a:off x="8184912" y="3439122"/>
-            <a:ext cx="959088" cy="950129"/>
+            <a:off x="9478110" y="2942092"/>
+            <a:ext cx="449580" cy="212814"/>
           </a:xfrm>
           <a:prstGeom prst="straightConnector1">
             <a:avLst/>
@@ -6472,6 +6761,424 @@
           </a:fontRef>
         </p:style>
       </p:cxnSp>
+      <p:cxnSp>
+        <p:nvCxnSpPr>
+          <p:cNvPr id="17" name="Straight Arrow Connector 16">
+            <a:extLst>
+              <a:ext uri="{FF2B5EF4-FFF2-40B4-BE49-F238E27FC236}">
+                <a16:creationId xmlns:a16="http://schemas.microsoft.com/office/drawing/2014/main" id="{0E508C4F-D086-384E-8ABD-1BD01C26DF70}"/>
+              </a:ext>
+            </a:extLst>
+          </p:cNvPr>
+          <p:cNvCxnSpPr>
+            <a:cxnSpLocks/>
+          </p:cNvCxnSpPr>
+          <p:nvPr/>
+        </p:nvCxnSpPr>
+        <p:spPr>
+          <a:xfrm flipH="1">
+            <a:off x="7829938" y="3815862"/>
+            <a:ext cx="781077" cy="523712"/>
+          </a:xfrm>
+          <a:prstGeom prst="straightConnector1">
+            <a:avLst/>
+          </a:prstGeom>
+          <a:ln>
+            <a:solidFill>
+              <a:schemeClr val="tx1"/>
+            </a:solidFill>
+            <a:tailEnd type="triangle"/>
+          </a:ln>
+        </p:spPr>
+        <p:style>
+          <a:lnRef idx="1">
+            <a:schemeClr val="accent1"/>
+          </a:lnRef>
+          <a:fillRef idx="0">
+            <a:schemeClr val="accent1"/>
+          </a:fillRef>
+          <a:effectRef idx="0">
+            <a:schemeClr val="accent1"/>
+          </a:effectRef>
+          <a:fontRef idx="minor">
+            <a:schemeClr val="tx1"/>
+          </a:fontRef>
+        </p:style>
+      </p:cxnSp>
+      <p:sp>
+        <p:nvSpPr>
+          <p:cNvPr id="18" name="Rectangle 17">
+            <a:extLst>
+              <a:ext uri="{FF2B5EF4-FFF2-40B4-BE49-F238E27FC236}">
+                <a16:creationId xmlns:a16="http://schemas.microsoft.com/office/drawing/2014/main" id="{CCB77F15-601A-1748-A2D2-D03DACB90956}"/>
+              </a:ext>
+            </a:extLst>
+          </p:cNvPr>
+          <p:cNvSpPr/>
+          <p:nvPr/>
+        </p:nvSpPr>
+        <p:spPr>
+          <a:xfrm>
+            <a:off x="9927690" y="2757426"/>
+            <a:ext cx="2115772" cy="369332"/>
+          </a:xfrm>
+          <a:prstGeom prst="rect">
+            <a:avLst/>
+          </a:prstGeom>
+          <a:solidFill>
+            <a:schemeClr val="bg2"/>
+          </a:solidFill>
+        </p:spPr>
+        <p:txBody>
+          <a:bodyPr wrap="none">
+            <a:spAutoFit/>
+          </a:bodyPr>
+          <a:lstStyle/>
+          <a:p>
+            <a:r>
+              <a:rPr lang="en-US" dirty="0"/>
+              <a:t>Random Forest Train</a:t>
+            </a:r>
+          </a:p>
+        </p:txBody>
+      </p:sp>
+      <p:sp>
+        <p:nvSpPr>
+          <p:cNvPr id="22" name="Rectangle 21">
+            <a:extLst>
+              <a:ext uri="{FF2B5EF4-FFF2-40B4-BE49-F238E27FC236}">
+                <a16:creationId xmlns:a16="http://schemas.microsoft.com/office/drawing/2014/main" id="{7BDEBE21-3232-B04A-BEA7-3D63E4136E5E}"/>
+              </a:ext>
+            </a:extLst>
+          </p:cNvPr>
+          <p:cNvSpPr/>
+          <p:nvPr/>
+        </p:nvSpPr>
+        <p:spPr>
+          <a:xfrm>
+            <a:off x="8611015" y="3579305"/>
+            <a:ext cx="2011128" cy="369332"/>
+          </a:xfrm>
+          <a:prstGeom prst="rect">
+            <a:avLst/>
+          </a:prstGeom>
+          <a:solidFill>
+            <a:schemeClr val="bg2"/>
+          </a:solidFill>
+        </p:spPr>
+        <p:txBody>
+          <a:bodyPr wrap="none">
+            <a:spAutoFit/>
+          </a:bodyPr>
+          <a:lstStyle/>
+          <a:p>
+            <a:r>
+              <a:rPr lang="en-US" dirty="0"/>
+              <a:t>Random Forest Test</a:t>
+            </a:r>
+          </a:p>
+        </p:txBody>
+      </p:sp>
+      <p:sp>
+        <p:nvSpPr>
+          <p:cNvPr id="23" name="Rectangle 22">
+            <a:extLst>
+              <a:ext uri="{FF2B5EF4-FFF2-40B4-BE49-F238E27FC236}">
+                <a16:creationId xmlns:a16="http://schemas.microsoft.com/office/drawing/2014/main" id="{7DEA2211-1214-8542-931E-513E725EC9B9}"/>
+              </a:ext>
+            </a:extLst>
+          </p:cNvPr>
+          <p:cNvSpPr/>
+          <p:nvPr/>
+        </p:nvSpPr>
+        <p:spPr>
+          <a:xfrm>
+            <a:off x="9906331" y="4521958"/>
+            <a:ext cx="1534716" cy="369332"/>
+          </a:xfrm>
+          <a:prstGeom prst="rect">
+            <a:avLst/>
+          </a:prstGeom>
+          <a:solidFill>
+            <a:schemeClr val="bg2"/>
+          </a:solidFill>
+        </p:spPr>
+        <p:txBody>
+          <a:bodyPr wrap="none">
+            <a:spAutoFit/>
+          </a:bodyPr>
+          <a:lstStyle/>
+          <a:p>
+            <a:r>
+              <a:rPr lang="en-US" dirty="0" err="1"/>
+              <a:t>Catboost</a:t>
+            </a:r>
+            <a:r>
+              <a:rPr lang="en-US" dirty="0"/>
+              <a:t> Train</a:t>
+            </a:r>
+          </a:p>
+        </p:txBody>
+      </p:sp>
+      <p:sp>
+        <p:nvSpPr>
+          <p:cNvPr id="24" name="Rectangle 23">
+            <a:extLst>
+              <a:ext uri="{FF2B5EF4-FFF2-40B4-BE49-F238E27FC236}">
+                <a16:creationId xmlns:a16="http://schemas.microsoft.com/office/drawing/2014/main" id="{8B161069-19D1-5D48-AA66-40E2B214F399}"/>
+              </a:ext>
+            </a:extLst>
+          </p:cNvPr>
+          <p:cNvSpPr/>
+          <p:nvPr/>
+        </p:nvSpPr>
+        <p:spPr>
+          <a:xfrm>
+            <a:off x="10596143" y="5151259"/>
+            <a:ext cx="1447319" cy="369332"/>
+          </a:xfrm>
+          <a:prstGeom prst="rect">
+            <a:avLst/>
+          </a:prstGeom>
+          <a:solidFill>
+            <a:schemeClr val="bg2"/>
+          </a:solidFill>
+        </p:spPr>
+        <p:txBody>
+          <a:bodyPr wrap="none">
+            <a:spAutoFit/>
+          </a:bodyPr>
+          <a:lstStyle/>
+          <a:p>
+            <a:r>
+              <a:rPr lang="en-US" dirty="0" err="1"/>
+              <a:t>Catboost</a:t>
+            </a:r>
+            <a:r>
+              <a:rPr lang="en-US" dirty="0"/>
+              <a:t> Test</a:t>
+            </a:r>
+          </a:p>
+        </p:txBody>
+      </p:sp>
+      <p:sp>
+        <p:nvSpPr>
+          <p:cNvPr id="25" name="Rectangle 24">
+            <a:extLst>
+              <a:ext uri="{FF2B5EF4-FFF2-40B4-BE49-F238E27FC236}">
+                <a16:creationId xmlns:a16="http://schemas.microsoft.com/office/drawing/2014/main" id="{1AB4014B-ECE5-4B4E-835F-0A8A99FF0646}"/>
+              </a:ext>
+            </a:extLst>
+          </p:cNvPr>
+          <p:cNvSpPr/>
+          <p:nvPr/>
+        </p:nvSpPr>
+        <p:spPr>
+          <a:xfrm>
+            <a:off x="5055719" y="1902320"/>
+            <a:ext cx="2774218" cy="258365"/>
+          </a:xfrm>
+          <a:prstGeom prst="rect">
+            <a:avLst/>
+          </a:prstGeom>
+        </p:spPr>
+        <p:style>
+          <a:lnRef idx="2">
+            <a:schemeClr val="accent1">
+              <a:shade val="50000"/>
+            </a:schemeClr>
+          </a:lnRef>
+          <a:fillRef idx="1">
+            <a:schemeClr val="accent1"/>
+          </a:fillRef>
+          <a:effectRef idx="0">
+            <a:schemeClr val="accent1"/>
+          </a:effectRef>
+          <a:fontRef idx="minor">
+            <a:schemeClr val="lt1"/>
+          </a:fontRef>
+        </p:style>
+        <p:txBody>
+          <a:bodyPr rtlCol="0" anchor="ctr"/>
+          <a:lstStyle/>
+          <a:p>
+            <a:pPr algn="ctr"/>
+            <a:r>
+              <a:rPr lang="en-US" dirty="0"/>
+              <a:t>train</a:t>
+            </a:r>
+          </a:p>
+        </p:txBody>
+      </p:sp>
+      <p:sp>
+        <p:nvSpPr>
+          <p:cNvPr id="26" name="Rectangle 25">
+            <a:extLst>
+              <a:ext uri="{FF2B5EF4-FFF2-40B4-BE49-F238E27FC236}">
+                <a16:creationId xmlns:a16="http://schemas.microsoft.com/office/drawing/2014/main" id="{D5FB7FC3-D987-0243-B9AC-02DAEEE0703B}"/>
+              </a:ext>
+            </a:extLst>
+          </p:cNvPr>
+          <p:cNvSpPr/>
+          <p:nvPr/>
+        </p:nvSpPr>
+        <p:spPr>
+          <a:xfrm>
+            <a:off x="7829937" y="1893019"/>
+            <a:ext cx="1196356" cy="267666"/>
+          </a:xfrm>
+          <a:prstGeom prst="rect">
+            <a:avLst/>
+          </a:prstGeom>
+          <a:solidFill>
+            <a:schemeClr val="accent6"/>
+          </a:solidFill>
+          <a:ln>
+            <a:solidFill>
+              <a:srgbClr val="92D050"/>
+            </a:solidFill>
+          </a:ln>
+        </p:spPr>
+        <p:style>
+          <a:lnRef idx="2">
+            <a:schemeClr val="accent1">
+              <a:shade val="50000"/>
+            </a:schemeClr>
+          </a:lnRef>
+          <a:fillRef idx="1">
+            <a:schemeClr val="accent1"/>
+          </a:fillRef>
+          <a:effectRef idx="0">
+            <a:schemeClr val="accent1"/>
+          </a:effectRef>
+          <a:fontRef idx="minor">
+            <a:schemeClr val="lt1"/>
+          </a:fontRef>
+        </p:style>
+        <p:txBody>
+          <a:bodyPr rtlCol="0" anchor="ctr"/>
+          <a:lstStyle/>
+          <a:p>
+            <a:pPr algn="ctr"/>
+            <a:r>
+              <a:rPr lang="en-US" dirty="0"/>
+              <a:t>test</a:t>
+            </a:r>
+          </a:p>
+        </p:txBody>
+      </p:sp>
+      <p:cxnSp>
+        <p:nvCxnSpPr>
+          <p:cNvPr id="27" name="Straight Arrow Connector 26">
+            <a:extLst>
+              <a:ext uri="{FF2B5EF4-FFF2-40B4-BE49-F238E27FC236}">
+                <a16:creationId xmlns:a16="http://schemas.microsoft.com/office/drawing/2014/main" id="{1832D0CB-97C4-6444-A445-E4924E1AF3C3}"/>
+              </a:ext>
+            </a:extLst>
+          </p:cNvPr>
+          <p:cNvCxnSpPr>
+            <a:cxnSpLocks/>
+          </p:cNvCxnSpPr>
+          <p:nvPr/>
+        </p:nvCxnSpPr>
+        <p:spPr>
+          <a:xfrm>
+            <a:off x="5055719" y="1739469"/>
+            <a:ext cx="3970574" cy="0"/>
+          </a:xfrm>
+          <a:prstGeom prst="straightConnector1">
+            <a:avLst/>
+          </a:prstGeom>
+          <a:ln>
+            <a:headEnd type="triangle"/>
+            <a:tailEnd type="triangle"/>
+          </a:ln>
+        </p:spPr>
+        <p:style>
+          <a:lnRef idx="1">
+            <a:schemeClr val="accent1"/>
+          </a:lnRef>
+          <a:fillRef idx="0">
+            <a:schemeClr val="accent1"/>
+          </a:fillRef>
+          <a:effectRef idx="0">
+            <a:schemeClr val="accent1"/>
+          </a:effectRef>
+          <a:fontRef idx="minor">
+            <a:schemeClr val="tx1"/>
+          </a:fontRef>
+        </p:style>
+      </p:cxnSp>
+      <p:sp>
+        <p:nvSpPr>
+          <p:cNvPr id="28" name="TextBox 27">
+            <a:extLst>
+              <a:ext uri="{FF2B5EF4-FFF2-40B4-BE49-F238E27FC236}">
+                <a16:creationId xmlns:a16="http://schemas.microsoft.com/office/drawing/2014/main" id="{B69BC8B1-EFA9-1E4F-B1D0-89901FDF66A0}"/>
+              </a:ext>
+            </a:extLst>
+          </p:cNvPr>
+          <p:cNvSpPr txBox="1"/>
+          <p:nvPr/>
+        </p:nvSpPr>
+        <p:spPr>
+          <a:xfrm>
+            <a:off x="5019948" y="1397349"/>
+            <a:ext cx="1573059" cy="369332"/>
+          </a:xfrm>
+          <a:prstGeom prst="rect">
+            <a:avLst/>
+          </a:prstGeom>
+          <a:noFill/>
+        </p:spPr>
+        <p:txBody>
+          <a:bodyPr wrap="square" rtlCol="0">
+            <a:spAutoFit/>
+          </a:bodyPr>
+          <a:lstStyle/>
+          <a:p>
+            <a:r>
+              <a:rPr lang="en-US" dirty="0"/>
+              <a:t>2009 June</a:t>
+            </a:r>
+          </a:p>
+        </p:txBody>
+      </p:sp>
+      <p:sp>
+        <p:nvSpPr>
+          <p:cNvPr id="29" name="TextBox 28">
+            <a:extLst>
+              <a:ext uri="{FF2B5EF4-FFF2-40B4-BE49-F238E27FC236}">
+                <a16:creationId xmlns:a16="http://schemas.microsoft.com/office/drawing/2014/main" id="{158610F9-A73A-2044-85E5-C2894A599C3F}"/>
+              </a:ext>
+            </a:extLst>
+          </p:cNvPr>
+          <p:cNvSpPr txBox="1"/>
+          <p:nvPr/>
+        </p:nvSpPr>
+        <p:spPr>
+          <a:xfrm>
+            <a:off x="8239763" y="1376047"/>
+            <a:ext cx="1573059" cy="369332"/>
+          </a:xfrm>
+          <a:prstGeom prst="rect">
+            <a:avLst/>
+          </a:prstGeom>
+          <a:noFill/>
+        </p:spPr>
+        <p:txBody>
+          <a:bodyPr wrap="square" rtlCol="0">
+            <a:spAutoFit/>
+          </a:bodyPr>
+          <a:lstStyle/>
+          <a:p>
+            <a:r>
+              <a:rPr lang="en-US" dirty="0"/>
+              <a:t>2010 Nov</a:t>
+            </a:r>
+          </a:p>
+        </p:txBody>
+      </p:sp>
     </p:spTree>
     <p:extLst>
       <p:ext uri="{BB962C8B-B14F-4D97-AF65-F5344CB8AC3E}">
@@ -6552,18 +7259,8 @@
           <a:lstStyle/>
           <a:p>
             <a:r>
-              <a:rPr lang="en-US" dirty="0" err="1"/>
-              <a:t>Pdays</a:t>
-            </a:r>
-            <a:r>
-              <a:rPr lang="en-US" dirty="0"/>
-              <a:t> is the most important feature</a:t>
-            </a:r>
-          </a:p>
-          <a:p>
-            <a:r>
-              <a:rPr lang="en-US" dirty="0"/>
-              <a:t>Day of week also important</a:t>
+              <a:rPr lang="en-US" dirty="0"/>
+              <a:t>Consistent with EDA analysis</a:t>
             </a:r>
           </a:p>
         </p:txBody>
@@ -6583,7 +7280,7 @@
           <p:nvPr/>
         </p:nvPicPr>
         <p:blipFill>
-          <a:blip r:embed="rId2"/>
+          <a:blip r:embed="rId3"/>
           <a:stretch>
             <a:fillRect/>
           </a:stretch>
@@ -6691,7 +7388,7 @@
           <a:p>
             <a:r>
               <a:rPr lang="en-US" dirty="0"/>
-              <a:t>5.4 Conclusions</a:t>
+              <a:t>5.4 Takeaways</a:t>
             </a:r>
           </a:p>
         </p:txBody>
@@ -6715,113 +7412,55 @@
         <p:spPr/>
         <p:txBody>
           <a:bodyPr>
-            <a:normAutofit fontScale="85000" lnSpcReduction="20000"/>
+            <a:normAutofit/>
           </a:bodyPr>
           <a:lstStyle/>
           <a:p>
             <a:r>
               <a:rPr lang="en-US" dirty="0"/>
-              <a:t>There is a significant pattern change after 2009 June</a:t>
+              <a:t>There is a significant pattern shift after 2009 June</a:t>
             </a:r>
           </a:p>
           <a:p>
             <a:pPr lvl="1"/>
             <a:r>
               <a:rPr lang="en-US" dirty="0"/>
-              <a:t>The social and economic factors correlate with yes rate</a:t>
+              <a:t>Total clients count decrease and yes rate increase after 2009 June</a:t>
             </a:r>
           </a:p>
           <a:p>
             <a:pPr lvl="1"/>
             <a:r>
               <a:rPr lang="en-US" dirty="0"/>
-              <a:t>The campaign becomes more effective with higher yes rate. </a:t>
+              <a:t>The social and economic factors may impact the yes rate</a:t>
+            </a:r>
+          </a:p>
+          <a:p>
+            <a:r>
+              <a:rPr lang="en-US" dirty="0"/>
+              <a:t>The campaign becomes more effective after 2009 June</a:t>
             </a:r>
           </a:p>
           <a:p>
             <a:pPr lvl="1"/>
             <a:r>
               <a:rPr lang="en-US" dirty="0"/>
-              <a:t>Clients are precisely targeted. Contacts number and call duration reduce.</a:t>
-            </a:r>
-          </a:p>
-          <a:p>
-            <a:r>
-              <a:rPr lang="en-US" dirty="0"/>
-              <a:t>To increase the yes rate</a:t>
+              <a:t>Contacts number / client and call duration reduce after 2009 June</a:t>
             </a:r>
           </a:p>
           <a:p>
             <a:pPr lvl="1"/>
             <a:r>
               <a:rPr lang="en-US" dirty="0"/>
-              <a:t>Contact the clients by cell phone</a:t>
+              <a:t>Older and younger are contacted more and their yes rate increase</a:t>
             </a:r>
           </a:p>
           <a:p>
             <a:pPr lvl="1"/>
             <a:r>
               <a:rPr lang="en-US" dirty="0"/>
-              <a:t>Reach out to the younger and older groups</a:t>
-            </a:r>
-          </a:p>
-          <a:p>
-            <a:pPr lvl="1"/>
-            <a:r>
-              <a:rPr lang="en-US" dirty="0"/>
-              <a:t>Try not to make the call on Monday</a:t>
-            </a:r>
-          </a:p>
-          <a:p>
-            <a:pPr lvl="1"/>
-            <a:r>
-              <a:rPr lang="en-US" dirty="0"/>
-              <a:t>Contact clients that were contacted in previous campaign</a:t>
-            </a:r>
-          </a:p>
-          <a:p>
-            <a:r>
-              <a:rPr lang="en-US" dirty="0"/>
-              <a:t>To get a stable and predictive model, one should train on more recent signal</a:t>
-            </a:r>
-          </a:p>
-          <a:p>
-            <a:pPr lvl="1"/>
-            <a:r>
-              <a:rPr lang="en-US" dirty="0"/>
-              <a:t>The retrain frequency needs further investigation</a:t>
-            </a:r>
-          </a:p>
-          <a:p>
-            <a:r>
-              <a:rPr lang="en-US" dirty="0"/>
-              <a:t>The </a:t>
-            </a:r>
-            <a:r>
-              <a:rPr lang="en-US" dirty="0" err="1"/>
-              <a:t>catboost</a:t>
-            </a:r>
-            <a:r>
-              <a:rPr lang="en-US" dirty="0"/>
-              <a:t> model is the one can be deployed</a:t>
-            </a:r>
-          </a:p>
-          <a:p>
-            <a:pPr lvl="1"/>
-            <a:r>
-              <a:rPr lang="en-US" dirty="0"/>
-              <a:t>It shows consistent train and test performance</a:t>
-            </a:r>
-          </a:p>
-          <a:p>
-            <a:pPr lvl="1"/>
-            <a:r>
-              <a:rPr lang="en-US" dirty="0"/>
-              <a:t>58% precision and 92% recall, given cutoff = 0.5</a:t>
-            </a:r>
-          </a:p>
-          <a:p>
-            <a:endParaRPr lang="en-US" dirty="0"/>
+              <a:t>More calls to previously contacted clients (more follow-ups)</a:t>
+            </a:r>
           </a:p>
         </p:txBody>
       </p:sp>
@@ -6860,6 +7499,187 @@
           <p:cNvPr id="2" name="Title 1">
             <a:extLst>
               <a:ext uri="{FF2B5EF4-FFF2-40B4-BE49-F238E27FC236}">
+                <a16:creationId xmlns:a16="http://schemas.microsoft.com/office/drawing/2014/main" id="{941962B8-C269-3744-9BEA-4A06C299D89E}"/>
+              </a:ext>
+            </a:extLst>
+          </p:cNvPr>
+          <p:cNvSpPr>
+            <a:spLocks noGrp="1"/>
+          </p:cNvSpPr>
+          <p:nvPr>
+            <p:ph type="title"/>
+          </p:nvPr>
+        </p:nvSpPr>
+        <p:spPr/>
+        <p:txBody>
+          <a:bodyPr/>
+          <a:lstStyle/>
+          <a:p>
+            <a:r>
+              <a:rPr lang="en-US" dirty="0"/>
+              <a:t>5.5 Action Plan</a:t>
+            </a:r>
+          </a:p>
+        </p:txBody>
+      </p:sp>
+      <p:sp>
+        <p:nvSpPr>
+          <p:cNvPr id="3" name="Content Placeholder 2">
+            <a:extLst>
+              <a:ext uri="{FF2B5EF4-FFF2-40B4-BE49-F238E27FC236}">
+                <a16:creationId xmlns:a16="http://schemas.microsoft.com/office/drawing/2014/main" id="{4B26AB4B-7B26-6447-AFA3-9506AB90142C}"/>
+              </a:ext>
+            </a:extLst>
+          </p:cNvPr>
+          <p:cNvSpPr>
+            <a:spLocks noGrp="1"/>
+          </p:cNvSpPr>
+          <p:nvPr>
+            <p:ph idx="1"/>
+          </p:nvPr>
+        </p:nvSpPr>
+        <p:spPr/>
+        <p:txBody>
+          <a:bodyPr>
+            <a:normAutofit fontScale="92500" lnSpcReduction="20000"/>
+          </a:bodyPr>
+          <a:lstStyle/>
+          <a:p>
+            <a:r>
+              <a:rPr lang="en-US" dirty="0"/>
+              <a:t>Actions to increase yes rate</a:t>
+            </a:r>
+          </a:p>
+          <a:p>
+            <a:pPr lvl="1"/>
+            <a:r>
+              <a:rPr lang="en-US" dirty="0"/>
+              <a:t>Contact the clients by cell phone</a:t>
+            </a:r>
+          </a:p>
+          <a:p>
+            <a:pPr lvl="1"/>
+            <a:r>
+              <a:rPr lang="en-US" dirty="0"/>
+              <a:t>Reach out to the younger and older groups</a:t>
+            </a:r>
+          </a:p>
+          <a:p>
+            <a:pPr lvl="1"/>
+            <a:r>
+              <a:rPr lang="en-US" dirty="0"/>
+              <a:t>Reduce calls on Monday</a:t>
+            </a:r>
+          </a:p>
+          <a:p>
+            <a:pPr lvl="1"/>
+            <a:r>
+              <a:rPr lang="en-US" dirty="0"/>
+              <a:t>Contact clients that were contacted in previous campaign</a:t>
+            </a:r>
+          </a:p>
+          <a:p>
+            <a:r>
+              <a:rPr lang="en-US" dirty="0"/>
+              <a:t>Model training</a:t>
+            </a:r>
+          </a:p>
+          <a:p>
+            <a:pPr lvl="1"/>
+            <a:r>
+              <a:rPr lang="en-US" dirty="0"/>
+              <a:t>Use train test split in time</a:t>
+            </a:r>
+          </a:p>
+          <a:p>
+            <a:pPr lvl="1"/>
+            <a:r>
+              <a:rPr lang="en-US" dirty="0"/>
+              <a:t>train on more recent signal to get a more relevant model</a:t>
+            </a:r>
+          </a:p>
+          <a:p>
+            <a:pPr lvl="1"/>
+            <a:r>
+              <a:rPr lang="en-US" dirty="0"/>
+              <a:t>The retrain frequency needs further investigation (as a hyperparameter)</a:t>
+            </a:r>
+          </a:p>
+          <a:p>
+            <a:r>
+              <a:rPr lang="en-US" dirty="0"/>
+              <a:t>The </a:t>
+            </a:r>
+            <a:r>
+              <a:rPr lang="en-US" dirty="0" err="1"/>
+              <a:t>catboost</a:t>
+            </a:r>
+            <a:r>
+              <a:rPr lang="en-US" dirty="0"/>
+              <a:t> model is the selected model</a:t>
+            </a:r>
+          </a:p>
+          <a:p>
+            <a:pPr lvl="1"/>
+            <a:r>
+              <a:rPr lang="en-US" dirty="0"/>
+              <a:t>It shows consistent train and test performance</a:t>
+            </a:r>
+          </a:p>
+          <a:p>
+            <a:pPr lvl="1"/>
+            <a:r>
+              <a:rPr lang="en-US" dirty="0"/>
+              <a:t>Average precision =0.77</a:t>
+            </a:r>
+          </a:p>
+          <a:p>
+            <a:pPr lvl="1"/>
+            <a:r>
+              <a:rPr lang="en-US" dirty="0"/>
+              <a:t> 	precision = 58% , recall = 92%, given cutoff = 0.5</a:t>
+            </a:r>
+          </a:p>
+          <a:p>
+            <a:endParaRPr lang="en-US" dirty="0"/>
+          </a:p>
+        </p:txBody>
+      </p:sp>
+    </p:spTree>
+    <p:extLst>
+      <p:ext uri="{BB962C8B-B14F-4D97-AF65-F5344CB8AC3E}">
+        <p14:creationId xmlns:p14="http://schemas.microsoft.com/office/powerpoint/2010/main" val="4231891141"/>
+      </p:ext>
+    </p:extLst>
+  </p:cSld>
+  <p:clrMapOvr>
+    <a:masterClrMapping/>
+  </p:clrMapOvr>
+</p:sld>
+</file>
+
+<file path=ppt/slides/slide17.xml><?xml version="1.0" encoding="utf-8"?>
+<p:sld xmlns:a="http://schemas.openxmlformats.org/drawingml/2006/main" xmlns:r="http://schemas.openxmlformats.org/officeDocument/2006/relationships" xmlns:p="http://schemas.openxmlformats.org/presentationml/2006/main">
+  <p:cSld>
+    <p:spTree>
+      <p:nvGrpSpPr>
+        <p:cNvPr id="1" name=""/>
+        <p:cNvGrpSpPr/>
+        <p:nvPr/>
+      </p:nvGrpSpPr>
+      <p:grpSpPr>
+        <a:xfrm>
+          <a:off x="0" y="0"/>
+          <a:ext cx="0" cy="0"/>
+          <a:chOff x="0" y="0"/>
+          <a:chExt cx="0" cy="0"/>
+        </a:xfrm>
+      </p:grpSpPr>
+      <p:sp>
+        <p:nvSpPr>
+          <p:cNvPr id="2" name="Title 1">
+            <a:extLst>
+              <a:ext uri="{FF2B5EF4-FFF2-40B4-BE49-F238E27FC236}">
                 <a16:creationId xmlns:a16="http://schemas.microsoft.com/office/drawing/2014/main" id="{24FE24B8-DE5F-6740-B863-4B86DABA82E1}"/>
               </a:ext>
             </a:extLst>
@@ -6988,7 +7808,7 @@
         <p:spPr/>
         <p:txBody>
           <a:bodyPr>
-            <a:normAutofit fontScale="92500" lnSpcReduction="20000"/>
+            <a:normAutofit fontScale="85000" lnSpcReduction="20000"/>
           </a:bodyPr>
           <a:lstStyle/>
           <a:p>
@@ -7001,62 +7821,103 @@
             <a:pPr lvl="1"/>
             <a:r>
               <a:rPr lang="en-US" dirty="0"/>
-              <a:t>Direct marketing campaigns based on UC Irvine’s Machine Learning Repository. </a:t>
+              <a:t>Direct marketing campaigns based on UCI data repo</a:t>
             </a:r>
           </a:p>
           <a:p>
             <a:pPr lvl="1"/>
             <a:r>
               <a:rPr lang="en-US" dirty="0"/>
-              <a:t>Clients are contacted by phone call by banking campaigns, and the outcome is whether they choose to subscribe the term deposit or not</a:t>
+              <a:t>Clients are contacted by phone. The outcome is whether they choose to subscribe the term deposit or not</a:t>
             </a:r>
           </a:p>
           <a:p>
             <a:pPr lvl="1"/>
             <a:r>
               <a:rPr lang="en-US" dirty="0"/>
-              <a:t>Goal: predict if the client will subscribe the service or not</a:t>
+              <a:t>Goal: predict if the client will subscribe the service (yes) or not (no)</a:t>
             </a:r>
           </a:p>
           <a:p>
             <a:r>
               <a:rPr lang="en-US" b="1" dirty="0"/>
-              <a:t>My approach highlights</a:t>
+              <a:t>Approach </a:t>
             </a:r>
           </a:p>
           <a:p>
             <a:pPr lvl="1"/>
             <a:r>
               <a:rPr lang="en-US" dirty="0"/>
-              <a:t>EDA indicates a sharp shift at 2009 June, likely due to social and economic factors</a:t>
+              <a:t>EDA results</a:t>
+            </a:r>
+          </a:p>
+          <a:p>
+            <a:pPr lvl="2"/>
+            <a:r>
+              <a:rPr lang="en-US" dirty="0"/>
+              <a:t>Indicates </a:t>
+            </a:r>
+            <a:r>
+              <a:rPr lang="en-US" b="1" dirty="0"/>
+              <a:t>a sharp shift </a:t>
+            </a:r>
+            <a:r>
+              <a:rPr lang="en-US" dirty="0"/>
+              <a:t>in 2009 June</a:t>
+            </a:r>
+          </a:p>
+          <a:p>
+            <a:pPr lvl="2"/>
+            <a:r>
+              <a:rPr lang="en-US" dirty="0"/>
+              <a:t>Identify several factors that can </a:t>
+            </a:r>
+            <a:r>
+              <a:rPr lang="en-US" b="1" dirty="0"/>
+              <a:t>increase the rate of clients saying yes</a:t>
             </a:r>
           </a:p>
           <a:p>
             <a:pPr lvl="1"/>
             <a:r>
               <a:rPr lang="en-US" dirty="0"/>
-              <a:t>Identify several factors that can increase the yes rate</a:t>
+              <a:t>Split the train and test </a:t>
+            </a:r>
+            <a:r>
+              <a:rPr lang="en-US" b="1" dirty="0"/>
+              <a:t>by time</a:t>
+            </a:r>
+          </a:p>
+          <a:p>
+            <a:pPr lvl="2"/>
+            <a:r>
+              <a:rPr lang="en-US" dirty="0"/>
+              <a:t>Simple split and rolling train test in time</a:t>
             </a:r>
           </a:p>
           <a:p>
             <a:pPr lvl="1"/>
             <a:r>
-              <a:rPr lang="en-US" dirty="0"/>
-              <a:t>Split the train and test by time, also explore rolling train test in time</a:t>
+              <a:rPr lang="en-US" b="1" dirty="0"/>
+              <a:t>Average precision </a:t>
+            </a:r>
+            <a:r>
+              <a:rPr lang="en-US" dirty="0"/>
+              <a:t>as the evaluation metric</a:t>
             </a:r>
           </a:p>
           <a:p>
             <a:pPr lvl="1"/>
             <a:r>
               <a:rPr lang="en-US" dirty="0"/>
-              <a:t>Average Precision as the model performance metric</a:t>
-            </a:r>
-          </a:p>
-          <a:p>
-            <a:pPr lvl="1"/>
-            <a:r>
-              <a:rPr lang="en-US" dirty="0"/>
-              <a:t>Build classification models using tree ensemble models (</a:t>
+              <a:t>Build classification models </a:t>
+            </a:r>
+          </a:p>
+          <a:p>
+            <a:pPr lvl="2"/>
+            <a:r>
+              <a:rPr lang="en-US" dirty="0"/>
+              <a:t>using tree ensemble models (</a:t>
             </a:r>
             <a:r>
               <a:rPr lang="en-US" dirty="0" err="1"/>
@@ -7064,14 +7925,14 @@
             </a:r>
             <a:r>
               <a:rPr lang="en-US" dirty="0"/>
-              <a:t> and random forest)</a:t>
-            </a:r>
-          </a:p>
-          <a:p>
-            <a:pPr lvl="1"/>
-            <a:r>
-              <a:rPr lang="en-US" dirty="0"/>
-              <a:t>The selected model shows consistent performance from train to test, with 58% precision and 92% recall [1]</a:t>
+              <a:t>/ random forest)</a:t>
+            </a:r>
+          </a:p>
+          <a:p>
+            <a:pPr lvl="2"/>
+            <a:r>
+              <a:rPr lang="en-US" dirty="0"/>
+              <a:t>The best model shows consistent performance with test average precision of 0.77</a:t>
             </a:r>
           </a:p>
           <a:p>
@@ -7200,7 +8061,7 @@
         <p:spPr/>
         <p:txBody>
           <a:bodyPr>
-            <a:normAutofit fontScale="92500" lnSpcReduction="20000"/>
+            <a:normAutofit fontScale="92500" lnSpcReduction="10000"/>
           </a:bodyPr>
           <a:lstStyle/>
           <a:p>
@@ -7220,61 +8081,54 @@
             <a:pPr lvl="1"/>
             <a:r>
               <a:rPr lang="en-US" dirty="0"/>
-              <a:t>Order by time</a:t>
+              <a:t>Time series data, from 2008 to 2010</a:t>
+            </a:r>
+          </a:p>
+          <a:p>
+            <a:r>
+              <a:rPr lang="en-US" dirty="0"/>
+              <a:t>Features</a:t>
             </a:r>
           </a:p>
           <a:p>
             <a:pPr lvl="1"/>
             <a:r>
               <a:rPr lang="en-US" dirty="0"/>
-              <a:t>From 2008 to 2010</a:t>
-            </a:r>
-          </a:p>
-          <a:p>
-            <a:r>
-              <a:rPr lang="en-US" dirty="0"/>
-              <a:t>Features</a:t>
+              <a:t>Total 20 features (10 categorical features)</a:t>
+            </a:r>
+          </a:p>
+          <a:p>
+            <a:pPr lvl="2"/>
+            <a:r>
+              <a:rPr lang="en-US" dirty="0"/>
+              <a:t>7 client features</a:t>
+            </a:r>
+          </a:p>
+          <a:p>
+            <a:pPr lvl="2"/>
+            <a:r>
+              <a:rPr lang="en-US" dirty="0"/>
+              <a:t>8 campaign features</a:t>
+            </a:r>
+          </a:p>
+          <a:p>
+            <a:pPr lvl="2"/>
+            <a:r>
+              <a:rPr lang="en-US" dirty="0"/>
+              <a:t>5 social and economic features</a:t>
+            </a:r>
+          </a:p>
+          <a:p>
+            <a:r>
+              <a:rPr lang="en-US" dirty="0"/>
+              <a:t>Target variable</a:t>
             </a:r>
           </a:p>
           <a:p>
             <a:pPr lvl="1"/>
             <a:r>
               <a:rPr lang="en-US" dirty="0"/>
-              <a:t>Total 20 features (10 categorical features)</a:t>
-            </a:r>
-          </a:p>
-          <a:p>
-            <a:pPr lvl="1"/>
-            <a:r>
-              <a:rPr lang="en-US" dirty="0"/>
-              <a:t>7 client features</a:t>
-            </a:r>
-          </a:p>
-          <a:p>
-            <a:pPr lvl="1"/>
-            <a:r>
-              <a:rPr lang="en-US" dirty="0"/>
-              <a:t>8 campaign features</a:t>
-            </a:r>
-          </a:p>
-          <a:p>
-            <a:pPr lvl="1"/>
-            <a:r>
-              <a:rPr lang="en-US" dirty="0"/>
-              <a:t>5 social and economic features</a:t>
-            </a:r>
-          </a:p>
-          <a:p>
-            <a:r>
-              <a:rPr lang="en-US" dirty="0"/>
-              <a:t>Label</a:t>
-            </a:r>
-          </a:p>
-          <a:p>
-            <a:pPr lvl="1"/>
-            <a:r>
-              <a:rPr lang="en-US" dirty="0"/>
-              <a:t>Has the client subscribed the service (y=yes) or not (y=no)</a:t>
+              <a:t>Subscribe to the service or not</a:t>
             </a:r>
           </a:p>
           <a:p>
@@ -7373,55 +8227,130 @@
         </p:nvSpPr>
         <p:spPr>
           <a:xfrm>
-            <a:off x="-82651" y="2774759"/>
-            <a:ext cx="4596499" cy="4351338"/>
+            <a:off x="230928" y="1253331"/>
+            <a:ext cx="5831798" cy="4351338"/>
           </a:xfrm>
         </p:spPr>
         <p:txBody>
           <a:bodyPr>
-            <a:normAutofit/>
+            <a:noAutofit/>
           </a:bodyPr>
           <a:lstStyle/>
           <a:p>
-            <a:r>
-              <a:rPr lang="en-US" sz="2000" b="1" dirty="0"/>
-              <a:t>Yes rate </a:t>
-            </a:r>
-            <a:r>
-              <a:rPr lang="en-US" sz="2000" dirty="0"/>
-              <a:t>= </a:t>
-            </a:r>
-            <a:r>
-              <a:rPr lang="en-US" sz="2000" b="1" dirty="0"/>
-              <a:t>count of yes / count of clients </a:t>
-            </a:r>
-          </a:p>
-          <a:p>
-            <a:endParaRPr lang="en-US" sz="2000" b="1" dirty="0"/>
-          </a:p>
-          <a:p>
-            <a:r>
-              <a:rPr lang="en-US" sz="2000" b="1" dirty="0"/>
-              <a:t>Insights</a:t>
+            <a:endParaRPr lang="en-US" sz="1800" b="1" dirty="0"/>
+          </a:p>
+          <a:p>
+            <a:r>
+              <a:rPr lang="en-US" sz="1800" dirty="0"/>
+              <a:t>Monthly client count = count of client contacted / month</a:t>
+            </a:r>
+          </a:p>
+          <a:p>
+            <a:r>
+              <a:rPr lang="en-US" sz="1800" dirty="0"/>
+              <a:t>Yes rate = count of yes / count of clients </a:t>
+            </a:r>
+          </a:p>
+          <a:p>
+            <a:endParaRPr lang="en-US" sz="1800" dirty="0"/>
+          </a:p>
+          <a:p>
+            <a:r>
+              <a:rPr lang="en-US" sz="1800" dirty="0"/>
+              <a:t>Before 2009 June </a:t>
             </a:r>
           </a:p>
           <a:p>
             <a:pPr lvl="1"/>
             <a:r>
-              <a:rPr lang="en-US" sz="2000" dirty="0"/>
-              <a:t>Due to social factors (financial crisis), term deposit is safer than other investment like stock</a:t>
+              <a:rPr lang="en-US" sz="1800" dirty="0"/>
+              <a:t>75% of all data</a:t>
             </a:r>
           </a:p>
           <a:p>
             <a:pPr lvl="1"/>
             <a:r>
-              <a:rPr lang="en-US" sz="2000" dirty="0"/>
+              <a:rPr lang="en-US" sz="1800" dirty="0"/>
+              <a:t>Average monthly client contacted is </a:t>
+            </a:r>
+            <a:r>
+              <a:rPr lang="en-US" sz="1800" b="1" dirty="0"/>
+              <a:t>3.6k</a:t>
+            </a:r>
+          </a:p>
+          <a:p>
+            <a:pPr lvl="1"/>
+            <a:r>
+              <a:rPr lang="en-US" sz="1800" dirty="0"/>
+              <a:t>Average yes rate is </a:t>
+            </a:r>
+            <a:r>
+              <a:rPr lang="en-US" sz="1800" b="1" dirty="0"/>
+              <a:t>16.8%</a:t>
+            </a:r>
+          </a:p>
+          <a:p>
+            <a:r>
+              <a:rPr lang="en-US" sz="1800" dirty="0"/>
+              <a:t>After 2009 June </a:t>
+            </a:r>
+          </a:p>
+          <a:p>
+            <a:pPr lvl="1"/>
+            <a:r>
+              <a:rPr lang="en-US" sz="1800" dirty="0"/>
+              <a:t>25% of all data</a:t>
+            </a:r>
+          </a:p>
+          <a:p>
+            <a:pPr lvl="1"/>
+            <a:r>
+              <a:rPr lang="en-US" sz="1800" dirty="0"/>
+              <a:t>Average monthly client contacted is </a:t>
+            </a:r>
+            <a:r>
+              <a:rPr lang="en-US" sz="1800" b="1" dirty="0"/>
+              <a:t>310</a:t>
+            </a:r>
+          </a:p>
+          <a:p>
+            <a:pPr lvl="1"/>
+            <a:r>
+              <a:rPr lang="en-US" sz="1800" dirty="0"/>
+              <a:t>Average yes rate is </a:t>
+            </a:r>
+            <a:r>
+              <a:rPr lang="en-US" sz="1800" b="1" dirty="0"/>
+              <a:t>47%</a:t>
+            </a:r>
+          </a:p>
+          <a:p>
+            <a:pPr lvl="1"/>
+            <a:endParaRPr lang="en-US" sz="1800" dirty="0"/>
+          </a:p>
+          <a:p>
+            <a:r>
+              <a:rPr lang="en-US" sz="1800" dirty="0"/>
+              <a:t>Possible reasons for yes rate increase</a:t>
+            </a:r>
+          </a:p>
+          <a:p>
+            <a:pPr lvl="1"/>
+            <a:r>
+              <a:rPr lang="en-US" sz="1800" dirty="0"/>
+              <a:t>Due to social factors (financial crisis), term deposit is safer than other investments like stock</a:t>
+            </a:r>
+          </a:p>
+          <a:p>
+            <a:pPr lvl="1"/>
+            <a:r>
+              <a:rPr lang="en-US" sz="1800" dirty="0"/>
               <a:t>Due to a better campaign strategy</a:t>
             </a:r>
           </a:p>
           <a:p>
             <a:pPr lvl="1"/>
-            <a:endParaRPr lang="en-US" sz="2000" dirty="0"/>
+            <a:endParaRPr lang="en-US" sz="1800" dirty="0"/>
           </a:p>
         </p:txBody>
       </p:sp>
@@ -7447,7 +8376,7 @@
         </p:blipFill>
         <p:spPr>
           <a:xfrm>
-            <a:off x="4592146" y="2740229"/>
+            <a:off x="5499539" y="2893959"/>
             <a:ext cx="6542700" cy="3058371"/>
           </a:xfrm>
           <a:prstGeom prst="rect">
@@ -7457,10 +8386,10 @@
       </p:pic>
       <p:sp>
         <p:nvSpPr>
-          <p:cNvPr id="11" name="TextBox 10">
-            <a:extLst>
-              <a:ext uri="{FF2B5EF4-FFF2-40B4-BE49-F238E27FC236}">
-                <a16:creationId xmlns:a16="http://schemas.microsoft.com/office/drawing/2014/main" id="{3B9ED29B-1A22-7944-92FB-3F6674F9001E}"/>
+          <p:cNvPr id="19" name="TextBox 18">
+            <a:extLst>
+              <a:ext uri="{FF2B5EF4-FFF2-40B4-BE49-F238E27FC236}">
+                <a16:creationId xmlns:a16="http://schemas.microsoft.com/office/drawing/2014/main" id="{CC94A047-ECCF-C24E-A585-4EDCC5514641}"/>
               </a:ext>
             </a:extLst>
           </p:cNvPr>
@@ -7469,8 +8398,8 @@
         </p:nvSpPr>
         <p:spPr>
           <a:xfrm>
-            <a:off x="0" y="6502829"/>
-            <a:ext cx="5029200" cy="369332"/>
+            <a:off x="7862828" y="5952330"/>
+            <a:ext cx="1303280" cy="369332"/>
           </a:xfrm>
           <a:prstGeom prst="rect">
             <a:avLst/>
@@ -7485,352 +8414,149 @@
           <a:p>
             <a:r>
               <a:rPr lang="en-US" dirty="0"/>
-              <a:t>[1]</a:t>
-            </a:r>
-          </a:p>
-        </p:txBody>
-      </p:sp>
-      <p:cxnSp>
-        <p:nvCxnSpPr>
-          <p:cNvPr id="15" name="Straight Connector 14">
-            <a:extLst>
-              <a:ext uri="{FF2B5EF4-FFF2-40B4-BE49-F238E27FC236}">
-                <a16:creationId xmlns:a16="http://schemas.microsoft.com/office/drawing/2014/main" id="{1C6D5167-6A38-844C-BBD3-90F7BEB3A67D}"/>
-              </a:ext>
-            </a:extLst>
-          </p:cNvPr>
-          <p:cNvCxnSpPr>
-            <a:cxnSpLocks/>
-          </p:cNvCxnSpPr>
+              <a:t>2009 June</a:t>
+            </a:r>
+          </a:p>
+        </p:txBody>
+      </p:sp>
+      <p:sp>
+        <p:nvSpPr>
+          <p:cNvPr id="5" name="Rectangle 4">
+            <a:extLst>
+              <a:ext uri="{FF2B5EF4-FFF2-40B4-BE49-F238E27FC236}">
+                <a16:creationId xmlns:a16="http://schemas.microsoft.com/office/drawing/2014/main" id="{00134407-0709-A04C-A681-A353C7240445}"/>
+              </a:ext>
+            </a:extLst>
+          </p:cNvPr>
+          <p:cNvSpPr/>
           <p:nvPr/>
-        </p:nvCxnSpPr>
-        <p:spPr>
-          <a:xfrm>
-            <a:off x="7495397" y="2429911"/>
-            <a:ext cx="0" cy="3368689"/>
-          </a:xfrm>
-          <a:prstGeom prst="line">
+        </p:nvSpPr>
+        <p:spPr>
+          <a:xfrm>
+            <a:off x="6096000" y="2524627"/>
+            <a:ext cx="5034135" cy="369332"/>
+          </a:xfrm>
+          <a:prstGeom prst="rect">
             <a:avLst/>
           </a:prstGeom>
-          <a:ln w="38100">
-            <a:solidFill>
-              <a:srgbClr val="92D050"/>
-            </a:solidFill>
-            <a:prstDash val="solid"/>
-          </a:ln>
+        </p:spPr>
+        <p:txBody>
+          <a:bodyPr wrap="none">
+            <a:spAutoFit/>
+          </a:bodyPr>
+          <a:lstStyle/>
+          <a:p>
+            <a:r>
+              <a:rPr lang="en-US" dirty="0"/>
+              <a:t>Monthly clients count vs monthly yes rate over time</a:t>
+            </a:r>
+          </a:p>
+        </p:txBody>
+      </p:sp>
+      <p:sp>
+        <p:nvSpPr>
+          <p:cNvPr id="7" name="Rectangle 6">
+            <a:extLst>
+              <a:ext uri="{FF2B5EF4-FFF2-40B4-BE49-F238E27FC236}">
+                <a16:creationId xmlns:a16="http://schemas.microsoft.com/office/drawing/2014/main" id="{62CE7D20-75D7-1D4D-870C-3A6542A9351B}"/>
+              </a:ext>
+            </a:extLst>
+          </p:cNvPr>
+          <p:cNvSpPr/>
+          <p:nvPr/>
+        </p:nvSpPr>
+        <p:spPr>
+          <a:xfrm>
+            <a:off x="6172200" y="3050931"/>
+            <a:ext cx="2218166" cy="2455347"/>
+          </a:xfrm>
+          <a:prstGeom prst="rect">
+            <a:avLst/>
+          </a:prstGeom>
+          <a:solidFill>
+            <a:schemeClr val="accent6">
+              <a:lumMod val="20000"/>
+              <a:lumOff val="80000"/>
+              <a:alpha val="50000"/>
+            </a:schemeClr>
+          </a:solidFill>
         </p:spPr>
         <p:style>
-          <a:lnRef idx="1">
-            <a:schemeClr val="accent1"/>
+          <a:lnRef idx="2">
+            <a:schemeClr val="accent1">
+              <a:shade val="50000"/>
+            </a:schemeClr>
           </a:lnRef>
-          <a:fillRef idx="0">
+          <a:fillRef idx="1">
             <a:schemeClr val="accent1"/>
           </a:fillRef>
           <a:effectRef idx="0">
             <a:schemeClr val="accent1"/>
           </a:effectRef>
           <a:fontRef idx="minor">
-            <a:schemeClr val="tx1"/>
+            <a:schemeClr val="lt1"/>
           </a:fontRef>
         </p:style>
-      </p:cxnSp>
-      <p:sp>
-        <p:nvSpPr>
-          <p:cNvPr id="19" name="TextBox 18">
-            <a:extLst>
-              <a:ext uri="{FF2B5EF4-FFF2-40B4-BE49-F238E27FC236}">
-                <a16:creationId xmlns:a16="http://schemas.microsoft.com/office/drawing/2014/main" id="{CC94A047-ECCF-C24E-A585-4EDCC5514641}"/>
-              </a:ext>
-            </a:extLst>
-          </p:cNvPr>
-          <p:cNvSpPr txBox="1"/>
+        <p:txBody>
+          <a:bodyPr rtlCol="0" anchor="ctr"/>
+          <a:lstStyle/>
+          <a:p>
+            <a:pPr algn="ctr"/>
+            <a:endParaRPr lang="en-US" dirty="0"/>
+          </a:p>
+        </p:txBody>
+      </p:sp>
+      <p:sp>
+        <p:nvSpPr>
+          <p:cNvPr id="18" name="Rectangle 17">
+            <a:extLst>
+              <a:ext uri="{FF2B5EF4-FFF2-40B4-BE49-F238E27FC236}">
+                <a16:creationId xmlns:a16="http://schemas.microsoft.com/office/drawing/2014/main" id="{7B1D47BE-A616-014B-AB9A-C2EF364AAD75}"/>
+              </a:ext>
+            </a:extLst>
+          </p:cNvPr>
+          <p:cNvSpPr/>
           <p:nvPr/>
         </p:nvSpPr>
         <p:spPr>
           <a:xfrm>
-            <a:off x="7482973" y="4960358"/>
-            <a:ext cx="1303280" cy="369332"/>
+            <a:off x="8390366" y="3050931"/>
+            <a:ext cx="2860730" cy="2455347"/>
           </a:xfrm>
           <a:prstGeom prst="rect">
             <a:avLst/>
           </a:prstGeom>
-          <a:noFill/>
-        </p:spPr>
-        <p:txBody>
-          <a:bodyPr wrap="square" rtlCol="0">
-            <a:spAutoFit/>
-          </a:bodyPr>
-          <a:lstStyle/>
-          <a:p>
-            <a:r>
-              <a:rPr lang="en-US" dirty="0"/>
-              <a:t>2009 June</a:t>
-            </a:r>
-          </a:p>
-        </p:txBody>
-      </p:sp>
-      <p:sp>
-        <p:nvSpPr>
-          <p:cNvPr id="21" name="Rectangle 20">
-            <a:extLst>
-              <a:ext uri="{FF2B5EF4-FFF2-40B4-BE49-F238E27FC236}">
-                <a16:creationId xmlns:a16="http://schemas.microsoft.com/office/drawing/2014/main" id="{071D5914-657D-CA4A-978A-D5D61CB96A9C}"/>
-              </a:ext>
-            </a:extLst>
-          </p:cNvPr>
-          <p:cNvSpPr/>
-          <p:nvPr/>
-        </p:nvSpPr>
-        <p:spPr>
-          <a:xfrm>
-            <a:off x="5348833" y="1460743"/>
-            <a:ext cx="4710841" cy="369332"/>
-          </a:xfrm>
-          <a:prstGeom prst="rect">
-            <a:avLst/>
-          </a:prstGeom>
-          <a:ln>
-            <a:solidFill>
-              <a:schemeClr val="tx1"/>
-            </a:solidFill>
-          </a:ln>
-        </p:spPr>
-        <p:txBody>
-          <a:bodyPr wrap="none">
-            <a:spAutoFit/>
-          </a:bodyPr>
-          <a:lstStyle/>
-          <a:p>
-            <a:r>
-              <a:rPr lang="en-US" dirty="0">
-                <a:solidFill>
-                  <a:srgbClr val="FF0000"/>
-                </a:solidFill>
-              </a:rPr>
-              <a:t>Monthly client counts decrease from 3.6K to 310</a:t>
-            </a:r>
-          </a:p>
-        </p:txBody>
-      </p:sp>
-      <p:sp>
-        <p:nvSpPr>
-          <p:cNvPr id="22" name="Rectangle 21">
-            <a:extLst>
-              <a:ext uri="{FF2B5EF4-FFF2-40B4-BE49-F238E27FC236}">
-                <a16:creationId xmlns:a16="http://schemas.microsoft.com/office/drawing/2014/main" id="{3869AA86-4AE5-7F48-8B7B-B8FEA85F4804}"/>
-              </a:ext>
-            </a:extLst>
-          </p:cNvPr>
-          <p:cNvSpPr/>
-          <p:nvPr/>
-        </p:nvSpPr>
-        <p:spPr>
-          <a:xfrm>
-            <a:off x="5461457" y="5952890"/>
-            <a:ext cx="4433393" cy="369332"/>
-          </a:xfrm>
-          <a:prstGeom prst="rect">
-            <a:avLst/>
-          </a:prstGeom>
-          <a:ln>
-            <a:solidFill>
-              <a:schemeClr val="tx1"/>
-            </a:solidFill>
-          </a:ln>
-        </p:spPr>
-        <p:txBody>
-          <a:bodyPr wrap="none">
-            <a:spAutoFit/>
-          </a:bodyPr>
-          <a:lstStyle/>
-          <a:p>
-            <a:r>
-              <a:rPr lang="en-US" dirty="0">
-                <a:solidFill>
-                  <a:schemeClr val="accent1"/>
-                </a:solidFill>
-              </a:rPr>
-              <a:t>Monthly yes rate increase from 16.8% to 47%</a:t>
-            </a:r>
-          </a:p>
-        </p:txBody>
-      </p:sp>
-      <p:cxnSp>
-        <p:nvCxnSpPr>
-          <p:cNvPr id="25" name="Straight Arrow Connector 24">
-            <a:extLst>
-              <a:ext uri="{FF2B5EF4-FFF2-40B4-BE49-F238E27FC236}">
-                <a16:creationId xmlns:a16="http://schemas.microsoft.com/office/drawing/2014/main" id="{2388A6C7-5FE1-4347-9298-451BAC9257B5}"/>
-              </a:ext>
-            </a:extLst>
-          </p:cNvPr>
-          <p:cNvCxnSpPr>
-            <a:cxnSpLocks/>
-          </p:cNvCxnSpPr>
-          <p:nvPr/>
-        </p:nvCxnSpPr>
-        <p:spPr>
-          <a:xfrm flipH="1" flipV="1">
-            <a:off x="6096000" y="5145025"/>
-            <a:ext cx="743219" cy="805231"/>
-          </a:xfrm>
-          <a:prstGeom prst="straightConnector1">
-            <a:avLst/>
-          </a:prstGeom>
-          <a:ln w="38100">
-            <a:solidFill>
-              <a:schemeClr val="tx1"/>
-            </a:solidFill>
-            <a:tailEnd type="triangle"/>
-          </a:ln>
+          <a:solidFill>
+            <a:schemeClr val="accent2">
+              <a:alpha val="50000"/>
+            </a:schemeClr>
+          </a:solidFill>
         </p:spPr>
         <p:style>
-          <a:lnRef idx="1">
-            <a:schemeClr val="accent1"/>
+          <a:lnRef idx="2">
+            <a:schemeClr val="accent1">
+              <a:shade val="50000"/>
+            </a:schemeClr>
           </a:lnRef>
-          <a:fillRef idx="0">
+          <a:fillRef idx="1">
             <a:schemeClr val="accent1"/>
           </a:fillRef>
           <a:effectRef idx="0">
             <a:schemeClr val="accent1"/>
           </a:effectRef>
           <a:fontRef idx="minor">
-            <a:schemeClr val="tx1"/>
+            <a:schemeClr val="lt1"/>
           </a:fontRef>
         </p:style>
-      </p:cxnSp>
-      <p:cxnSp>
-        <p:nvCxnSpPr>
-          <p:cNvPr id="29" name="Straight Arrow Connector 28">
-            <a:extLst>
-              <a:ext uri="{FF2B5EF4-FFF2-40B4-BE49-F238E27FC236}">
-                <a16:creationId xmlns:a16="http://schemas.microsoft.com/office/drawing/2014/main" id="{CA9F049D-0865-EA46-9654-E089ADB8BE80}"/>
-              </a:ext>
-            </a:extLst>
-          </p:cNvPr>
-          <p:cNvCxnSpPr>
-            <a:cxnSpLocks/>
-          </p:cNvCxnSpPr>
-          <p:nvPr/>
-        </p:nvCxnSpPr>
-        <p:spPr>
-          <a:xfrm flipH="1">
-            <a:off x="5967129" y="2001006"/>
-            <a:ext cx="1272567" cy="1101599"/>
-          </a:xfrm>
-          <a:prstGeom prst="straightConnector1">
-            <a:avLst/>
-          </a:prstGeom>
-          <a:ln w="38100">
-            <a:solidFill>
-              <a:schemeClr val="tx1"/>
-            </a:solidFill>
-            <a:tailEnd type="triangle"/>
-          </a:ln>
-        </p:spPr>
-        <p:style>
-          <a:lnRef idx="1">
-            <a:schemeClr val="accent1"/>
-          </a:lnRef>
-          <a:fillRef idx="0">
-            <a:schemeClr val="accent1"/>
-          </a:fillRef>
-          <a:effectRef idx="0">
-            <a:schemeClr val="accent1"/>
-          </a:effectRef>
-          <a:fontRef idx="minor">
-            <a:schemeClr val="tx1"/>
-          </a:fontRef>
-        </p:style>
-      </p:cxnSp>
-      <p:cxnSp>
-        <p:nvCxnSpPr>
-          <p:cNvPr id="36" name="Straight Arrow Connector 35">
-            <a:extLst>
-              <a:ext uri="{FF2B5EF4-FFF2-40B4-BE49-F238E27FC236}">
-                <a16:creationId xmlns:a16="http://schemas.microsoft.com/office/drawing/2014/main" id="{F3DFA4C9-508F-4045-8DBD-00A53FD1788E}"/>
-              </a:ext>
-            </a:extLst>
-          </p:cNvPr>
-          <p:cNvCxnSpPr>
-            <a:cxnSpLocks/>
-          </p:cNvCxnSpPr>
-          <p:nvPr/>
-        </p:nvCxnSpPr>
-        <p:spPr>
-          <a:xfrm flipV="1">
-            <a:off x="7962898" y="3635247"/>
-            <a:ext cx="1266714" cy="2361094"/>
-          </a:xfrm>
-          <a:prstGeom prst="straightConnector1">
-            <a:avLst/>
-          </a:prstGeom>
-          <a:ln w="38100">
-            <a:solidFill>
-              <a:schemeClr val="tx1"/>
-            </a:solidFill>
-            <a:tailEnd type="triangle"/>
-          </a:ln>
-        </p:spPr>
-        <p:style>
-          <a:lnRef idx="1">
-            <a:schemeClr val="accent1"/>
-          </a:lnRef>
-          <a:fillRef idx="0">
-            <a:schemeClr val="accent1"/>
-          </a:fillRef>
-          <a:effectRef idx="0">
-            <a:schemeClr val="accent1"/>
-          </a:effectRef>
-          <a:fontRef idx="minor">
-            <a:schemeClr val="tx1"/>
-          </a:fontRef>
-        </p:style>
-      </p:cxnSp>
-      <p:cxnSp>
-        <p:nvCxnSpPr>
-          <p:cNvPr id="17" name="Straight Arrow Connector 16">
-            <a:extLst>
-              <a:ext uri="{FF2B5EF4-FFF2-40B4-BE49-F238E27FC236}">
-                <a16:creationId xmlns:a16="http://schemas.microsoft.com/office/drawing/2014/main" id="{80D986C1-5FD0-AD41-A49B-F3D901235960}"/>
-              </a:ext>
-            </a:extLst>
-          </p:cNvPr>
-          <p:cNvCxnSpPr>
-            <a:cxnSpLocks/>
-          </p:cNvCxnSpPr>
-          <p:nvPr/>
-        </p:nvCxnSpPr>
-        <p:spPr>
-          <a:xfrm>
-            <a:off x="7482973" y="1984365"/>
-            <a:ext cx="1113282" cy="2129890"/>
-          </a:xfrm>
-          <a:prstGeom prst="straightConnector1">
-            <a:avLst/>
-          </a:prstGeom>
-          <a:ln w="38100">
-            <a:solidFill>
-              <a:schemeClr val="tx1"/>
-            </a:solidFill>
-            <a:tailEnd type="triangle"/>
-          </a:ln>
-        </p:spPr>
-        <p:style>
-          <a:lnRef idx="1">
-            <a:schemeClr val="accent1"/>
-          </a:lnRef>
-          <a:fillRef idx="0">
-            <a:schemeClr val="accent1"/>
-          </a:fillRef>
-          <a:effectRef idx="0">
-            <a:schemeClr val="accent1"/>
-          </a:effectRef>
-          <a:fontRef idx="minor">
-            <a:schemeClr val="tx1"/>
-          </a:fontRef>
-        </p:style>
-      </p:cxnSp>
+        <p:txBody>
+          <a:bodyPr rtlCol="0" anchor="ctr"/>
+          <a:lstStyle/>
+          <a:p>
+            <a:pPr algn="ctr"/>
+            <a:endParaRPr lang="en-US" dirty="0"/>
+          </a:p>
+        </p:txBody>
+      </p:sp>
     </p:spTree>
     <p:extLst>
       <p:ext uri="{BB962C8B-B14F-4D97-AF65-F5344CB8AC3E}">
@@ -8007,10 +8733,10 @@
       </p:pic>
       <p:sp>
         <p:nvSpPr>
-          <p:cNvPr id="4" name="Rectangle 3">
-            <a:extLst>
-              <a:ext uri="{FF2B5EF4-FFF2-40B4-BE49-F238E27FC236}">
-                <a16:creationId xmlns:a16="http://schemas.microsoft.com/office/drawing/2014/main" id="{6294ED60-CAE0-8942-BD7F-66B59A4D4CCC}"/>
+          <p:cNvPr id="11" name="Rectangle 10">
+            <a:extLst>
+              <a:ext uri="{FF2B5EF4-FFF2-40B4-BE49-F238E27FC236}">
+                <a16:creationId xmlns:a16="http://schemas.microsoft.com/office/drawing/2014/main" id="{F52EB41F-3C92-7342-98A6-4C9862305985}"/>
               </a:ext>
             </a:extLst>
           </p:cNvPr>
@@ -8019,8 +8745,8 @@
         </p:nvSpPr>
         <p:spPr>
           <a:xfrm>
-            <a:off x="8337834" y="2745968"/>
-            <a:ext cx="2313197" cy="369332"/>
+            <a:off x="8407190" y="1367617"/>
+            <a:ext cx="927242" cy="369332"/>
           </a:xfrm>
           <a:prstGeom prst="rect">
             <a:avLst/>
@@ -8037,21 +8763,18 @@
           <a:p>
             <a:r>
               <a:rPr lang="en-US" b="1" dirty="0"/>
-              <a:t>Employment number</a:t>
-            </a:r>
-            <a:r>
-              <a:rPr lang="en-US" dirty="0"/>
-              <a:t>  </a:t>
-            </a:r>
-          </a:p>
-        </p:txBody>
-      </p:sp>
-      <p:sp>
-        <p:nvSpPr>
-          <p:cNvPr id="5" name="Rectangle 4">
-            <a:extLst>
-              <a:ext uri="{FF2B5EF4-FFF2-40B4-BE49-F238E27FC236}">
-                <a16:creationId xmlns:a16="http://schemas.microsoft.com/office/drawing/2014/main" id="{4F41A1C4-6D05-1941-97D5-E01CBA9AF053}"/>
+              <a:t>Yes rate</a:t>
+            </a:r>
+            <a:endParaRPr lang="en-US" dirty="0"/>
+          </a:p>
+        </p:txBody>
+      </p:sp>
+      <p:sp>
+        <p:nvSpPr>
+          <p:cNvPr id="12" name="Rectangle 11">
+            <a:extLst>
+              <a:ext uri="{FF2B5EF4-FFF2-40B4-BE49-F238E27FC236}">
+                <a16:creationId xmlns:a16="http://schemas.microsoft.com/office/drawing/2014/main" id="{B1793E1E-2029-D941-8B96-FC572FEEB467}"/>
               </a:ext>
             </a:extLst>
           </p:cNvPr>
@@ -8060,36 +8783,87 @@
         </p:nvSpPr>
         <p:spPr>
           <a:xfrm>
-            <a:off x="8449206" y="5950506"/>
-            <a:ext cx="2305055" cy="369332"/>
+            <a:off x="8387837" y="4035011"/>
+            <a:ext cx="927242" cy="369332"/>
+          </a:xfrm>
+          <a:prstGeom prst="rect">
+            <a:avLst/>
+          </a:prstGeom>
+          <a:noFill/>
+        </p:spPr>
+        <p:txBody>
+          <a:bodyPr wrap="none">
+            <a:spAutoFit/>
+          </a:bodyPr>
+          <a:lstStyle/>
+          <a:p>
+            <a:r>
+              <a:rPr lang="en-US" b="1" dirty="0"/>
+              <a:t>Yes rate</a:t>
+            </a:r>
+            <a:endParaRPr lang="en-US" dirty="0"/>
+          </a:p>
+        </p:txBody>
+      </p:sp>
+      <p:sp>
+        <p:nvSpPr>
+          <p:cNvPr id="16" name="Rectangle 15">
+            <a:extLst>
+              <a:ext uri="{FF2B5EF4-FFF2-40B4-BE49-F238E27FC236}">
+                <a16:creationId xmlns:a16="http://schemas.microsoft.com/office/drawing/2014/main" id="{F64549BC-C789-A445-8F11-E508DF3B4090}"/>
+              </a:ext>
+            </a:extLst>
+          </p:cNvPr>
+          <p:cNvSpPr/>
+          <p:nvPr/>
+        </p:nvSpPr>
+        <p:spPr>
+          <a:xfrm>
+            <a:off x="6095999" y="1667483"/>
+            <a:ext cx="1872279" cy="2009996"/>
           </a:xfrm>
           <a:prstGeom prst="rect">
             <a:avLst/>
           </a:prstGeom>
           <a:solidFill>
-            <a:schemeClr val="bg1"/>
+            <a:schemeClr val="accent6">
+              <a:lumMod val="20000"/>
+              <a:lumOff val="80000"/>
+              <a:alpha val="50000"/>
+            </a:schemeClr>
           </a:solidFill>
         </p:spPr>
-        <p:txBody>
-          <a:bodyPr wrap="none">
-            <a:spAutoFit/>
-          </a:bodyPr>
-          <a:lstStyle/>
-          <a:p>
-            <a:r>
-              <a:rPr lang="en-US" b="1" dirty="0"/>
-              <a:t>Consumer price index </a:t>
-            </a:r>
+        <p:style>
+          <a:lnRef idx="2">
+            <a:schemeClr val="accent1">
+              <a:shade val="50000"/>
+            </a:schemeClr>
+          </a:lnRef>
+          <a:fillRef idx="1">
+            <a:schemeClr val="accent1"/>
+          </a:fillRef>
+          <a:effectRef idx="0">
+            <a:schemeClr val="accent1"/>
+          </a:effectRef>
+          <a:fontRef idx="minor">
+            <a:schemeClr val="lt1"/>
+          </a:fontRef>
+        </p:style>
+        <p:txBody>
+          <a:bodyPr rtlCol="0" anchor="ctr"/>
+          <a:lstStyle/>
+          <a:p>
+            <a:pPr algn="ctr"/>
             <a:endParaRPr lang="en-US" dirty="0"/>
           </a:p>
         </p:txBody>
       </p:sp>
       <p:sp>
         <p:nvSpPr>
-          <p:cNvPr id="11" name="Rectangle 10">
-            <a:extLst>
-              <a:ext uri="{FF2B5EF4-FFF2-40B4-BE49-F238E27FC236}">
-                <a16:creationId xmlns:a16="http://schemas.microsoft.com/office/drawing/2014/main" id="{F52EB41F-3C92-7342-98A6-4C9862305985}"/>
+          <p:cNvPr id="17" name="Rectangle 16">
+            <a:extLst>
+              <a:ext uri="{FF2B5EF4-FFF2-40B4-BE49-F238E27FC236}">
+                <a16:creationId xmlns:a16="http://schemas.microsoft.com/office/drawing/2014/main" id="{BE893210-1A3D-6D4F-91EC-62D135E0C005}"/>
               </a:ext>
             </a:extLst>
           </p:cNvPr>
@@ -8098,36 +8872,49 @@
         </p:nvSpPr>
         <p:spPr>
           <a:xfrm>
-            <a:off x="8338941" y="1506022"/>
-            <a:ext cx="927242" cy="369332"/>
+            <a:off x="7988740" y="1664764"/>
+            <a:ext cx="2089538" cy="2009997"/>
           </a:xfrm>
           <a:prstGeom prst="rect">
             <a:avLst/>
           </a:prstGeom>
           <a:solidFill>
-            <a:schemeClr val="bg1"/>
+            <a:schemeClr val="accent2">
+              <a:alpha val="50000"/>
+            </a:schemeClr>
           </a:solidFill>
         </p:spPr>
-        <p:txBody>
-          <a:bodyPr wrap="none">
-            <a:spAutoFit/>
-          </a:bodyPr>
-          <a:lstStyle/>
-          <a:p>
-            <a:r>
-              <a:rPr lang="en-US" b="1" dirty="0"/>
-              <a:t>Yes rate</a:t>
-            </a:r>
+        <p:style>
+          <a:lnRef idx="2">
+            <a:schemeClr val="accent1">
+              <a:shade val="50000"/>
+            </a:schemeClr>
+          </a:lnRef>
+          <a:fillRef idx="1">
+            <a:schemeClr val="accent1"/>
+          </a:fillRef>
+          <a:effectRef idx="0">
+            <a:schemeClr val="accent1"/>
+          </a:effectRef>
+          <a:fontRef idx="minor">
+            <a:schemeClr val="lt1"/>
+          </a:fontRef>
+        </p:style>
+        <p:txBody>
+          <a:bodyPr rtlCol="0" anchor="ctr"/>
+          <a:lstStyle/>
+          <a:p>
+            <a:pPr algn="ctr"/>
             <a:endParaRPr lang="en-US" dirty="0"/>
           </a:p>
         </p:txBody>
       </p:sp>
       <p:sp>
         <p:nvSpPr>
-          <p:cNvPr id="12" name="Rectangle 11">
-            <a:extLst>
-              <a:ext uri="{FF2B5EF4-FFF2-40B4-BE49-F238E27FC236}">
-                <a16:creationId xmlns:a16="http://schemas.microsoft.com/office/drawing/2014/main" id="{B1793E1E-2029-D941-8B96-FC572FEEB467}"/>
+          <p:cNvPr id="18" name="Rectangle 17">
+            <a:extLst>
+              <a:ext uri="{FF2B5EF4-FFF2-40B4-BE49-F238E27FC236}">
+                <a16:creationId xmlns:a16="http://schemas.microsoft.com/office/drawing/2014/main" id="{E22B9D16-9411-C744-BAEB-F1C2ED1F7AA6}"/>
               </a:ext>
             </a:extLst>
           </p:cNvPr>
@@ -8136,15 +8923,117 @@
         </p:nvSpPr>
         <p:spPr>
           <a:xfrm>
-            <a:off x="8337834" y="4145232"/>
-            <a:ext cx="927242" cy="369332"/>
+            <a:off x="6075537" y="4349698"/>
+            <a:ext cx="1872279" cy="2009996"/>
           </a:xfrm>
           <a:prstGeom prst="rect">
             <a:avLst/>
           </a:prstGeom>
           <a:solidFill>
-            <a:schemeClr val="bg1"/>
+            <a:schemeClr val="accent6">
+              <a:lumMod val="20000"/>
+              <a:lumOff val="80000"/>
+              <a:alpha val="50000"/>
+            </a:schemeClr>
           </a:solidFill>
+        </p:spPr>
+        <p:style>
+          <a:lnRef idx="2">
+            <a:schemeClr val="accent1">
+              <a:shade val="50000"/>
+            </a:schemeClr>
+          </a:lnRef>
+          <a:fillRef idx="1">
+            <a:schemeClr val="accent1"/>
+          </a:fillRef>
+          <a:effectRef idx="0">
+            <a:schemeClr val="accent1"/>
+          </a:effectRef>
+          <a:fontRef idx="minor">
+            <a:schemeClr val="lt1"/>
+          </a:fontRef>
+        </p:style>
+        <p:txBody>
+          <a:bodyPr rtlCol="0" anchor="ctr"/>
+          <a:lstStyle/>
+          <a:p>
+            <a:pPr algn="ctr"/>
+            <a:endParaRPr lang="en-US" dirty="0"/>
+          </a:p>
+        </p:txBody>
+      </p:sp>
+      <p:sp>
+        <p:nvSpPr>
+          <p:cNvPr id="19" name="Rectangle 18">
+            <a:extLst>
+              <a:ext uri="{FF2B5EF4-FFF2-40B4-BE49-F238E27FC236}">
+                <a16:creationId xmlns:a16="http://schemas.microsoft.com/office/drawing/2014/main" id="{16A233B2-C553-CE43-B189-2C12388878CD}"/>
+              </a:ext>
+            </a:extLst>
+          </p:cNvPr>
+          <p:cNvSpPr/>
+          <p:nvPr/>
+        </p:nvSpPr>
+        <p:spPr>
+          <a:xfrm>
+            <a:off x="7968278" y="4346979"/>
+            <a:ext cx="2089538" cy="2009997"/>
+          </a:xfrm>
+          <a:prstGeom prst="rect">
+            <a:avLst/>
+          </a:prstGeom>
+          <a:solidFill>
+            <a:schemeClr val="accent2">
+              <a:alpha val="50000"/>
+            </a:schemeClr>
+          </a:solidFill>
+        </p:spPr>
+        <p:style>
+          <a:lnRef idx="2">
+            <a:schemeClr val="accent1">
+              <a:shade val="50000"/>
+            </a:schemeClr>
+          </a:lnRef>
+          <a:fillRef idx="1">
+            <a:schemeClr val="accent1"/>
+          </a:fillRef>
+          <a:effectRef idx="0">
+            <a:schemeClr val="accent1"/>
+          </a:effectRef>
+          <a:fontRef idx="minor">
+            <a:schemeClr val="lt1"/>
+          </a:fontRef>
+        </p:style>
+        <p:txBody>
+          <a:bodyPr rtlCol="0" anchor="ctr"/>
+          <a:lstStyle/>
+          <a:p>
+            <a:pPr algn="ctr"/>
+            <a:endParaRPr lang="en-US" dirty="0"/>
+          </a:p>
+        </p:txBody>
+      </p:sp>
+      <p:sp>
+        <p:nvSpPr>
+          <p:cNvPr id="20" name="Rectangle 19">
+            <a:extLst>
+              <a:ext uri="{FF2B5EF4-FFF2-40B4-BE49-F238E27FC236}">
+                <a16:creationId xmlns:a16="http://schemas.microsoft.com/office/drawing/2014/main" id="{B943D199-9567-B542-BC3C-B2525D87C49E}"/>
+              </a:ext>
+            </a:extLst>
+          </p:cNvPr>
+          <p:cNvSpPr/>
+          <p:nvPr/>
+        </p:nvSpPr>
+        <p:spPr>
+          <a:xfrm>
+            <a:off x="8592022" y="5950506"/>
+            <a:ext cx="2305055" cy="369332"/>
+          </a:xfrm>
+          <a:prstGeom prst="rect">
+            <a:avLst/>
+          </a:prstGeom>
+          <a:noFill/>
         </p:spPr>
         <p:txBody>
           <a:bodyPr wrap="none">
@@ -8154,9 +9043,48 @@
           <a:p>
             <a:r>
               <a:rPr lang="en-US" b="1" dirty="0"/>
-              <a:t>Yes rate</a:t>
+              <a:t>Consumer price index </a:t>
             </a:r>
             <a:endParaRPr lang="en-US" dirty="0"/>
+          </a:p>
+        </p:txBody>
+      </p:sp>
+      <p:sp>
+        <p:nvSpPr>
+          <p:cNvPr id="21" name="Rectangle 20">
+            <a:extLst>
+              <a:ext uri="{FF2B5EF4-FFF2-40B4-BE49-F238E27FC236}">
+                <a16:creationId xmlns:a16="http://schemas.microsoft.com/office/drawing/2014/main" id="{A6AAB395-E6E6-EB41-9B6D-0B07A360DBF2}"/>
+              </a:ext>
+            </a:extLst>
+          </p:cNvPr>
+          <p:cNvSpPr/>
+          <p:nvPr/>
+        </p:nvSpPr>
+        <p:spPr>
+          <a:xfrm>
+            <a:off x="8337834" y="2745968"/>
+            <a:ext cx="2313197" cy="369332"/>
+          </a:xfrm>
+          <a:prstGeom prst="rect">
+            <a:avLst/>
+          </a:prstGeom>
+          <a:noFill/>
+        </p:spPr>
+        <p:txBody>
+          <a:bodyPr wrap="none">
+            <a:spAutoFit/>
+          </a:bodyPr>
+          <a:lstStyle/>
+          <a:p>
+            <a:r>
+              <a:rPr lang="en-US" b="1" dirty="0"/>
+              <a:t>Employment number</a:t>
+            </a:r>
+            <a:r>
+              <a:rPr lang="en-US" dirty="0"/>
+              <a:t>  </a:t>
+            </a:r>
           </a:p>
         </p:txBody>
       </p:sp>
@@ -8213,7 +9141,7 @@
           <a:p>
             <a:r>
               <a:rPr lang="en-US" dirty="0"/>
-              <a:t>3.3 EDA: Histograms</a:t>
+              <a:t>3.3 EDA: Histograms of all clients</a:t>
             </a:r>
           </a:p>
         </p:txBody>
@@ -8240,7 +9168,7 @@
         </p:blipFill>
         <p:spPr>
           <a:xfrm>
-            <a:off x="1479724" y="3762825"/>
+            <a:off x="2659108" y="3116494"/>
             <a:ext cx="2997119" cy="2730050"/>
           </a:xfrm>
           <a:prstGeom prst="rect">
@@ -8248,102 +9176,12 @@
           </a:prstGeom>
         </p:spPr>
       </p:pic>
-      <p:sp>
-        <p:nvSpPr>
-          <p:cNvPr id="8" name="TextBox 7">
-            <a:extLst>
-              <a:ext uri="{FF2B5EF4-FFF2-40B4-BE49-F238E27FC236}">
-                <a16:creationId xmlns:a16="http://schemas.microsoft.com/office/drawing/2014/main" id="{425DE7E2-E211-4A48-AC26-A9ABDAF3CD61}"/>
-              </a:ext>
-            </a:extLst>
-          </p:cNvPr>
-          <p:cNvSpPr txBox="1"/>
-          <p:nvPr/>
-        </p:nvSpPr>
-        <p:spPr>
-          <a:xfrm>
-            <a:off x="435720" y="1176793"/>
-            <a:ext cx="8197801" cy="1107996"/>
-          </a:xfrm>
-          <a:prstGeom prst="rect">
-            <a:avLst/>
-          </a:prstGeom>
-          <a:noFill/>
-        </p:spPr>
-        <p:txBody>
-          <a:bodyPr wrap="square" rtlCol="0">
-            <a:spAutoFit/>
-          </a:bodyPr>
-          <a:lstStyle/>
-          <a:p>
-            <a:endParaRPr lang="en-US" sz="2200" dirty="0"/>
-          </a:p>
-          <a:p>
-            <a:pPr marL="342900" indent="-342900">
-              <a:buFont typeface="Arial" panose="020B0604020202020204" pitchFamily="34" charset="0"/>
-              <a:buChar char="•"/>
-            </a:pPr>
-            <a:r>
-              <a:rPr lang="en-US" sz="2200" dirty="0"/>
-              <a:t>Age: client age</a:t>
-            </a:r>
-          </a:p>
-          <a:p>
-            <a:pPr marL="342900" indent="-342900">
-              <a:buFont typeface="Arial" panose="020B0604020202020204" pitchFamily="34" charset="0"/>
-              <a:buChar char="•"/>
-            </a:pPr>
-            <a:r>
-              <a:rPr lang="en-US" sz="2200" dirty="0"/>
-              <a:t>Campaign: number of contacts performed during this campaign </a:t>
-            </a:r>
-          </a:p>
-        </p:txBody>
-      </p:sp>
-      <p:sp>
-        <p:nvSpPr>
-          <p:cNvPr id="9" name="Rectangle 8">
-            <a:extLst>
-              <a:ext uri="{FF2B5EF4-FFF2-40B4-BE49-F238E27FC236}">
-                <a16:creationId xmlns:a16="http://schemas.microsoft.com/office/drawing/2014/main" id="{A5F50AC8-BF2D-CE40-AC20-AD157009B588}"/>
-              </a:ext>
-            </a:extLst>
-          </p:cNvPr>
-          <p:cNvSpPr/>
-          <p:nvPr/>
-        </p:nvSpPr>
-        <p:spPr>
-          <a:xfrm>
-            <a:off x="7512070" y="2782669"/>
-            <a:ext cx="3351610" cy="646331"/>
-          </a:xfrm>
-          <a:prstGeom prst="rect">
-            <a:avLst/>
-          </a:prstGeom>
-        </p:spPr>
-        <p:txBody>
-          <a:bodyPr wrap="square">
-            <a:spAutoFit/>
-          </a:bodyPr>
-          <a:lstStyle/>
-          <a:p>
-            <a:pPr marL="285750" indent="-285750">
-              <a:buFont typeface="Arial" panose="020B0604020202020204" pitchFamily="34" charset="0"/>
-              <a:buChar char="•"/>
-            </a:pPr>
-            <a:r>
-              <a:rPr lang="en-US" dirty="0"/>
-              <a:t>The median number of contacts decrease from 2 to 1 </a:t>
-            </a:r>
-          </a:p>
-        </p:txBody>
-      </p:sp>
       <p:pic>
         <p:nvPicPr>
-          <p:cNvPr id="12" name="Picture 11">
-            <a:extLst>
-              <a:ext uri="{FF2B5EF4-FFF2-40B4-BE49-F238E27FC236}">
-                <a16:creationId xmlns:a16="http://schemas.microsoft.com/office/drawing/2014/main" id="{0BF271FA-AD1D-1745-8FF5-E3C9FAC215FB}"/>
+          <p:cNvPr id="14" name="Picture 13">
+            <a:extLst>
+              <a:ext uri="{FF2B5EF4-FFF2-40B4-BE49-F238E27FC236}">
+                <a16:creationId xmlns:a16="http://schemas.microsoft.com/office/drawing/2014/main" id="{EB172F64-6F89-C647-B304-2C458B5C16A8}"/>
               </a:ext>
             </a:extLst>
           </p:cNvPr>
@@ -8360,50 +9198,62 @@
         </p:blipFill>
         <p:spPr>
           <a:xfrm>
-            <a:off x="4268705" y="3802928"/>
-            <a:ext cx="2963195" cy="2730050"/>
+            <a:off x="6318346" y="3053343"/>
+            <a:ext cx="2733682" cy="2810256"/>
           </a:xfrm>
           <a:prstGeom prst="rect">
             <a:avLst/>
           </a:prstGeom>
         </p:spPr>
       </p:pic>
-      <p:pic>
-        <p:nvPicPr>
-          <p:cNvPr id="14" name="Picture 13">
-            <a:extLst>
-              <a:ext uri="{FF2B5EF4-FFF2-40B4-BE49-F238E27FC236}">
-                <a16:creationId xmlns:a16="http://schemas.microsoft.com/office/drawing/2014/main" id="{EB172F64-6F89-C647-B304-2C458B5C16A8}"/>
-              </a:ext>
-            </a:extLst>
-          </p:cNvPr>
-          <p:cNvPicPr>
-            <a:picLocks noChangeAspect="1"/>
-          </p:cNvPicPr>
+      <p:sp>
+        <p:nvSpPr>
+          <p:cNvPr id="5" name="Rectangle 4">
+            <a:extLst>
+              <a:ext uri="{FF2B5EF4-FFF2-40B4-BE49-F238E27FC236}">
+                <a16:creationId xmlns:a16="http://schemas.microsoft.com/office/drawing/2014/main" id="{7A209121-56E3-1E43-9EAD-4A46CBA11E5B}"/>
+              </a:ext>
+            </a:extLst>
+          </p:cNvPr>
+          <p:cNvSpPr/>
           <p:nvPr/>
-        </p:nvPicPr>
-        <p:blipFill>
-          <a:blip r:embed="rId5"/>
-          <a:stretch>
-            <a:fillRect/>
-          </a:stretch>
-        </p:blipFill>
-        <p:spPr>
-          <a:xfrm>
-            <a:off x="7266680" y="3721982"/>
-            <a:ext cx="2733682" cy="2810256"/>
+        </p:nvSpPr>
+        <p:spPr>
+          <a:xfrm>
+            <a:off x="2851709" y="5832523"/>
+            <a:ext cx="2769348" cy="646331"/>
           </a:xfrm>
           <a:prstGeom prst="rect">
             <a:avLst/>
           </a:prstGeom>
         </p:spPr>
-      </p:pic>
-      <p:sp>
-        <p:nvSpPr>
-          <p:cNvPr id="3" name="Rectangle 2">
-            <a:extLst>
-              <a:ext uri="{FF2B5EF4-FFF2-40B4-BE49-F238E27FC236}">
-                <a16:creationId xmlns:a16="http://schemas.microsoft.com/office/drawing/2014/main" id="{827A1755-5691-974E-B980-CDFC13BF0FE6}"/>
+        <p:txBody>
+          <a:bodyPr wrap="none">
+            <a:spAutoFit/>
+          </a:bodyPr>
+          <a:lstStyle/>
+          <a:p>
+            <a:pPr algn="ctr"/>
+            <a:r>
+              <a:rPr lang="en-US" dirty="0"/>
+              <a:t>Age of clients </a:t>
+            </a:r>
+          </a:p>
+          <a:p>
+            <a:pPr algn="ctr"/>
+            <a:r>
+              <a:rPr lang="en-US" dirty="0"/>
+              <a:t>before and after 2009 June </a:t>
+            </a:r>
+          </a:p>
+        </p:txBody>
+      </p:sp>
+      <p:sp>
+        <p:nvSpPr>
+          <p:cNvPr id="17" name="Rectangle 16">
+            <a:extLst>
+              <a:ext uri="{FF2B5EF4-FFF2-40B4-BE49-F238E27FC236}">
+                <a16:creationId xmlns:a16="http://schemas.microsoft.com/office/drawing/2014/main" id="{550EE798-18C9-F543-952E-B225C1932727}"/>
               </a:ext>
             </a:extLst>
           </p:cNvPr>
@@ -8412,201 +9262,229 @@
         </p:nvSpPr>
         <p:spPr>
           <a:xfrm>
-            <a:off x="1328320" y="2747162"/>
-            <a:ext cx="3299925" cy="923330"/>
+            <a:off x="6535774" y="5853172"/>
+            <a:ext cx="2769348" cy="646331"/>
           </a:xfrm>
           <a:prstGeom prst="rect">
             <a:avLst/>
           </a:prstGeom>
         </p:spPr>
         <p:txBody>
-          <a:bodyPr wrap="square">
+          <a:bodyPr wrap="none">
             <a:spAutoFit/>
           </a:bodyPr>
           <a:lstStyle/>
           <a:p>
-            <a:pPr marL="285750" indent="-285750">
+            <a:pPr algn="ctr"/>
+            <a:r>
+              <a:rPr lang="en-US" dirty="0"/>
+              <a:t>Number of contacts</a:t>
+            </a:r>
+          </a:p>
+          <a:p>
+            <a:pPr algn="ctr"/>
+            <a:r>
+              <a:rPr lang="en-US" dirty="0"/>
+              <a:t>before and after 2009 June </a:t>
+            </a:r>
+          </a:p>
+        </p:txBody>
+      </p:sp>
+      <p:sp>
+        <p:nvSpPr>
+          <p:cNvPr id="18" name="TextBox 17">
+            <a:extLst>
+              <a:ext uri="{FF2B5EF4-FFF2-40B4-BE49-F238E27FC236}">
+                <a16:creationId xmlns:a16="http://schemas.microsoft.com/office/drawing/2014/main" id="{3123C888-A52B-7148-8AE8-F1C6B4DF8242}"/>
+              </a:ext>
+            </a:extLst>
+          </p:cNvPr>
+          <p:cNvSpPr txBox="1"/>
+          <p:nvPr/>
+        </p:nvSpPr>
+        <p:spPr>
+          <a:xfrm>
+            <a:off x="368314" y="1122102"/>
+            <a:ext cx="11307853" cy="1446550"/>
+          </a:xfrm>
+          <a:prstGeom prst="rect">
+            <a:avLst/>
+          </a:prstGeom>
+          <a:noFill/>
+        </p:spPr>
+        <p:txBody>
+          <a:bodyPr wrap="square" rtlCol="0">
+            <a:spAutoFit/>
+          </a:bodyPr>
+          <a:lstStyle/>
+          <a:p>
+            <a:endParaRPr lang="en-US" sz="2200" dirty="0"/>
+          </a:p>
+          <a:p>
+            <a:pPr marL="342900" indent="-342900">
               <a:buFont typeface="Arial" panose="020B0604020202020204" pitchFamily="34" charset="0"/>
               <a:buChar char="•"/>
             </a:pPr>
-            <a:r>
-              <a:rPr lang="en-US" dirty="0"/>
-              <a:t>The age of clients spreads from the center to younger and older groups</a:t>
-            </a:r>
-          </a:p>
-        </p:txBody>
-      </p:sp>
-      <p:cxnSp>
-        <p:nvCxnSpPr>
-          <p:cNvPr id="10" name="Straight Arrow Connector 9">
-            <a:extLst>
-              <a:ext uri="{FF2B5EF4-FFF2-40B4-BE49-F238E27FC236}">
-                <a16:creationId xmlns:a16="http://schemas.microsoft.com/office/drawing/2014/main" id="{55D4BF69-4CC7-2740-82D4-CAAB4F09A025}"/>
-              </a:ext>
-            </a:extLst>
-          </p:cNvPr>
-          <p:cNvCxnSpPr>
-            <a:cxnSpLocks/>
-          </p:cNvCxnSpPr>
+            <a:endParaRPr lang="en-US" sz="2200" dirty="0"/>
+          </a:p>
+          <a:p>
+            <a:pPr marL="342900" indent="-342900">
+              <a:buFont typeface="Arial" panose="020B0604020202020204" pitchFamily="34" charset="0"/>
+              <a:buChar char="•"/>
+            </a:pPr>
+            <a:r>
+              <a:rPr lang="en-US" sz="2200" dirty="0"/>
+              <a:t>Plot A: proportion of older and younger people contacted increase after 2009 June</a:t>
+            </a:r>
+          </a:p>
+          <a:p>
+            <a:pPr marL="342900" indent="-342900">
+              <a:buFont typeface="Arial" panose="020B0604020202020204" pitchFamily="34" charset="0"/>
+              <a:buChar char="•"/>
+            </a:pPr>
+            <a:r>
+              <a:rPr lang="en-US" sz="2200" dirty="0"/>
+              <a:t>Plot B: number of contacts per client decrease after 2009 June </a:t>
+            </a:r>
+          </a:p>
+        </p:txBody>
+      </p:sp>
+      <p:sp>
+        <p:nvSpPr>
+          <p:cNvPr id="6" name="Rectangle 5">
+            <a:extLst>
+              <a:ext uri="{FF2B5EF4-FFF2-40B4-BE49-F238E27FC236}">
+                <a16:creationId xmlns:a16="http://schemas.microsoft.com/office/drawing/2014/main" id="{E1123E21-EB53-454D-83AA-806524C5447C}"/>
+              </a:ext>
+            </a:extLst>
+          </p:cNvPr>
+          <p:cNvSpPr/>
           <p:nvPr/>
-        </p:nvCxnSpPr>
-        <p:spPr>
-          <a:xfrm>
-            <a:off x="2978282" y="3670492"/>
-            <a:ext cx="395307" cy="2411809"/>
-          </a:xfrm>
-          <a:prstGeom prst="straightConnector1">
+        </p:nvSpPr>
+        <p:spPr>
+          <a:xfrm>
+            <a:off x="2730342" y="2914773"/>
+            <a:ext cx="740908" cy="369332"/>
+          </a:xfrm>
+          <a:prstGeom prst="rect">
             <a:avLst/>
           </a:prstGeom>
-          <a:ln w="38100">
+          <a:solidFill>
+            <a:schemeClr val="bg1"/>
+          </a:solidFill>
+          <a:ln>
             <a:solidFill>
               <a:schemeClr val="tx1"/>
             </a:solidFill>
-            <a:tailEnd type="triangle"/>
           </a:ln>
         </p:spPr>
+        <p:txBody>
+          <a:bodyPr wrap="none">
+            <a:spAutoFit/>
+          </a:bodyPr>
+          <a:lstStyle/>
+          <a:p>
+            <a:r>
+              <a:rPr lang="en-US" dirty="0"/>
+              <a:t>Plot A</a:t>
+            </a:r>
+          </a:p>
+        </p:txBody>
+      </p:sp>
+      <p:sp>
+        <p:nvSpPr>
+          <p:cNvPr id="19" name="Rectangle 18">
+            <a:extLst>
+              <a:ext uri="{FF2B5EF4-FFF2-40B4-BE49-F238E27FC236}">
+                <a16:creationId xmlns:a16="http://schemas.microsoft.com/office/drawing/2014/main" id="{339AE11F-0733-DE46-BD7E-438B013B4731}"/>
+              </a:ext>
+            </a:extLst>
+          </p:cNvPr>
+          <p:cNvSpPr/>
+          <p:nvPr/>
+        </p:nvSpPr>
+        <p:spPr>
+          <a:xfrm>
+            <a:off x="6169328" y="2889043"/>
+            <a:ext cx="732893" cy="369332"/>
+          </a:xfrm>
+          <a:prstGeom prst="rect">
+            <a:avLst/>
+          </a:prstGeom>
+          <a:solidFill>
+            <a:schemeClr val="bg1"/>
+          </a:solidFill>
+          <a:ln>
+            <a:solidFill>
+              <a:schemeClr val="tx1"/>
+            </a:solidFill>
+          </a:ln>
+        </p:spPr>
+        <p:txBody>
+          <a:bodyPr wrap="none">
+            <a:spAutoFit/>
+          </a:bodyPr>
+          <a:lstStyle/>
+          <a:p>
+            <a:r>
+              <a:rPr lang="en-US" dirty="0"/>
+              <a:t>Plot B</a:t>
+            </a:r>
+          </a:p>
+        </p:txBody>
+      </p:sp>
+      <p:sp>
+        <p:nvSpPr>
+          <p:cNvPr id="11" name="Rectangle 10">
+            <a:extLst>
+              <a:ext uri="{FF2B5EF4-FFF2-40B4-BE49-F238E27FC236}">
+                <a16:creationId xmlns:a16="http://schemas.microsoft.com/office/drawing/2014/main" id="{5F8E798B-B5FE-AB4B-A492-3E9001BE0E58}"/>
+              </a:ext>
+            </a:extLst>
+          </p:cNvPr>
+          <p:cNvSpPr/>
+          <p:nvPr/>
+        </p:nvSpPr>
+        <p:spPr>
+          <a:xfrm>
+            <a:off x="5621057" y="3200400"/>
+            <a:ext cx="272847" cy="2663199"/>
+          </a:xfrm>
+          <a:prstGeom prst="rect">
+            <a:avLst/>
+          </a:prstGeom>
+          <a:solidFill>
+            <a:schemeClr val="bg1"/>
+          </a:solidFill>
+          <a:ln>
+            <a:noFill/>
+          </a:ln>
+        </p:spPr>
         <p:style>
-          <a:lnRef idx="1">
-            <a:schemeClr val="accent1"/>
+          <a:lnRef idx="2">
+            <a:schemeClr val="accent1">
+              <a:shade val="50000"/>
+            </a:schemeClr>
           </a:lnRef>
-          <a:fillRef idx="0">
+          <a:fillRef idx="1">
             <a:schemeClr val="accent1"/>
           </a:fillRef>
           <a:effectRef idx="0">
             <a:schemeClr val="accent1"/>
           </a:effectRef>
           <a:fontRef idx="minor">
-            <a:schemeClr val="tx1"/>
+            <a:schemeClr val="lt1"/>
           </a:fontRef>
         </p:style>
-      </p:cxnSp>
-      <p:sp>
-        <p:nvSpPr>
-          <p:cNvPr id="7" name="Rectangle 6">
-            <a:extLst>
-              <a:ext uri="{FF2B5EF4-FFF2-40B4-BE49-F238E27FC236}">
-                <a16:creationId xmlns:a16="http://schemas.microsoft.com/office/drawing/2014/main" id="{34CDEA19-5753-9B48-AC3F-CBC6665D89B8}"/>
-              </a:ext>
-            </a:extLst>
-          </p:cNvPr>
-          <p:cNvSpPr/>
-          <p:nvPr/>
-        </p:nvSpPr>
-        <p:spPr>
-          <a:xfrm>
-            <a:off x="4786871" y="2746422"/>
-            <a:ext cx="2618258" cy="923330"/>
-          </a:xfrm>
-          <a:prstGeom prst="rect">
-            <a:avLst/>
-          </a:prstGeom>
-        </p:spPr>
-        <p:txBody>
-          <a:bodyPr wrap="square">
-            <a:spAutoFit/>
-          </a:bodyPr>
-          <a:lstStyle/>
-          <a:p>
-            <a:pPr marL="285750" indent="-285750">
-              <a:buFont typeface="Arial" panose="020B0604020202020204" pitchFamily="34" charset="0"/>
-              <a:buChar char="•"/>
-            </a:pPr>
-            <a:r>
-              <a:rPr lang="en-US" dirty="0"/>
-              <a:t>The younger and older groups also have a higher yes rate </a:t>
-            </a:r>
-          </a:p>
-        </p:txBody>
-      </p:sp>
-      <p:cxnSp>
-        <p:nvCxnSpPr>
-          <p:cNvPr id="13" name="Straight Arrow Connector 12">
-            <a:extLst>
-              <a:ext uri="{FF2B5EF4-FFF2-40B4-BE49-F238E27FC236}">
-                <a16:creationId xmlns:a16="http://schemas.microsoft.com/office/drawing/2014/main" id="{85E6A561-4818-564B-A531-5854F20BB4E1}"/>
-              </a:ext>
-            </a:extLst>
-          </p:cNvPr>
-          <p:cNvCxnSpPr>
-            <a:cxnSpLocks/>
-            <a:stCxn id="7" idx="2"/>
-          </p:cNvCxnSpPr>
-          <p:nvPr/>
-        </p:nvCxnSpPr>
-        <p:spPr>
-          <a:xfrm>
-            <a:off x="6096000" y="3669752"/>
-            <a:ext cx="291589" cy="2544245"/>
-          </a:xfrm>
-          <a:prstGeom prst="straightConnector1">
-            <a:avLst/>
-          </a:prstGeom>
-          <a:ln w="38100">
-            <a:solidFill>
-              <a:schemeClr val="tx1"/>
-            </a:solidFill>
-            <a:tailEnd type="triangle"/>
-          </a:ln>
-        </p:spPr>
-        <p:style>
-          <a:lnRef idx="1">
-            <a:schemeClr val="accent1"/>
-          </a:lnRef>
-          <a:fillRef idx="0">
-            <a:schemeClr val="accent1"/>
-          </a:fillRef>
-          <a:effectRef idx="0">
-            <a:schemeClr val="accent1"/>
-          </a:effectRef>
-          <a:fontRef idx="minor">
-            <a:schemeClr val="tx1"/>
-          </a:fontRef>
-        </p:style>
-      </p:cxnSp>
-      <p:cxnSp>
-        <p:nvCxnSpPr>
-          <p:cNvPr id="15" name="Straight Arrow Connector 14">
-            <a:extLst>
-              <a:ext uri="{FF2B5EF4-FFF2-40B4-BE49-F238E27FC236}">
-                <a16:creationId xmlns:a16="http://schemas.microsoft.com/office/drawing/2014/main" id="{47653D66-6B0E-2042-A068-0FE80C103B4A}"/>
-              </a:ext>
-            </a:extLst>
-          </p:cNvPr>
-          <p:cNvCxnSpPr>
-            <a:cxnSpLocks/>
-          </p:cNvCxnSpPr>
-          <p:nvPr/>
-        </p:nvCxnSpPr>
-        <p:spPr>
-          <a:xfrm flipH="1">
-            <a:off x="7800871" y="3429000"/>
-            <a:ext cx="832650" cy="1738953"/>
-          </a:xfrm>
-          <a:prstGeom prst="straightConnector1">
-            <a:avLst/>
-          </a:prstGeom>
-          <a:ln w="38100">
-            <a:solidFill>
-              <a:schemeClr val="tx1"/>
-            </a:solidFill>
-            <a:tailEnd type="triangle"/>
-          </a:ln>
-        </p:spPr>
-        <p:style>
-          <a:lnRef idx="1">
-            <a:schemeClr val="accent1"/>
-          </a:lnRef>
-          <a:fillRef idx="0">
-            <a:schemeClr val="accent1"/>
-          </a:fillRef>
-          <a:effectRef idx="0">
-            <a:schemeClr val="accent1"/>
-          </a:effectRef>
-          <a:fontRef idx="minor">
-            <a:schemeClr val="tx1"/>
-          </a:fontRef>
-        </p:style>
-      </p:cxnSp>
+        <p:txBody>
+          <a:bodyPr rtlCol="0" anchor="ctr"/>
+          <a:lstStyle/>
+          <a:p>
+            <a:pPr algn="ctr"/>
+            <a:endParaRPr lang="en-US"/>
+          </a:p>
+        </p:txBody>
+      </p:sp>
     </p:spTree>
     <p:extLst>
       <p:ext uri="{BB962C8B-B14F-4D97-AF65-F5344CB8AC3E}">
@@ -8653,14 +9531,19 @@
             <p:ph type="title"/>
           </p:nvPr>
         </p:nvSpPr>
-        <p:spPr/>
+        <p:spPr>
+          <a:xfrm>
+            <a:off x="184200" y="-98738"/>
+            <a:ext cx="10515600" cy="1325563"/>
+          </a:xfrm>
+        </p:spPr>
         <p:txBody>
           <a:bodyPr/>
           <a:lstStyle/>
           <a:p>
             <a:r>
               <a:rPr lang="en-US" dirty="0"/>
-              <a:t>3.3 EDA: Histograms (Continue) </a:t>
+              <a:t>3.3 EDA: Histograms of yes clients</a:t>
             </a:r>
           </a:p>
         </p:txBody>
@@ -8683,8 +9566,8 @@
         </p:nvSpPr>
         <p:spPr>
           <a:xfrm>
-            <a:off x="301751" y="1776857"/>
-            <a:ext cx="6464809" cy="1830352"/>
+            <a:off x="266812" y="914400"/>
+            <a:ext cx="7409103" cy="2026026"/>
           </a:xfrm>
         </p:spPr>
         <p:txBody>
@@ -8694,28 +9577,42 @@
           <a:lstStyle/>
           <a:p>
             <a:r>
-              <a:rPr lang="en-US" sz="2200" dirty="0"/>
-              <a:t>Duration: call duration</a:t>
-            </a:r>
-          </a:p>
-          <a:p>
-            <a:r>
-              <a:rPr lang="en-US" sz="2200" dirty="0" err="1"/>
+              <a:rPr lang="en-US" sz="1800" dirty="0"/>
+              <a:t>Plot A: In the yes clients, proportion of older and younger people increase after 2009 June</a:t>
+            </a:r>
+          </a:p>
+          <a:p>
+            <a:r>
+              <a:rPr lang="en-US" sz="1800" dirty="0"/>
+              <a:t>Plot B: in the yes clients, call duration decreases after 2009 June</a:t>
+            </a:r>
+          </a:p>
+          <a:p>
+            <a:r>
+              <a:rPr lang="en-US" sz="1600" dirty="0"/>
+              <a:t>Plot C:</a:t>
+            </a:r>
+          </a:p>
+          <a:p>
+            <a:pPr lvl="1"/>
+            <a:r>
+              <a:rPr lang="en-US" sz="1600" dirty="0" err="1"/>
               <a:t>Pdays</a:t>
             </a:r>
             <a:r>
-              <a:rPr lang="en-US" sz="2200" dirty="0"/>
-              <a:t>: number of days that passed by after clients was contacted from previous campaign</a:t>
+              <a:rPr lang="en-US" sz="1600" dirty="0"/>
+              <a:t> = number of  days after clients contacted by from previous campaign </a:t>
+            </a:r>
+          </a:p>
+          <a:p>
+            <a:pPr lvl="1"/>
+            <a:r>
+              <a:rPr lang="en-US" sz="1600" dirty="0"/>
+              <a:t>In the yes clients, proportion of first time contact clients reduces , after 2009 June</a:t>
             </a:r>
           </a:p>
           <a:p>
             <a:endParaRPr lang="en-US" sz="2200" dirty="0"/>
-          </a:p>
-          <a:p>
-            <a:r>
-              <a:rPr lang="en-US" sz="2200" dirty="0"/>
-              <a:t>For clients choose yes</a:t>
-            </a:r>
           </a:p>
           <a:p>
             <a:pPr marL="0" indent="0">
@@ -8743,36 +9640,6 @@
             <a:extLst>
               <a:ext uri="{FF2B5EF4-FFF2-40B4-BE49-F238E27FC236}">
                 <a16:creationId xmlns:a16="http://schemas.microsoft.com/office/drawing/2014/main" id="{FC6FA4C6-8AFA-774A-9561-C4674B131F72}"/>
-              </a:ext>
-            </a:extLst>
-          </p:cNvPr>
-          <p:cNvPicPr>
-            <a:picLocks noChangeAspect="1"/>
-          </p:cNvPicPr>
-          <p:nvPr/>
-        </p:nvPicPr>
-        <p:blipFill>
-          <a:blip r:embed="rId2"/>
-          <a:stretch>
-            <a:fillRect/>
-          </a:stretch>
-        </p:blipFill>
-        <p:spPr>
-          <a:xfrm>
-            <a:off x="4821219" y="3133121"/>
-            <a:ext cx="3086985" cy="3071072"/>
-          </a:xfrm>
-          <a:prstGeom prst="rect">
-            <a:avLst/>
-          </a:prstGeom>
-        </p:spPr>
-      </p:pic>
-      <p:pic>
-        <p:nvPicPr>
-          <p:cNvPr id="5" name="Picture 4">
-            <a:extLst>
-              <a:ext uri="{FF2B5EF4-FFF2-40B4-BE49-F238E27FC236}">
-                <a16:creationId xmlns:a16="http://schemas.microsoft.com/office/drawing/2014/main" id="{F1C02298-BD64-504E-B45E-3DD935620F8F}"/>
               </a:ext>
             </a:extLst>
           </p:cNvPr>
@@ -8789,112 +9656,336 @@
         </p:blipFill>
         <p:spPr>
           <a:xfrm>
-            <a:off x="8764206" y="3244334"/>
-            <a:ext cx="3119563" cy="3071072"/>
+            <a:off x="4887947" y="3194954"/>
+            <a:ext cx="3086985" cy="3071072"/>
           </a:xfrm>
           <a:prstGeom prst="rect">
             <a:avLst/>
           </a:prstGeom>
         </p:spPr>
       </p:pic>
-      <p:sp>
-        <p:nvSpPr>
-          <p:cNvPr id="8" name="Rectangle 7">
-            <a:extLst>
-              <a:ext uri="{FF2B5EF4-FFF2-40B4-BE49-F238E27FC236}">
-                <a16:creationId xmlns:a16="http://schemas.microsoft.com/office/drawing/2014/main" id="{899A6630-095B-084B-A8F7-FE041C8456C5}"/>
-              </a:ext>
-            </a:extLst>
-          </p:cNvPr>
-          <p:cNvSpPr/>
+      <p:pic>
+        <p:nvPicPr>
+          <p:cNvPr id="5" name="Picture 4">
+            <a:extLst>
+              <a:ext uri="{FF2B5EF4-FFF2-40B4-BE49-F238E27FC236}">
+                <a16:creationId xmlns:a16="http://schemas.microsoft.com/office/drawing/2014/main" id="{F1C02298-BD64-504E-B45E-3DD935620F8F}"/>
+              </a:ext>
+            </a:extLst>
+          </p:cNvPr>
+          <p:cNvPicPr>
+            <a:picLocks noChangeAspect="1"/>
+          </p:cNvPicPr>
           <p:nvPr/>
-        </p:nvSpPr>
-        <p:spPr>
-          <a:xfrm>
-            <a:off x="288601" y="5650195"/>
-            <a:ext cx="10035386" cy="1107996"/>
+        </p:nvPicPr>
+        <p:blipFill>
+          <a:blip r:embed="rId4"/>
+          <a:stretch>
+            <a:fillRect/>
+          </a:stretch>
+        </p:blipFill>
+        <p:spPr>
+          <a:xfrm>
+            <a:off x="8437038" y="3379584"/>
+            <a:ext cx="3119563" cy="3071072"/>
           </a:xfrm>
           <a:prstGeom prst="rect">
             <a:avLst/>
           </a:prstGeom>
         </p:spPr>
-        <p:txBody>
-          <a:bodyPr wrap="square">
-            <a:spAutoFit/>
-          </a:bodyPr>
-          <a:lstStyle/>
-          <a:p>
-            <a:r>
-              <a:rPr lang="en-US" sz="2200" b="1" dirty="0"/>
-              <a:t>Insights:</a:t>
-            </a:r>
-          </a:p>
-          <a:p>
-            <a:pPr marL="342900" indent="-342900">
-              <a:buFont typeface="Arial" panose="020B0604020202020204" pitchFamily="34" charset="0"/>
-              <a:buChar char="•"/>
-            </a:pPr>
-            <a:r>
-              <a:rPr lang="en-US" sz="2200" dirty="0"/>
-              <a:t>The campaign is more effective</a:t>
-            </a:r>
-          </a:p>
-          <a:p>
-            <a:pPr marL="342900" indent="-342900">
-              <a:buFont typeface="Arial" panose="020B0604020202020204" pitchFamily="34" charset="0"/>
-              <a:buChar char="•"/>
-            </a:pPr>
-            <a:r>
-              <a:rPr lang="en-US" sz="2200" dirty="0"/>
-              <a:t>The clients willingness increases, especially those being contacted previously</a:t>
-            </a:r>
-          </a:p>
-        </p:txBody>
-      </p:sp>
-      <p:sp>
-        <p:nvSpPr>
-          <p:cNvPr id="6" name="Rectangle 5">
-            <a:extLst>
-              <a:ext uri="{FF2B5EF4-FFF2-40B4-BE49-F238E27FC236}">
-                <a16:creationId xmlns:a16="http://schemas.microsoft.com/office/drawing/2014/main" id="{E192BF94-BAAD-3644-BB0F-69D7762F9CB7}"/>
-              </a:ext>
-            </a:extLst>
-          </p:cNvPr>
-          <p:cNvSpPr/>
+      </p:pic>
+      <p:pic>
+        <p:nvPicPr>
+          <p:cNvPr id="13" name="Picture 12">
+            <a:extLst>
+              <a:ext uri="{FF2B5EF4-FFF2-40B4-BE49-F238E27FC236}">
+                <a16:creationId xmlns:a16="http://schemas.microsoft.com/office/drawing/2014/main" id="{9F686277-5C11-9346-A94D-AEF569F79CA8}"/>
+              </a:ext>
+            </a:extLst>
+          </p:cNvPr>
+          <p:cNvPicPr>
+            <a:picLocks noChangeAspect="1"/>
+          </p:cNvPicPr>
           <p:nvPr/>
-        </p:nvSpPr>
-        <p:spPr>
-          <a:xfrm>
-            <a:off x="5373313" y="2875002"/>
-            <a:ext cx="2572884" cy="369332"/>
+        </p:nvPicPr>
+        <p:blipFill>
+          <a:blip r:embed="rId5"/>
+          <a:stretch>
+            <a:fillRect/>
+          </a:stretch>
+        </p:blipFill>
+        <p:spPr>
+          <a:xfrm>
+            <a:off x="1462646" y="3344624"/>
+            <a:ext cx="2963195" cy="2730050"/>
           </a:xfrm>
           <a:prstGeom prst="rect">
             <a:avLst/>
           </a:prstGeom>
         </p:spPr>
+      </p:pic>
+      <p:sp>
+        <p:nvSpPr>
+          <p:cNvPr id="14" name="Rectangle 13">
+            <a:extLst>
+              <a:ext uri="{FF2B5EF4-FFF2-40B4-BE49-F238E27FC236}">
+                <a16:creationId xmlns:a16="http://schemas.microsoft.com/office/drawing/2014/main" id="{84B0F0BF-E762-934B-A490-3754419042BA}"/>
+              </a:ext>
+            </a:extLst>
+          </p:cNvPr>
+          <p:cNvSpPr/>
+          <p:nvPr/>
+        </p:nvSpPr>
+        <p:spPr>
+          <a:xfrm>
+            <a:off x="1777797" y="6074674"/>
+            <a:ext cx="2769348" cy="646331"/>
+          </a:xfrm>
+          <a:prstGeom prst="rect">
+            <a:avLst/>
+          </a:prstGeom>
+        </p:spPr>
         <p:txBody>
           <a:bodyPr wrap="none">
             <a:spAutoFit/>
           </a:bodyPr>
           <a:lstStyle/>
           <a:p>
-            <a:pPr marL="285750" indent="-285750">
-              <a:buFont typeface="Arial" panose="020B0604020202020204" pitchFamily="34" charset="0"/>
-              <a:buChar char="•"/>
-            </a:pPr>
-            <a:r>
-              <a:rPr lang="en-US" dirty="0"/>
-              <a:t>The duration decrease</a:t>
+            <a:pPr algn="ctr"/>
+            <a:r>
+              <a:rPr lang="en-US" dirty="0"/>
+              <a:t>Age of “yes” clients </a:t>
+            </a:r>
+          </a:p>
+          <a:p>
+            <a:pPr algn="ctr"/>
+            <a:r>
+              <a:rPr lang="en-US" dirty="0"/>
+              <a:t>before and after 2009 June </a:t>
+            </a:r>
+          </a:p>
+        </p:txBody>
+      </p:sp>
+      <p:sp>
+        <p:nvSpPr>
+          <p:cNvPr id="15" name="Rectangle 14">
+            <a:extLst>
+              <a:ext uri="{FF2B5EF4-FFF2-40B4-BE49-F238E27FC236}">
+                <a16:creationId xmlns:a16="http://schemas.microsoft.com/office/drawing/2014/main" id="{BBB43B45-D9E2-084A-AE0A-287B3F85F10D}"/>
+              </a:ext>
+            </a:extLst>
+          </p:cNvPr>
+          <p:cNvSpPr/>
+          <p:nvPr/>
+        </p:nvSpPr>
+        <p:spPr>
+          <a:xfrm>
+            <a:off x="5203515" y="6169709"/>
+            <a:ext cx="2886752" cy="646331"/>
+          </a:xfrm>
+          <a:prstGeom prst="rect">
+            <a:avLst/>
+          </a:prstGeom>
+        </p:spPr>
+        <p:txBody>
+          <a:bodyPr wrap="none">
+            <a:spAutoFit/>
+          </a:bodyPr>
+          <a:lstStyle/>
+          <a:p>
+            <a:pPr algn="ctr"/>
+            <a:r>
+              <a:rPr lang="en-US" dirty="0"/>
+              <a:t>Call duration of “yes” clients </a:t>
+            </a:r>
+          </a:p>
+          <a:p>
+            <a:pPr algn="ctr"/>
+            <a:r>
+              <a:rPr lang="en-US" dirty="0"/>
+              <a:t>before and after 2009 June </a:t>
+            </a:r>
+          </a:p>
+        </p:txBody>
+      </p:sp>
+      <p:sp>
+        <p:nvSpPr>
+          <p:cNvPr id="16" name="Rectangle 15">
+            <a:extLst>
+              <a:ext uri="{FF2B5EF4-FFF2-40B4-BE49-F238E27FC236}">
+                <a16:creationId xmlns:a16="http://schemas.microsoft.com/office/drawing/2014/main" id="{7368AF2D-B7B1-B34A-AA6D-E8D77BB711C4}"/>
+              </a:ext>
+            </a:extLst>
+          </p:cNvPr>
+          <p:cNvSpPr/>
+          <p:nvPr/>
+        </p:nvSpPr>
+        <p:spPr>
+          <a:xfrm>
+            <a:off x="8758309" y="6211669"/>
+            <a:ext cx="2769348" cy="646331"/>
+          </a:xfrm>
+          <a:prstGeom prst="rect">
+            <a:avLst/>
+          </a:prstGeom>
+        </p:spPr>
+        <p:txBody>
+          <a:bodyPr wrap="none">
+            <a:spAutoFit/>
+          </a:bodyPr>
+          <a:lstStyle/>
+          <a:p>
+            <a:pPr algn="ctr"/>
+            <a:r>
+              <a:rPr lang="en-US" dirty="0" err="1"/>
+              <a:t>Pdays</a:t>
+            </a:r>
+            <a:r>
+              <a:rPr lang="en-US" dirty="0"/>
+              <a:t> of “yes” clients </a:t>
+            </a:r>
+          </a:p>
+          <a:p>
+            <a:pPr algn="ctr"/>
+            <a:r>
+              <a:rPr lang="en-US" dirty="0"/>
+              <a:t>before and after 2009 June </a:t>
+            </a:r>
+          </a:p>
+        </p:txBody>
+      </p:sp>
+      <p:sp>
+        <p:nvSpPr>
+          <p:cNvPr id="17" name="Rectangle 16">
+            <a:extLst>
+              <a:ext uri="{FF2B5EF4-FFF2-40B4-BE49-F238E27FC236}">
+                <a16:creationId xmlns:a16="http://schemas.microsoft.com/office/drawing/2014/main" id="{15682F7B-547B-3046-8524-1FBAEC2ECAFF}"/>
+              </a:ext>
+            </a:extLst>
+          </p:cNvPr>
+          <p:cNvSpPr/>
+          <p:nvPr/>
+        </p:nvSpPr>
+        <p:spPr>
+          <a:xfrm>
+            <a:off x="1462646" y="3189681"/>
+            <a:ext cx="740908" cy="369332"/>
+          </a:xfrm>
+          <a:prstGeom prst="rect">
+            <a:avLst/>
+          </a:prstGeom>
+          <a:solidFill>
+            <a:schemeClr val="bg1"/>
+          </a:solidFill>
+          <a:ln>
+            <a:solidFill>
+              <a:schemeClr val="tx1"/>
+            </a:solidFill>
+          </a:ln>
+        </p:spPr>
+        <p:txBody>
+          <a:bodyPr wrap="none">
+            <a:spAutoFit/>
+          </a:bodyPr>
+          <a:lstStyle/>
+          <a:p>
+            <a:r>
+              <a:rPr lang="en-US" dirty="0"/>
+              <a:t>Plot A</a:t>
+            </a:r>
+          </a:p>
+        </p:txBody>
+      </p:sp>
+      <p:sp>
+        <p:nvSpPr>
+          <p:cNvPr id="18" name="Rectangle 17">
+            <a:extLst>
+              <a:ext uri="{FF2B5EF4-FFF2-40B4-BE49-F238E27FC236}">
+                <a16:creationId xmlns:a16="http://schemas.microsoft.com/office/drawing/2014/main" id="{3162CABA-8EB0-DD44-A8A6-96ED0488CEC7}"/>
+              </a:ext>
+            </a:extLst>
+          </p:cNvPr>
+          <p:cNvSpPr/>
+          <p:nvPr/>
+        </p:nvSpPr>
+        <p:spPr>
+          <a:xfrm>
+            <a:off x="4858194" y="3189681"/>
+            <a:ext cx="732893" cy="369332"/>
+          </a:xfrm>
+          <a:prstGeom prst="rect">
+            <a:avLst/>
+          </a:prstGeom>
+          <a:solidFill>
+            <a:schemeClr val="bg1"/>
+          </a:solidFill>
+          <a:ln>
+            <a:solidFill>
+              <a:schemeClr val="tx1"/>
+            </a:solidFill>
+          </a:ln>
+        </p:spPr>
+        <p:txBody>
+          <a:bodyPr wrap="none">
+            <a:spAutoFit/>
+          </a:bodyPr>
+          <a:lstStyle/>
+          <a:p>
+            <a:r>
+              <a:rPr lang="en-US" dirty="0"/>
+              <a:t>Plot B</a:t>
+            </a:r>
+          </a:p>
+        </p:txBody>
+      </p:sp>
+      <p:sp>
+        <p:nvSpPr>
+          <p:cNvPr id="19" name="Rectangle 18">
+            <a:extLst>
+              <a:ext uri="{FF2B5EF4-FFF2-40B4-BE49-F238E27FC236}">
+                <a16:creationId xmlns:a16="http://schemas.microsoft.com/office/drawing/2014/main" id="{6F8E1A96-95B3-1C49-94AC-9A59CEB5881F}"/>
+              </a:ext>
+            </a:extLst>
+          </p:cNvPr>
+          <p:cNvSpPr/>
+          <p:nvPr/>
+        </p:nvSpPr>
+        <p:spPr>
+          <a:xfrm>
+            <a:off x="8488247" y="3244334"/>
+            <a:ext cx="731290" cy="369332"/>
+          </a:xfrm>
+          <a:prstGeom prst="rect">
+            <a:avLst/>
+          </a:prstGeom>
+          <a:solidFill>
+            <a:schemeClr val="bg1"/>
+          </a:solidFill>
+          <a:ln>
+            <a:solidFill>
+              <a:schemeClr val="tx1"/>
+            </a:solidFill>
+          </a:ln>
+        </p:spPr>
+        <p:txBody>
+          <a:bodyPr wrap="none">
+            <a:spAutoFit/>
+          </a:bodyPr>
+          <a:lstStyle/>
+          <a:p>
+            <a:r>
+              <a:rPr lang="en-US" dirty="0"/>
+              <a:t>Plot C</a:t>
             </a:r>
           </a:p>
         </p:txBody>
       </p:sp>
       <p:cxnSp>
         <p:nvCxnSpPr>
-          <p:cNvPr id="9" name="Straight Arrow Connector 8">
-            <a:extLst>
-              <a:ext uri="{FF2B5EF4-FFF2-40B4-BE49-F238E27FC236}">
-                <a16:creationId xmlns:a16="http://schemas.microsoft.com/office/drawing/2014/main" id="{BBC73AFF-9F9A-6840-A00F-F7392098271C}"/>
+          <p:cNvPr id="20" name="Straight Arrow Connector 19">
+            <a:extLst>
+              <a:ext uri="{FF2B5EF4-FFF2-40B4-BE49-F238E27FC236}">
+                <a16:creationId xmlns:a16="http://schemas.microsoft.com/office/drawing/2014/main" id="{106A5947-E2C6-8F46-AC12-9E9FA0CCD784}"/>
               </a:ext>
             </a:extLst>
           </p:cNvPr>
@@ -8904,14 +9995,14 @@
           <p:nvPr/>
         </p:nvCxnSpPr>
         <p:spPr>
-          <a:xfrm flipH="1">
-            <a:off x="5509288" y="3231794"/>
-            <a:ext cx="542450" cy="1830352"/>
+          <a:xfrm flipH="1" flipV="1">
+            <a:off x="10996023" y="2687327"/>
+            <a:ext cx="208308" cy="1144637"/>
           </a:xfrm>
           <a:prstGeom prst="straightConnector1">
             <a:avLst/>
           </a:prstGeom>
-          <a:ln w="38100">
+          <a:ln>
             <a:solidFill>
               <a:schemeClr val="tx1"/>
             </a:solidFill>
@@ -8935,86 +10026,39 @@
       </p:cxnSp>
       <p:sp>
         <p:nvSpPr>
-          <p:cNvPr id="11" name="Rectangle 10">
-            <a:extLst>
-              <a:ext uri="{FF2B5EF4-FFF2-40B4-BE49-F238E27FC236}">
-                <a16:creationId xmlns:a16="http://schemas.microsoft.com/office/drawing/2014/main" id="{7F0FB93F-53E7-084F-BD1B-BF9D6C1388A4}"/>
-              </a:ext>
-            </a:extLst>
-          </p:cNvPr>
-          <p:cNvSpPr/>
+          <p:cNvPr id="21" name="TextBox 20">
+            <a:extLst>
+              <a:ext uri="{FF2B5EF4-FFF2-40B4-BE49-F238E27FC236}">
+                <a16:creationId xmlns:a16="http://schemas.microsoft.com/office/drawing/2014/main" id="{48AC3EDC-1116-CC42-A6F5-A0B5CFE73757}"/>
+              </a:ext>
+            </a:extLst>
+          </p:cNvPr>
+          <p:cNvSpPr txBox="1"/>
           <p:nvPr/>
         </p:nvSpPr>
         <p:spPr>
           <a:xfrm>
-            <a:off x="8530974" y="2223992"/>
-            <a:ext cx="3338108" cy="923330"/>
+            <a:off x="9656801" y="2018033"/>
+            <a:ext cx="2886752" cy="646331"/>
           </a:xfrm>
           <a:prstGeom prst="rect">
             <a:avLst/>
           </a:prstGeom>
-        </p:spPr>
-        <p:txBody>
-          <a:bodyPr wrap="square">
+          <a:noFill/>
+        </p:spPr>
+        <p:txBody>
+          <a:bodyPr wrap="square" rtlCol="0">
             <a:spAutoFit/>
           </a:bodyPr>
           <a:lstStyle/>
           <a:p>
-            <a:pPr marL="285750" indent="-285750">
-              <a:buFont typeface="Arial" panose="020B0604020202020204" pitchFamily="34" charset="0"/>
-              <a:buChar char="•"/>
-            </a:pPr>
-            <a:r>
-              <a:rPr lang="en-US" dirty="0"/>
-              <a:t>The proportion of clients being contacted in previous campaign increases</a:t>
-            </a:r>
-          </a:p>
-        </p:txBody>
-      </p:sp>
-      <p:cxnSp>
-        <p:nvCxnSpPr>
-          <p:cNvPr id="12" name="Straight Arrow Connector 11">
-            <a:extLst>
-              <a:ext uri="{FF2B5EF4-FFF2-40B4-BE49-F238E27FC236}">
-                <a16:creationId xmlns:a16="http://schemas.microsoft.com/office/drawing/2014/main" id="{4E39F651-4BF8-9345-B72F-A34E4BB9E6AD}"/>
-              </a:ext>
-            </a:extLst>
-          </p:cNvPr>
-          <p:cNvCxnSpPr>
-            <a:cxnSpLocks/>
-          </p:cNvCxnSpPr>
-          <p:nvPr/>
-        </p:nvCxnSpPr>
-        <p:spPr>
-          <a:xfrm flipH="1">
-            <a:off x="9381666" y="3134782"/>
-            <a:ext cx="460977" cy="2228084"/>
-          </a:xfrm>
-          <a:prstGeom prst="straightConnector1">
-            <a:avLst/>
-          </a:prstGeom>
-          <a:ln w="38100">
-            <a:solidFill>
-              <a:schemeClr val="tx1"/>
-            </a:solidFill>
-            <a:tailEnd type="triangle"/>
-          </a:ln>
-        </p:spPr>
-        <p:style>
-          <a:lnRef idx="1">
-            <a:schemeClr val="accent1"/>
-          </a:lnRef>
-          <a:fillRef idx="0">
-            <a:schemeClr val="accent1"/>
-          </a:fillRef>
-          <a:effectRef idx="0">
-            <a:schemeClr val="accent1"/>
-          </a:effectRef>
-          <a:fontRef idx="minor">
-            <a:schemeClr val="tx1"/>
-          </a:fontRef>
-        </p:style>
-      </p:cxnSp>
+            <a:r>
+              <a:rPr lang="en-US" dirty="0"/>
+              <a:t>“999” means not being contacted ever before</a:t>
+            </a:r>
+          </a:p>
+        </p:txBody>
+      </p:sp>
     </p:spTree>
     <p:extLst>
       <p:ext uri="{BB962C8B-B14F-4D97-AF65-F5344CB8AC3E}">
@@ -9091,19 +10135,31 @@
         </p:nvSpPr>
         <p:spPr>
           <a:xfrm>
-            <a:off x="197636" y="2016717"/>
-            <a:ext cx="5335063" cy="438391"/>
+            <a:off x="519741" y="1644862"/>
+            <a:ext cx="7832951" cy="1089873"/>
           </a:xfrm>
         </p:spPr>
         <p:txBody>
           <a:bodyPr>
-            <a:normAutofit/>
+            <a:normAutofit fontScale="92500" lnSpcReduction="10000"/>
           </a:bodyPr>
           <a:lstStyle/>
           <a:p>
             <a:r>
               <a:rPr lang="en-US" sz="2200" dirty="0"/>
-              <a:t>Both before and after 2009 June</a:t>
+              <a:t>Plot A: cellular contact is the more effective than telephone</a:t>
+            </a:r>
+          </a:p>
+          <a:p>
+            <a:r>
+              <a:rPr lang="en-US" sz="2200" dirty="0"/>
+              <a:t>Plot B: student and retired people have a higher yes rate</a:t>
+            </a:r>
+          </a:p>
+          <a:p>
+            <a:r>
+              <a:rPr lang="en-US" sz="2200" dirty="0"/>
+              <a:t>Plot C: Monday has a lower yes rate</a:t>
             </a:r>
           </a:p>
         </p:txBody>
@@ -9182,13 +10238,18 @@
         </p:nvSpPr>
         <p:spPr>
           <a:xfrm>
-            <a:off x="7214567" y="4192916"/>
-            <a:ext cx="1804416" cy="369332"/>
+            <a:off x="6790810" y="3525615"/>
+            <a:ext cx="941441" cy="369332"/>
           </a:xfrm>
           <a:prstGeom prst="rect">
             <a:avLst/>
           </a:prstGeom>
-          <a:noFill/>
+          <a:solidFill>
+            <a:schemeClr val="accent4">
+              <a:lumMod val="20000"/>
+              <a:lumOff val="80000"/>
+            </a:schemeClr>
+          </a:solidFill>
         </p:spPr>
         <p:txBody>
           <a:bodyPr wrap="square" rtlCol="0">
@@ -9217,13 +10278,18 @@
         </p:nvSpPr>
         <p:spPr>
           <a:xfrm>
-            <a:off x="5945525" y="4192386"/>
-            <a:ext cx="1804416" cy="369332"/>
+            <a:off x="6018976" y="4164301"/>
+            <a:ext cx="853267" cy="369332"/>
           </a:xfrm>
           <a:prstGeom prst="rect">
             <a:avLst/>
           </a:prstGeom>
-          <a:noFill/>
+          <a:solidFill>
+            <a:schemeClr val="accent4">
+              <a:lumMod val="20000"/>
+              <a:lumOff val="80000"/>
+            </a:schemeClr>
+          </a:solidFill>
         </p:spPr>
         <p:txBody>
           <a:bodyPr wrap="square" rtlCol="0">
@@ -9234,123 +10300,6 @@
             <a:r>
               <a:rPr lang="en-US" dirty="0"/>
               <a:t>retired</a:t>
-            </a:r>
-          </a:p>
-        </p:txBody>
-      </p:sp>
-      <p:sp>
-        <p:nvSpPr>
-          <p:cNvPr id="4" name="Rectangle 3">
-            <a:extLst>
-              <a:ext uri="{FF2B5EF4-FFF2-40B4-BE49-F238E27FC236}">
-                <a16:creationId xmlns:a16="http://schemas.microsoft.com/office/drawing/2014/main" id="{85E51753-899F-8F48-81DD-D1A5BA092664}"/>
-              </a:ext>
-            </a:extLst>
-          </p:cNvPr>
-          <p:cNvSpPr/>
-          <p:nvPr/>
-        </p:nvSpPr>
-        <p:spPr>
-          <a:xfrm>
-            <a:off x="838200" y="2856151"/>
-            <a:ext cx="3394497" cy="769441"/>
-          </a:xfrm>
-          <a:prstGeom prst="rect">
-            <a:avLst/>
-          </a:prstGeom>
-        </p:spPr>
-        <p:txBody>
-          <a:bodyPr wrap="square">
-            <a:spAutoFit/>
-          </a:bodyPr>
-          <a:lstStyle/>
-          <a:p>
-            <a:pPr lvl="1"/>
-            <a:r>
-              <a:rPr lang="en-US" sz="2200" b="1" dirty="0"/>
-              <a:t>Cellular</a:t>
-            </a:r>
-            <a:r>
-              <a:rPr lang="en-US" sz="2200" dirty="0"/>
-              <a:t> contact is the most effective way</a:t>
-            </a:r>
-          </a:p>
-        </p:txBody>
-      </p:sp>
-      <p:sp>
-        <p:nvSpPr>
-          <p:cNvPr id="5" name="Rectangle 4">
-            <a:extLst>
-              <a:ext uri="{FF2B5EF4-FFF2-40B4-BE49-F238E27FC236}">
-                <a16:creationId xmlns:a16="http://schemas.microsoft.com/office/drawing/2014/main" id="{41F08EF7-859D-C44B-862A-1598653BDB6A}"/>
-              </a:ext>
-            </a:extLst>
-          </p:cNvPr>
-          <p:cNvSpPr/>
-          <p:nvPr/>
-        </p:nvSpPr>
-        <p:spPr>
-          <a:xfrm>
-            <a:off x="8153527" y="3058549"/>
-            <a:ext cx="3945824" cy="430887"/>
-          </a:xfrm>
-          <a:prstGeom prst="rect">
-            <a:avLst/>
-          </a:prstGeom>
-        </p:spPr>
-        <p:txBody>
-          <a:bodyPr wrap="none">
-            <a:spAutoFit/>
-          </a:bodyPr>
-          <a:lstStyle/>
-          <a:p>
-            <a:pPr lvl="1"/>
-            <a:r>
-              <a:rPr lang="en-US" sz="2200" b="1" dirty="0"/>
-              <a:t>Monday</a:t>
-            </a:r>
-            <a:r>
-              <a:rPr lang="en-US" sz="2200" dirty="0"/>
-              <a:t> has a lower yes rate</a:t>
-            </a:r>
-          </a:p>
-        </p:txBody>
-      </p:sp>
-      <p:sp>
-        <p:nvSpPr>
-          <p:cNvPr id="10" name="Rectangle 9">
-            <a:extLst>
-              <a:ext uri="{FF2B5EF4-FFF2-40B4-BE49-F238E27FC236}">
-                <a16:creationId xmlns:a16="http://schemas.microsoft.com/office/drawing/2014/main" id="{F5A2532E-588E-A643-BEE3-9E69601B5B6A}"/>
-              </a:ext>
-            </a:extLst>
-          </p:cNvPr>
-          <p:cNvSpPr/>
-          <p:nvPr/>
-        </p:nvSpPr>
-        <p:spPr>
-          <a:xfrm>
-            <a:off x="4954407" y="2455108"/>
-            <a:ext cx="3199120" cy="1107996"/>
-          </a:xfrm>
-          <a:prstGeom prst="rect">
-            <a:avLst/>
-          </a:prstGeom>
-        </p:spPr>
-        <p:txBody>
-          <a:bodyPr wrap="square">
-            <a:spAutoFit/>
-          </a:bodyPr>
-          <a:lstStyle/>
-          <a:p>
-            <a:pPr lvl="1"/>
-            <a:r>
-              <a:rPr lang="en-US" sz="2200" b="1" dirty="0"/>
-              <a:t>Student and retired </a:t>
-            </a:r>
-            <a:r>
-              <a:rPr lang="en-US" sz="2200" dirty="0"/>
-              <a:t>people have higher yes rate</a:t>
             </a:r>
           </a:p>
         </p:txBody>
@@ -9399,12 +10348,18 @@
         </p:nvSpPr>
         <p:spPr>
           <a:xfrm>
-            <a:off x="11017416" y="6123543"/>
-            <a:ext cx="975588" cy="369332"/>
+            <a:off x="11061377" y="4090710"/>
+            <a:ext cx="945002" cy="369332"/>
           </a:xfrm>
           <a:prstGeom prst="rect">
             <a:avLst/>
           </a:prstGeom>
+          <a:solidFill>
+            <a:schemeClr val="accent4">
+              <a:lumMod val="20000"/>
+              <a:lumOff val="80000"/>
+            </a:schemeClr>
+          </a:solidFill>
         </p:spPr>
         <p:txBody>
           <a:bodyPr wrap="none">
@@ -9413,9 +10368,10 @@
           <a:lstStyle/>
           <a:p>
             <a:r>
-              <a:rPr lang="en-US" dirty="0"/>
-              <a:t>Monday</a:t>
-            </a:r>
+              <a:rPr lang="en-US" dirty="0" err="1"/>
+              <a:t>monday</a:t>
+            </a:r>
+            <a:endParaRPr lang="en-US" dirty="0"/>
           </a:p>
         </p:txBody>
       </p:sp>
@@ -9433,12 +10389,18 @@
         </p:nvSpPr>
         <p:spPr>
           <a:xfrm>
-            <a:off x="1399933" y="4416462"/>
+            <a:off x="1367645" y="3571961"/>
             <a:ext cx="869149" cy="369332"/>
           </a:xfrm>
           <a:prstGeom prst="rect">
             <a:avLst/>
           </a:prstGeom>
+          <a:solidFill>
+            <a:schemeClr val="accent4">
+              <a:lumMod val="20000"/>
+              <a:lumOff val="80000"/>
+            </a:schemeClr>
+          </a:solidFill>
         </p:spPr>
         <p:txBody>
           <a:bodyPr wrap="none">
@@ -9467,12 +10429,18 @@
         </p:nvSpPr>
         <p:spPr>
           <a:xfrm>
-            <a:off x="2914712" y="4426744"/>
+            <a:off x="2809205" y="4336922"/>
             <a:ext cx="1145570" cy="369332"/>
           </a:xfrm>
           <a:prstGeom prst="rect">
             <a:avLst/>
           </a:prstGeom>
+          <a:solidFill>
+            <a:schemeClr val="accent4">
+              <a:lumMod val="20000"/>
+              <a:lumOff val="80000"/>
+            </a:schemeClr>
+          </a:solidFill>
         </p:spPr>
         <p:txBody>
           <a:bodyPr wrap="none">
@@ -9483,6 +10451,132 @@
             <a:r>
               <a:rPr lang="en-US" dirty="0"/>
               <a:t>telephone</a:t>
+            </a:r>
+          </a:p>
+        </p:txBody>
+      </p:sp>
+      <p:sp>
+        <p:nvSpPr>
+          <p:cNvPr id="15" name="Rectangle 14">
+            <a:extLst>
+              <a:ext uri="{FF2B5EF4-FFF2-40B4-BE49-F238E27FC236}">
+                <a16:creationId xmlns:a16="http://schemas.microsoft.com/office/drawing/2014/main" id="{903DCA26-83DA-DD4E-BD86-FACB48F85043}"/>
+              </a:ext>
+            </a:extLst>
+          </p:cNvPr>
+          <p:cNvSpPr/>
+          <p:nvPr/>
+        </p:nvSpPr>
+        <p:spPr>
+          <a:xfrm>
+            <a:off x="519741" y="3476480"/>
+            <a:ext cx="740908" cy="369332"/>
+          </a:xfrm>
+          <a:prstGeom prst="rect">
+            <a:avLst/>
+          </a:prstGeom>
+          <a:solidFill>
+            <a:schemeClr val="bg1"/>
+          </a:solidFill>
+          <a:ln>
+            <a:solidFill>
+              <a:schemeClr val="tx1"/>
+            </a:solidFill>
+          </a:ln>
+        </p:spPr>
+        <p:txBody>
+          <a:bodyPr wrap="none">
+            <a:spAutoFit/>
+          </a:bodyPr>
+          <a:lstStyle/>
+          <a:p>
+            <a:r>
+              <a:rPr lang="en-US" dirty="0"/>
+              <a:t>Plot A</a:t>
+            </a:r>
+          </a:p>
+        </p:txBody>
+      </p:sp>
+      <p:sp>
+        <p:nvSpPr>
+          <p:cNvPr id="19" name="Rectangle 18">
+            <a:extLst>
+              <a:ext uri="{FF2B5EF4-FFF2-40B4-BE49-F238E27FC236}">
+                <a16:creationId xmlns:a16="http://schemas.microsoft.com/office/drawing/2014/main" id="{43E4AEA3-9B9C-EF43-A116-DF71F2AB8C00}"/>
+              </a:ext>
+            </a:extLst>
+          </p:cNvPr>
+          <p:cNvSpPr/>
+          <p:nvPr/>
+        </p:nvSpPr>
+        <p:spPr>
+          <a:xfrm>
+            <a:off x="4634308" y="3513564"/>
+            <a:ext cx="732893" cy="369332"/>
+          </a:xfrm>
+          <a:prstGeom prst="rect">
+            <a:avLst/>
+          </a:prstGeom>
+          <a:solidFill>
+            <a:schemeClr val="bg1"/>
+          </a:solidFill>
+          <a:ln>
+            <a:solidFill>
+              <a:schemeClr val="tx1"/>
+            </a:solidFill>
+          </a:ln>
+        </p:spPr>
+        <p:txBody>
+          <a:bodyPr wrap="none">
+            <a:spAutoFit/>
+          </a:bodyPr>
+          <a:lstStyle/>
+          <a:p>
+            <a:r>
+              <a:rPr lang="en-US" dirty="0"/>
+              <a:t>Plot B</a:t>
+            </a:r>
+          </a:p>
+        </p:txBody>
+      </p:sp>
+      <p:sp>
+        <p:nvSpPr>
+          <p:cNvPr id="20" name="Rectangle 19">
+            <a:extLst>
+              <a:ext uri="{FF2B5EF4-FFF2-40B4-BE49-F238E27FC236}">
+                <a16:creationId xmlns:a16="http://schemas.microsoft.com/office/drawing/2014/main" id="{3D76D328-7072-8F48-A4C3-2CB1B6A127D7}"/>
+              </a:ext>
+            </a:extLst>
+          </p:cNvPr>
+          <p:cNvSpPr/>
+          <p:nvPr/>
+        </p:nvSpPr>
+        <p:spPr>
+          <a:xfrm>
+            <a:off x="8398068" y="3536691"/>
+            <a:ext cx="731290" cy="369332"/>
+          </a:xfrm>
+          <a:prstGeom prst="rect">
+            <a:avLst/>
+          </a:prstGeom>
+          <a:solidFill>
+            <a:schemeClr val="bg1"/>
+          </a:solidFill>
+          <a:ln>
+            <a:solidFill>
+              <a:schemeClr val="tx1"/>
+            </a:solidFill>
+          </a:ln>
+        </p:spPr>
+        <p:txBody>
+          <a:bodyPr wrap="none">
+            <a:spAutoFit/>
+          </a:bodyPr>
+          <a:lstStyle/>
+          <a:p>
+            <a:r>
+              <a:rPr lang="en-US" dirty="0"/>
+              <a:t>Plot C</a:t>
             </a:r>
           </a:p>
         </p:txBody>
@@ -9561,7 +10655,12 @@
             <p:ph idx="1"/>
           </p:nvPr>
         </p:nvSpPr>
-        <p:spPr/>
+        <p:spPr>
+          <a:xfrm>
+            <a:off x="723900" y="1532615"/>
+            <a:ext cx="10515600" cy="4351338"/>
+          </a:xfrm>
+        </p:spPr>
         <p:txBody>
           <a:bodyPr/>
           <a:lstStyle/>
@@ -9586,6 +10685,20 @@
               <a:t>Rolling train test in time</a:t>
             </a:r>
           </a:p>
+          <a:p>
+            <a:pPr lvl="1"/>
+            <a:r>
+              <a:rPr lang="en-US" dirty="0"/>
+              <a:t>cross-validation</a:t>
+            </a:r>
+          </a:p>
+          <a:p>
+            <a:pPr lvl="1"/>
+            <a:r>
+              <a:rPr lang="en-US" dirty="0"/>
+              <a:t>Simulate real-world retraining of the model</a:t>
+            </a:r>
+          </a:p>
         </p:txBody>
       </p:sp>
       <p:sp>
@@ -9602,7 +10715,7 @@
         </p:nvSpPr>
         <p:spPr>
           <a:xfrm>
-            <a:off x="3719384" y="2557849"/>
+            <a:off x="5653455" y="2582279"/>
             <a:ext cx="3608173" cy="345989"/>
           </a:xfrm>
           <a:prstGeom prst="rect">
@@ -9651,7 +10764,7 @@
         </p:nvSpPr>
         <p:spPr>
           <a:xfrm>
-            <a:off x="7327558" y="2557849"/>
+            <a:off x="9261629" y="2582279"/>
             <a:ext cx="1210962" cy="345989"/>
           </a:xfrm>
           <a:prstGeom prst="rect">
@@ -9708,7 +10821,7 @@
         </p:nvCxnSpPr>
         <p:spPr>
           <a:xfrm>
-            <a:off x="3719384" y="2372497"/>
+            <a:off x="5653455" y="2396927"/>
             <a:ext cx="4819136" cy="0"/>
           </a:xfrm>
           <a:prstGeom prst="straightConnector1">
@@ -9748,7 +10861,7 @@
         </p:nvSpPr>
         <p:spPr>
           <a:xfrm>
-            <a:off x="6215449" y="2002480"/>
+            <a:off x="7111552" y="2026910"/>
             <a:ext cx="951471" cy="369332"/>
           </a:xfrm>
           <a:prstGeom prst="rect">
@@ -9783,7 +10896,7 @@
         </p:nvSpPr>
         <p:spPr>
           <a:xfrm>
-            <a:off x="3599936" y="4509532"/>
+            <a:off x="5653456" y="4826651"/>
             <a:ext cx="2269524" cy="345989"/>
           </a:xfrm>
           <a:prstGeom prst="rect">
@@ -9832,7 +10945,7 @@
         </p:nvSpPr>
         <p:spPr>
           <a:xfrm>
-            <a:off x="5869460" y="4509532"/>
+            <a:off x="7922980" y="4826651"/>
             <a:ext cx="803189" cy="345989"/>
           </a:xfrm>
           <a:prstGeom prst="rect">
@@ -9889,7 +11002,7 @@
         </p:nvCxnSpPr>
         <p:spPr>
           <a:xfrm>
-            <a:off x="3599935" y="4324180"/>
+            <a:off x="5653455" y="4641299"/>
             <a:ext cx="4819136" cy="0"/>
           </a:xfrm>
           <a:prstGeom prst="straightConnector1">
@@ -9929,7 +11042,7 @@
         </p:nvSpPr>
         <p:spPr>
           <a:xfrm>
-            <a:off x="6096000" y="3954163"/>
+            <a:off x="8149520" y="4271282"/>
             <a:ext cx="951471" cy="369332"/>
           </a:xfrm>
           <a:prstGeom prst="rect">
@@ -9964,7 +11077,7 @@
         </p:nvSpPr>
         <p:spPr>
           <a:xfrm>
-            <a:off x="4376352" y="5076891"/>
+            <a:off x="6429872" y="5394010"/>
             <a:ext cx="2269524" cy="345989"/>
           </a:xfrm>
           <a:prstGeom prst="rect">
@@ -10013,7 +11126,7 @@
         </p:nvSpPr>
         <p:spPr>
           <a:xfrm>
-            <a:off x="6645876" y="5076891"/>
+            <a:off x="8699396" y="5394010"/>
             <a:ext cx="803189" cy="345989"/>
           </a:xfrm>
           <a:prstGeom prst="rect">
@@ -10070,7 +11183,7 @@
         </p:nvSpPr>
         <p:spPr>
           <a:xfrm>
-            <a:off x="5179541" y="5608231"/>
+            <a:off x="7233061" y="5925350"/>
             <a:ext cx="2269524" cy="345989"/>
           </a:xfrm>
           <a:prstGeom prst="rect">
@@ -10119,7 +11232,7 @@
         </p:nvSpPr>
         <p:spPr>
           <a:xfrm>
-            <a:off x="7449065" y="5608231"/>
+            <a:off x="9502585" y="5925350"/>
             <a:ext cx="803189" cy="345989"/>
           </a:xfrm>
           <a:prstGeom prst="rect">
